--- a/Milestones/M3 december presentation/M3.pptx
+++ b/Milestones/M3 december presentation/M3.pptx
@@ -6,10 +6,10 @@
     <p:sldMasterId id="2147483694" r:id="rId2"/>
   </p:sldMasterIdLst>
   <p:notesMasterIdLst>
-    <p:notesMasterId r:id="rId35"/>
+    <p:notesMasterId r:id="rId42"/>
   </p:notesMasterIdLst>
   <p:handoutMasterIdLst>
-    <p:handoutMasterId r:id="rId36"/>
+    <p:handoutMasterId r:id="rId43"/>
   </p:handoutMasterIdLst>
   <p:sldIdLst>
     <p:sldId id="261" r:id="rId3"/>
@@ -43,7 +43,14 @@
     <p:sldId id="280" r:id="rId31"/>
     <p:sldId id="270" r:id="rId32"/>
     <p:sldId id="269" r:id="rId33"/>
-    <p:sldId id="271" r:id="rId34"/>
+    <p:sldId id="316" r:id="rId34"/>
+    <p:sldId id="315" r:id="rId35"/>
+    <p:sldId id="312" r:id="rId36"/>
+    <p:sldId id="313" r:id="rId37"/>
+    <p:sldId id="311" r:id="rId38"/>
+    <p:sldId id="314" r:id="rId39"/>
+    <p:sldId id="271" r:id="rId40"/>
+    <p:sldId id="317" r:id="rId41"/>
   </p:sldIdLst>
   <p:sldSz cx="12192000" cy="6858000"/>
   <p:notesSz cx="6858000" cy="9144000"/>
@@ -2615,16 +2622,16 @@
                   <c:v>665</c:v>
                 </c:pt>
                 <c:pt idx="22">
-                  <c:v>674</c:v>
+                  <c:v>684</c:v>
                 </c:pt>
                 <c:pt idx="23">
-                  <c:v>674</c:v>
+                  <c:v>684</c:v>
                 </c:pt>
                 <c:pt idx="24">
-                  <c:v>674</c:v>
+                  <c:v>684</c:v>
                 </c:pt>
                 <c:pt idx="25">
-                  <c:v>674</c:v>
+                  <c:v>684</c:v>
                 </c:pt>
               </c:numCache>
             </c:numRef>
@@ -7011,7 +7018,7 @@
           <a:p>
             <a:fld id="{8F591CCF-F6FD-734B-854A-5BC033593B1E}" type="datetimeFigureOut">
               <a:rPr lang="nl-NL" smtClean="0"/>
-              <a:t>20-12-2022</a:t>
+              <a:t>21-12-2022</a:t>
             </a:fld>
             <a:endParaRPr lang="nl-NL"/>
           </a:p>
@@ -7176,7 +7183,7 @@
           <a:p>
             <a:fld id="{23C66214-DB21-4647-B5DA-0D17CA592867}" type="datetimeFigureOut">
               <a:rPr lang="nl-NL" smtClean="0"/>
-              <a:t>20-12-2022</a:t>
+              <a:t>21-12-2022</a:t>
             </a:fld>
             <a:endParaRPr lang="nl-NL"/>
           </a:p>
@@ -8835,16 +8842,16 @@
             <a:endParaRPr lang="nl-BE" dirty="0"/>
           </a:p>
           <a:p>
-            <a:endParaRPr lang="nl-BE"/>
-          </a:p>
-          <a:p>
-            <a:r>
-              <a:rPr lang="nl-BE"/>
-              <a:t>Pysat </a:t>
-            </a:r>
-            <a:r>
-              <a:rPr lang="nl-BE" dirty="0"/>
-              <a:t>minder bugs = meeste voorbeelden zijn CP problemen (globale </a:t>
+            <a:endParaRPr lang="nl-BE" dirty="0"/>
+          </a:p>
+          <a:p>
+            <a:r>
+              <a:rPr lang="nl-BE" dirty="0" err="1"/>
+              <a:t>Pysat</a:t>
+            </a:r>
+            <a:r>
+              <a:rPr lang="nl-BE" dirty="0"/>
+              <a:t> minder bugs = meeste voorbeelden zijn CP problemen (globale </a:t>
             </a:r>
             <a:r>
               <a:rPr lang="nl-BE" dirty="0" err="1"/>
@@ -9417,15 +9424,7 @@
           <a:p>
             <a:r>
               <a:rPr lang="nl-BE" dirty="0"/>
-              <a:t>geen van de technieken is volledig automatisch door de vaak </a:t>
-            </a:r>
-            <a:r>
-              <a:rPr lang="nl-BE" dirty="0" err="1"/>
-              <a:t>fequente</a:t>
-            </a:r>
-            <a:r>
-              <a:rPr lang="nl-BE" dirty="0"/>
-              <a:t> gelijkaardige fouten</a:t>
+              <a:t>geen van de technieken is volledig automatisch door de vaak frequente gelijkaardige fouten</a:t>
             </a:r>
           </a:p>
           <a:p>
@@ -9577,75 +9576,85 @@
           <a:p>
             <a:r>
               <a:rPr lang="nl-BE" dirty="0"/>
-              <a:t>geen van de technieken is volledig automatisch door de vaak </a:t>
+              <a:t>geen van de technieken is volledig automatisch door de vaak frequente gelijkaardige fouten</a:t>
+            </a:r>
+          </a:p>
+          <a:p>
+            <a:endParaRPr lang="nl-BE" dirty="0"/>
+          </a:p>
+          <a:p>
+            <a:r>
+              <a:rPr lang="nl-BE" dirty="0"/>
+              <a:t>Blijft nuttig om de testen uit te voeren</a:t>
+            </a:r>
+          </a:p>
+          <a:p>
+            <a:endParaRPr lang="nl-BE" dirty="0"/>
+          </a:p>
+          <a:p>
+            <a:r>
+              <a:rPr lang="nl-BE" dirty="0"/>
+              <a:t>Configuratie ruimte laten testen CPMpy heeft directe toegang tot de </a:t>
             </a:r>
             <a:r>
               <a:rPr lang="nl-BE" dirty="0" err="1"/>
-              <a:t>fequente</a:t>
-            </a:r>
-            <a:r>
-              <a:rPr lang="nl-BE" dirty="0"/>
-              <a:t> gelijkaardige fouten</a:t>
-            </a:r>
-          </a:p>
-          <a:p>
-            <a:r>
-              <a:rPr lang="nl-BE" dirty="0"/>
-              <a:t>Metamorphic testen is niet automatisch door de definities van </a:t>
+              <a:t>solvers</a:t>
+            </a:r>
+            <a:r>
+              <a:rPr lang="nl-BE" dirty="0"/>
+              <a:t> en kan ook </a:t>
             </a:r>
             <a:r>
               <a:rPr lang="nl-BE" dirty="0" err="1"/>
-              <a:t>metamorphische</a:t>
-            </a:r>
-            <a:r>
-              <a:rPr lang="nl-BE" dirty="0"/>
-              <a:t> relaties die nodig zijn en we nu nog niet kunnen maken want we weten niet hoe die in de toekomst er uit zullen zien</a:t>
+              <a:t>solverspecifieke</a:t>
+            </a:r>
+            <a:r>
+              <a:rPr lang="nl-BE" dirty="0"/>
+              <a:t> tips mee geven voor onder andere </a:t>
+            </a:r>
+            <a:r>
+              <a:rPr lang="nl-BE" dirty="0" err="1"/>
+              <a:t>efficientie</a:t>
+            </a:r>
+            <a:r>
+              <a:rPr lang="nl-BE" dirty="0"/>
+              <a:t>. Zoals </a:t>
+            </a:r>
+            <a:r>
+              <a:rPr lang="nl-BE" dirty="0" err="1"/>
+              <a:t>Peisens</a:t>
+            </a:r>
+            <a:r>
+              <a:rPr lang="nl-BE" dirty="0"/>
+              <a:t> en co doen zouden we ook deze ruimte kunnen testen bovenop de </a:t>
+            </a:r>
+            <a:r>
+              <a:rPr lang="nl-BE" dirty="0" err="1"/>
+              <a:t>inputs</a:t>
+            </a:r>
+            <a:r>
+              <a:rPr lang="nl-BE" dirty="0"/>
+              <a:t> die we al mee geven. Stel u voor dat er een bepaalde bug enkel voorkomt met een bepaald input en een configuratie die wel of niet aan </a:t>
+            </a:r>
+            <a:r>
+              <a:rPr lang="nl-BE" dirty="0" err="1"/>
+              <a:t>symmtrie</a:t>
+            </a:r>
+            <a:r>
+              <a:rPr lang="nl-BE" dirty="0"/>
+              <a:t> </a:t>
+            </a:r>
+            <a:r>
+              <a:rPr lang="nl-BE" dirty="0" err="1"/>
+              <a:t>breaking</a:t>
+            </a:r>
+            <a:r>
+              <a:rPr lang="nl-BE" dirty="0"/>
+              <a:t> doet</a:t>
             </a:r>
           </a:p>
           <a:p>
             <a:endParaRPr lang="nl-BE" dirty="0"/>
-          </a:p>
-          <a:p>
-            <a:endParaRPr lang="nl-BE" dirty="0"/>
-          </a:p>
-          <a:p>
-            <a:endParaRPr lang="nl-BE" dirty="0"/>
-          </a:p>
-          <a:p>
-            <a:r>
-              <a:rPr lang="nl-BE" dirty="0"/>
-              <a:t>Geen van de technieken kun dus alle 19 bugs op zijn eigen vinden waardoor we besluiten en aanraden om een combinatie van technieken te gebruiken </a:t>
-            </a:r>
-          </a:p>
-          <a:p>
-            <a:r>
-              <a:rPr lang="nl-BE" dirty="0"/>
-              <a:t>Ook zijn onze technieken niet vol automatisch en meteen inzetbaar in </a:t>
-            </a:r>
-            <a:r>
-              <a:rPr lang="nl-BE" dirty="0" err="1"/>
-              <a:t>continuous</a:t>
-            </a:r>
-            <a:r>
-              <a:rPr lang="nl-BE" dirty="0"/>
-              <a:t> </a:t>
-            </a:r>
-            <a:r>
-              <a:rPr lang="nl-BE" dirty="0" err="1"/>
-              <a:t>intergration</a:t>
-            </a:r>
-            <a:r>
-              <a:rPr lang="nl-BE" dirty="0"/>
-              <a:t> </a:t>
-            </a:r>
-            <a:r>
-              <a:rPr lang="nl-BE" dirty="0" err="1"/>
-              <a:t>and</a:t>
-            </a:r>
-            <a:r>
-              <a:rPr lang="nl-BE" dirty="0"/>
-              <a:t> delivery, maar het is zeker mogelijk</a:t>
-            </a:r>
           </a:p>
         </p:txBody>
       </p:sp>
@@ -10885,6 +10894,45 @@
           <a:p>
             <a:r>
               <a:rPr lang="nl-BE" dirty="0"/>
+              <a:t>CPMpy is een modeleer en constraint </a:t>
+            </a:r>
+            <a:r>
+              <a:rPr lang="nl-BE" dirty="0" err="1"/>
+              <a:t>programming</a:t>
+            </a:r>
+            <a:r>
+              <a:rPr lang="nl-BE" dirty="0"/>
+              <a:t> bibliotheek gemaakt voor Python dat ontwikkeld is dicht bij Numpy en met rechtstreekse toegang tot de </a:t>
+            </a:r>
+            <a:r>
+              <a:rPr lang="nl-BE" dirty="0" err="1"/>
+              <a:t>solver</a:t>
+            </a:r>
+            <a:r>
+              <a:rPr lang="nl-BE" dirty="0"/>
+              <a:t>. </a:t>
+            </a:r>
+          </a:p>
+          <a:p>
+            <a:r>
+              <a:rPr lang="nl-BE" dirty="0"/>
+              <a:t>Deze </a:t>
+            </a:r>
+            <a:r>
+              <a:rPr lang="nl-BE" dirty="0" err="1"/>
+              <a:t>solvers</a:t>
+            </a:r>
+            <a:r>
+              <a:rPr lang="nl-BE" dirty="0"/>
+              <a:t> lossen het probleem voor ons op terwijl CPMpy helpt met alles rondom rond het opschrijven/creëren van het probleem</a:t>
+            </a:r>
+          </a:p>
+          <a:p>
+            <a:endParaRPr lang="nl-BE" dirty="0"/>
+          </a:p>
+          <a:p>
+            <a:r>
+              <a:rPr lang="nl-BE" dirty="0"/>
               <a:t>Een veel gebruikt voorbeeld is het volgende</a:t>
             </a:r>
           </a:p>
@@ -11262,6 +11310,128 @@
               <a:rPr lang="en-GB" dirty="0"/>
               <a:t>?</a:t>
             </a:r>
+          </a:p>
+          <a:p>
+            <a:r>
+              <a:rPr lang="en-GB" dirty="0"/>
+              <a:t>Wat </a:t>
+            </a:r>
+            <a:r>
+              <a:rPr lang="en-GB" dirty="0" err="1"/>
+              <a:t>moet</a:t>
+            </a:r>
+            <a:r>
+              <a:rPr lang="en-GB" dirty="0"/>
+              <a:t> er </a:t>
+            </a:r>
+            <a:r>
+              <a:rPr lang="en-GB" dirty="0" err="1"/>
+              <a:t>weg</a:t>
+            </a:r>
+            <a:r>
+              <a:rPr lang="en-GB" dirty="0"/>
+              <a:t> </a:t>
+            </a:r>
+            <a:r>
+              <a:rPr lang="en-GB" dirty="0" err="1"/>
+              <a:t>voor</a:t>
+            </a:r>
+            <a:r>
+              <a:rPr lang="en-GB" dirty="0"/>
+              <a:t> </a:t>
+            </a:r>
+            <a:r>
+              <a:rPr lang="en-GB" dirty="0" err="1"/>
+              <a:t>tijd</a:t>
+            </a:r>
+            <a:r>
+              <a:rPr lang="en-GB" dirty="0"/>
+              <a:t>? </a:t>
+            </a:r>
+            <a:r>
+              <a:rPr lang="en-GB" dirty="0" err="1"/>
+              <a:t>Ik</a:t>
+            </a:r>
+            <a:r>
+              <a:rPr lang="en-GB" dirty="0"/>
+              <a:t> </a:t>
+            </a:r>
+            <a:r>
+              <a:rPr lang="en-GB" dirty="0" err="1"/>
+              <a:t>kan</a:t>
+            </a:r>
+            <a:r>
+              <a:rPr lang="en-GB" dirty="0"/>
+              <a:t> </a:t>
+            </a:r>
+            <a:r>
+              <a:rPr lang="en-GB" dirty="0" err="1"/>
+              <a:t>nog</a:t>
+            </a:r>
+            <a:r>
+              <a:rPr lang="en-GB" dirty="0"/>
+              <a:t> </a:t>
+            </a:r>
+            <a:r>
+              <a:rPr lang="en-GB" dirty="0" err="1"/>
+              <a:t>interesante</a:t>
+            </a:r>
+            <a:r>
+              <a:rPr lang="en-GB" dirty="0"/>
+              <a:t> </a:t>
+            </a:r>
+            <a:r>
+              <a:rPr lang="en-GB" dirty="0" err="1"/>
+              <a:t>dingen</a:t>
+            </a:r>
+            <a:r>
+              <a:rPr lang="en-GB" dirty="0"/>
+              <a:t> </a:t>
+            </a:r>
+            <a:r>
+              <a:rPr lang="en-GB" dirty="0" err="1"/>
+              <a:t>zeggen</a:t>
+            </a:r>
+            <a:r>
+              <a:rPr lang="en-GB" dirty="0"/>
+              <a:t> over de Seeds </a:t>
+            </a:r>
+            <a:r>
+              <a:rPr lang="en-GB" dirty="0" err="1"/>
+              <a:t>en</a:t>
+            </a:r>
+            <a:r>
+              <a:rPr lang="en-GB" dirty="0"/>
+              <a:t> semantic fusion die </a:t>
+            </a:r>
+            <a:r>
+              <a:rPr lang="en-GB" dirty="0" err="1"/>
+              <a:t>ik</a:t>
+            </a:r>
+            <a:r>
+              <a:rPr lang="en-GB" dirty="0"/>
+              <a:t> </a:t>
+            </a:r>
+            <a:r>
+              <a:rPr lang="en-GB" dirty="0" err="1"/>
+              <a:t>heb</a:t>
+            </a:r>
+            <a:r>
+              <a:rPr lang="en-GB" dirty="0"/>
+              <a:t> </a:t>
+            </a:r>
+            <a:r>
+              <a:rPr lang="en-GB" dirty="0" err="1"/>
+              <a:t>moeten</a:t>
+            </a:r>
+            <a:r>
+              <a:rPr lang="en-GB" dirty="0"/>
+              <a:t> </a:t>
+            </a:r>
+            <a:r>
+              <a:rPr lang="en-GB"/>
+              <a:t>weglaten</a:t>
+            </a:r>
             <a:endParaRPr lang="en-US" dirty="0"/>
           </a:p>
         </p:txBody>
@@ -11346,6 +11516,318 @@
           <a:bodyPr/>
           <a:lstStyle/>
           <a:p>
+            <a:r>
+              <a:rPr lang="en-GB" dirty="0"/>
+              <a:t>Meer </a:t>
+            </a:r>
+            <a:r>
+              <a:rPr lang="en-GB" dirty="0" err="1"/>
+              <a:t>visueler</a:t>
+            </a:r>
+            <a:r>
+              <a:rPr lang="en-GB" dirty="0"/>
+              <a:t>, </a:t>
+            </a:r>
+          </a:p>
+          <a:p>
+            <a:r>
+              <a:rPr lang="en-GB" dirty="0" err="1"/>
+              <a:t>meer</a:t>
+            </a:r>
+            <a:r>
+              <a:rPr lang="en-GB" dirty="0"/>
+              <a:t> </a:t>
+            </a:r>
+            <a:r>
+              <a:rPr lang="en-GB" dirty="0" err="1"/>
+              <a:t>levendiger</a:t>
+            </a:r>
+            <a:r>
+              <a:rPr lang="en-GB" dirty="0"/>
+              <a:t>?</a:t>
+            </a:r>
+            <a:endParaRPr lang="en-US" dirty="0"/>
+          </a:p>
+        </p:txBody>
+      </p:sp>
+      <p:sp>
+        <p:nvSpPr>
+          <p:cNvPr id="4" name="Slide Number Placeholder 3"/>
+          <p:cNvSpPr>
+            <a:spLocks noGrp="1"/>
+          </p:cNvSpPr>
+          <p:nvPr>
+            <p:ph type="sldNum" sz="quarter" idx="5"/>
+          </p:nvPr>
+        </p:nvSpPr>
+        <p:spPr/>
+        <p:txBody>
+          <a:bodyPr/>
+          <a:lstStyle/>
+          <a:p>
+            <a:fld id="{8954E32A-327F-AF4B-8E1F-209FBF93D26D}" type="slidenum">
+              <a:rPr lang="nl-NL" smtClean="0"/>
+              <a:t>32</a:t>
+            </a:fld>
+            <a:endParaRPr lang="nl-NL"/>
+          </a:p>
+        </p:txBody>
+      </p:sp>
+    </p:spTree>
+    <p:extLst>
+      <p:ext uri="{BB962C8B-B14F-4D97-AF65-F5344CB8AC3E}">
+        <p14:creationId xmlns:p14="http://schemas.microsoft.com/office/powerpoint/2010/main" val="3164153248"/>
+      </p:ext>
+    </p:extLst>
+  </p:cSld>
+  <p:clrMapOvr>
+    <a:masterClrMapping/>
+  </p:clrMapOvr>
+</p:notes>
+</file>
+
+<file path=ppt/notesSlides/notesSlide33.xml><?xml version="1.0" encoding="utf-8"?>
+<p:notes xmlns:a="http://schemas.openxmlformats.org/drawingml/2006/main" xmlns:r="http://schemas.openxmlformats.org/officeDocument/2006/relationships" xmlns:p="http://schemas.openxmlformats.org/presentationml/2006/main">
+  <p:cSld>
+    <p:spTree>
+      <p:nvGrpSpPr>
+        <p:cNvPr id="1" name=""/>
+        <p:cNvGrpSpPr/>
+        <p:nvPr/>
+      </p:nvGrpSpPr>
+      <p:grpSpPr>
+        <a:xfrm>
+          <a:off x="0" y="0"/>
+          <a:ext cx="0" cy="0"/>
+          <a:chOff x="0" y="0"/>
+          <a:chExt cx="0" cy="0"/>
+        </a:xfrm>
+      </p:grpSpPr>
+      <p:sp>
+        <p:nvSpPr>
+          <p:cNvPr id="2" name="Slide Image Placeholder 1"/>
+          <p:cNvSpPr>
+            <a:spLocks noGrp="1" noRot="1" noChangeAspect="1"/>
+          </p:cNvSpPr>
+          <p:nvPr>
+            <p:ph type="sldImg"/>
+          </p:nvPr>
+        </p:nvSpPr>
+        <p:spPr/>
+      </p:sp>
+      <p:sp>
+        <p:nvSpPr>
+          <p:cNvPr id="3" name="Notes Placeholder 2"/>
+          <p:cNvSpPr>
+            <a:spLocks noGrp="1"/>
+          </p:cNvSpPr>
+          <p:nvPr>
+            <p:ph type="body" idx="1"/>
+          </p:nvPr>
+        </p:nvSpPr>
+        <p:spPr/>
+        <p:txBody>
+          <a:bodyPr/>
+          <a:lstStyle/>
+          <a:p>
+            <a:r>
+              <a:rPr lang="nl-BE" noProof="0" dirty="0"/>
+              <a:t>Goedemiddag Ik ben Ruben en ik kom vandaag uitleggen waarom ik </a:t>
+            </a:r>
+            <a:r>
+              <a:rPr lang="nl-BE" noProof="0" dirty="0" err="1"/>
+              <a:t>fuzz</a:t>
+            </a:r>
+            <a:r>
+              <a:rPr lang="nl-BE" noProof="0" dirty="0"/>
+              <a:t> tests heb uitgevoerd op constraint </a:t>
+            </a:r>
+            <a:r>
+              <a:rPr lang="nl-BE" noProof="0" dirty="0" err="1"/>
+              <a:t>programming</a:t>
+            </a:r>
+            <a:endParaRPr lang="nl-BE" noProof="0" dirty="0"/>
+          </a:p>
+        </p:txBody>
+      </p:sp>
+      <p:sp>
+        <p:nvSpPr>
+          <p:cNvPr id="4" name="Slide Number Placeholder 3"/>
+          <p:cNvSpPr>
+            <a:spLocks noGrp="1"/>
+          </p:cNvSpPr>
+          <p:nvPr>
+            <p:ph type="sldNum" sz="quarter" idx="5"/>
+          </p:nvPr>
+        </p:nvSpPr>
+        <p:spPr/>
+        <p:txBody>
+          <a:bodyPr/>
+          <a:lstStyle/>
+          <a:p>
+            <a:fld id="{8954E32A-327F-AF4B-8E1F-209FBF93D26D}" type="slidenum">
+              <a:rPr lang="nl-NL" smtClean="0"/>
+              <a:t>33</a:t>
+            </a:fld>
+            <a:endParaRPr lang="nl-NL"/>
+          </a:p>
+        </p:txBody>
+      </p:sp>
+    </p:spTree>
+    <p:extLst>
+      <p:ext uri="{BB962C8B-B14F-4D97-AF65-F5344CB8AC3E}">
+        <p14:creationId xmlns:p14="http://schemas.microsoft.com/office/powerpoint/2010/main" val="2395904154"/>
+      </p:ext>
+    </p:extLst>
+  </p:cSld>
+  <p:clrMapOvr>
+    <a:masterClrMapping/>
+  </p:clrMapOvr>
+</p:notes>
+</file>
+
+<file path=ppt/notesSlides/notesSlide34.xml><?xml version="1.0" encoding="utf-8"?>
+<p:notes xmlns:a="http://schemas.openxmlformats.org/drawingml/2006/main" xmlns:r="http://schemas.openxmlformats.org/officeDocument/2006/relationships" xmlns:p="http://schemas.openxmlformats.org/presentationml/2006/main">
+  <p:cSld>
+    <p:spTree>
+      <p:nvGrpSpPr>
+        <p:cNvPr id="1" name=""/>
+        <p:cNvGrpSpPr/>
+        <p:nvPr/>
+      </p:nvGrpSpPr>
+      <p:grpSpPr>
+        <a:xfrm>
+          <a:off x="0" y="0"/>
+          <a:ext cx="0" cy="0"/>
+          <a:chOff x="0" y="0"/>
+          <a:chExt cx="0" cy="0"/>
+        </a:xfrm>
+      </p:grpSpPr>
+      <p:sp>
+        <p:nvSpPr>
+          <p:cNvPr id="2" name="Slide Image Placeholder 1"/>
+          <p:cNvSpPr>
+            <a:spLocks noGrp="1" noRot="1" noChangeAspect="1"/>
+          </p:cNvSpPr>
+          <p:nvPr>
+            <p:ph type="sldImg"/>
+          </p:nvPr>
+        </p:nvSpPr>
+        <p:spPr/>
+      </p:sp>
+      <p:sp>
+        <p:nvSpPr>
+          <p:cNvPr id="3" name="Notes Placeholder 2"/>
+          <p:cNvSpPr>
+            <a:spLocks noGrp="1"/>
+          </p:cNvSpPr>
+          <p:nvPr>
+            <p:ph type="body" idx="1"/>
+          </p:nvPr>
+        </p:nvSpPr>
+        <p:spPr/>
+        <p:txBody>
+          <a:bodyPr/>
+          <a:lstStyle/>
+          <a:p>
+            <a:r>
+              <a:rPr lang="nl-BE" dirty="0"/>
+              <a:t>Nu we weten wat Constraint </a:t>
+            </a:r>
+            <a:r>
+              <a:rPr lang="nl-BE" dirty="0" err="1"/>
+              <a:t>programming</a:t>
+            </a:r>
+            <a:r>
+              <a:rPr lang="nl-BE" dirty="0"/>
+              <a:t> is ga ik uitleggen waarom we juist naar bugs zoeken hierin </a:t>
+            </a:r>
+          </a:p>
+          <a:p>
+            <a:r>
+              <a:rPr lang="nl-BE" dirty="0"/>
+              <a:t>Wel bugs zijn nooit gewenst, jammer genoeg zitten ze bijna wel overal. En omdat Constraint </a:t>
+            </a:r>
+            <a:r>
+              <a:rPr lang="nl-BE" dirty="0" err="1"/>
+              <a:t>programming</a:t>
+            </a:r>
+            <a:r>
+              <a:rPr lang="nl-BE" dirty="0"/>
+              <a:t> vaak steunt op composities van beperkingen die mogelijk nog nooit in deze samenstelling zijn gezien door de </a:t>
+            </a:r>
+            <a:r>
+              <a:rPr lang="nl-BE" dirty="0" err="1"/>
+              <a:t>solver</a:t>
+            </a:r>
+            <a:r>
+              <a:rPr lang="nl-BE" dirty="0"/>
+              <a:t> </a:t>
+            </a:r>
+          </a:p>
+          <a:p>
+            <a:r>
+              <a:rPr lang="nl-BE" dirty="0"/>
+              <a:t>Kan het zijn dat hier fouten zijn ingeslopen. Het zijn deze bugs die wij willen vinden.</a:t>
+            </a:r>
+          </a:p>
+          <a:p>
+            <a:endParaRPr lang="nl-BE" dirty="0"/>
+          </a:p>
+          <a:p>
+            <a:r>
+              <a:rPr lang="nl-BE" dirty="0"/>
+              <a:t>Omdat een bug soms nogal een losse definitie heeft </a:t>
+            </a:r>
+            <a:r>
+              <a:rPr lang="nl-BE" sz="700" dirty="0"/>
+              <a:t>het handig om te weten wat we definiëren als een bug (wij gaan dit definiëren als alle ongewenste gedragingen van een programma) een crash, vasthangen, en zeker ook de kritieke bugs zoals verkeerdelijk unsat of </a:t>
+            </a:r>
+            <a:r>
+              <a:rPr lang="nl-BE" sz="700" dirty="0" err="1"/>
+              <a:t>sat</a:t>
+            </a:r>
+            <a:r>
+              <a:rPr lang="nl-BE" sz="700" dirty="0"/>
+              <a:t> geven of verkeerde modeleren geven wat significant moeilijker is om te detecteren dat er iets mis gaat. </a:t>
+            </a:r>
+          </a:p>
+          <a:p>
+            <a:r>
+              <a:rPr lang="nl-BE" sz="700" dirty="0"/>
+              <a:t>Bij een crash is het vrij duidelijk of een hangend probleem is iets moeilijker door het </a:t>
+            </a:r>
+            <a:r>
+              <a:rPr lang="nl-BE" sz="700" dirty="0" err="1"/>
+              <a:t>halting</a:t>
+            </a:r>
+            <a:r>
+              <a:rPr lang="nl-BE" sz="700" dirty="0"/>
+              <a:t> probleem maar via een </a:t>
+            </a:r>
+            <a:r>
+              <a:rPr lang="nl-BE" sz="700" dirty="0" err="1"/>
+              <a:t>timeout</a:t>
+            </a:r>
+            <a:r>
+              <a:rPr lang="nl-BE" sz="700" dirty="0"/>
+              <a:t> zeker te doen(omdat we gecontroleerd hadden hoe lang het zoeken naar oplossingen duurde)</a:t>
+            </a:r>
+          </a:p>
+          <a:p>
+            <a:r>
+              <a:rPr lang="nl-BE" sz="700" dirty="0"/>
+              <a:t>terwijl bij de andere 3 het minder duidelijk is. </a:t>
+            </a:r>
+            <a:endParaRPr lang="nl-BE" dirty="0"/>
+          </a:p>
+          <a:p>
+            <a:endParaRPr lang="nl-BE" dirty="0"/>
+          </a:p>
+          <a:p>
+            <a:endParaRPr lang="nl-BE" dirty="0"/>
+          </a:p>
+          <a:p>
             <a:pPr marL="0" marR="0" lvl="0" indent="0" algn="l" defTabSz="914400" rtl="0" eaLnBrk="1" fontAlgn="auto" latinLnBrk="0" hangingPunct="1">
               <a:lnSpc>
                 <a:spcPct val="100000"/>
@@ -11364,126 +11846,23 @@
               <a:defRPr/>
             </a:pPr>
             <a:r>
-              <a:rPr lang="nl-BE" noProof="0" dirty="0"/>
-              <a:t>V = vandaag</a:t>
-            </a:r>
-          </a:p>
-          <a:p>
-            <a:endParaRPr lang="nl-BE" noProof="0" dirty="0"/>
-          </a:p>
-          <a:p>
-            <a:r>
-              <a:rPr lang="nl-BE" noProof="0" dirty="0" err="1"/>
-              <a:t>LiteratuurStudie</a:t>
-            </a:r>
-            <a:r>
-              <a:rPr lang="nl-BE" noProof="0" dirty="0"/>
-              <a:t> = Reading, </a:t>
-            </a:r>
-            <a:r>
-              <a:rPr lang="nl-BE" noProof="0" dirty="0" err="1"/>
-              <a:t>understanding</a:t>
-            </a:r>
-            <a:r>
-              <a:rPr lang="nl-BE" noProof="0" dirty="0"/>
-              <a:t>, </a:t>
-            </a:r>
-            <a:r>
-              <a:rPr lang="nl-BE" noProof="0" dirty="0" err="1"/>
-              <a:t>writing</a:t>
-            </a:r>
-            <a:r>
-              <a:rPr lang="nl-BE" noProof="0" dirty="0"/>
-              <a:t>-LOOP</a:t>
-            </a:r>
-          </a:p>
-          <a:p>
-            <a:r>
-              <a:rPr lang="nl-BE" noProof="0" dirty="0"/>
-              <a:t>Uitvoering = </a:t>
-            </a:r>
-            <a:r>
-              <a:rPr lang="nl-BE" noProof="0" dirty="0" err="1"/>
-              <a:t>Failed</a:t>
-            </a:r>
-            <a:r>
-              <a:rPr lang="nl-BE" noProof="0" dirty="0"/>
-              <a:t> </a:t>
-            </a:r>
-            <a:r>
-              <a:rPr lang="nl-BE" noProof="0" dirty="0" err="1"/>
-              <a:t>attempt</a:t>
-            </a:r>
-            <a:r>
-              <a:rPr lang="nl-BE" noProof="0" dirty="0"/>
-              <a:t> + tools | </a:t>
-            </a:r>
-            <a:r>
-              <a:rPr lang="nl-BE" noProof="0" dirty="0" err="1"/>
-              <a:t>Modifying</a:t>
-            </a:r>
-            <a:r>
-              <a:rPr lang="nl-BE" noProof="0" dirty="0"/>
-              <a:t> STORM | </a:t>
-            </a:r>
-            <a:r>
-              <a:rPr lang="nl-BE" noProof="0" dirty="0" err="1"/>
-              <a:t>Differential</a:t>
-            </a:r>
-            <a:r>
-              <a:rPr lang="nl-BE" noProof="0" dirty="0"/>
-              <a:t> (</a:t>
-            </a:r>
-            <a:r>
-              <a:rPr lang="nl-BE" noProof="0" dirty="0" err="1"/>
-              <a:t>solver</a:t>
-            </a:r>
-            <a:r>
-              <a:rPr lang="nl-BE" noProof="0" dirty="0"/>
-              <a:t>) </a:t>
-            </a:r>
-            <a:r>
-              <a:rPr lang="nl-BE" noProof="0" dirty="0" err="1"/>
-              <a:t>Testing</a:t>
-            </a:r>
-            <a:r>
-              <a:rPr lang="nl-BE" noProof="0" dirty="0"/>
-              <a:t> | Metamorphic </a:t>
-            </a:r>
-            <a:r>
-              <a:rPr lang="nl-BE" noProof="0" dirty="0" err="1"/>
-              <a:t>testing</a:t>
-            </a:r>
-            <a:r>
-              <a:rPr lang="nl-BE" noProof="0" dirty="0"/>
-              <a:t> | tools, Running, processing, </a:t>
-            </a:r>
-            <a:r>
-              <a:rPr lang="nl-BE" noProof="0" dirty="0" err="1"/>
-              <a:t>reporting</a:t>
-            </a:r>
-            <a:br>
-              <a:rPr lang="nl-BE" noProof="0" dirty="0"/>
-            </a:br>
-            <a:r>
-              <a:rPr lang="nl-BE" noProof="0" dirty="0"/>
-              <a:t>Verwerken = schrijven nalezen</a:t>
-            </a:r>
-          </a:p>
-          <a:p>
-            <a:r>
-              <a:rPr lang="nl-BE" noProof="0" dirty="0"/>
-              <a:t>	Toestemming 	19 dec 	| jan indienen aanvraag 14 jan (=officiële deadline, lol), pakt 4 jan </a:t>
-            </a:r>
-          </a:p>
-          <a:p>
-            <a:r>
-              <a:rPr lang="nl-BE" noProof="0" dirty="0"/>
-              <a:t>(indienen 12 jan)</a:t>
-            </a:r>
-          </a:p>
-          <a:p>
-            <a:endParaRPr lang="nl-BE" noProof="0" dirty="0"/>
+              <a:rPr lang="nl-BE" dirty="0"/>
+              <a:t>Omdat het zoeken achter bugs vaak veel tijd in beslag neemt kijken we vaak naar de automatische manier om bugs te zoeken om ons werk te verlichten. </a:t>
+            </a:r>
+          </a:p>
+          <a:p>
+            <a:r>
+              <a:rPr lang="nl-BE" dirty="0"/>
+              <a:t>Bugs kost vaak veel tijd en moeite en omdat er veel samenstellingen van deze beperkingen mogelijk zijn is het ook slimmer om de bugs automatisch te zoeken. Hiervoor bestaan al veel technieken zowel manuele als automatische waaronder, code reviews, manual tests, unit tests, regressie testen tot </a:t>
+            </a:r>
+            <a:r>
+              <a:rPr lang="nl-BE" dirty="0" err="1"/>
+              <a:t>fuzz</a:t>
+            </a:r>
+            <a:r>
+              <a:rPr lang="nl-BE" dirty="0"/>
+              <a:t> tests. Dit laatste is de focus van de thesis</a:t>
+            </a:r>
           </a:p>
         </p:txBody>
       </p:sp>
@@ -11504,7 +11883,756 @@
           <a:p>
             <a:fld id="{8954E32A-327F-AF4B-8E1F-209FBF93D26D}" type="slidenum">
               <a:rPr lang="nl-NL" smtClean="0"/>
-              <a:t>32</a:t>
+              <a:t>34</a:t>
+            </a:fld>
+            <a:endParaRPr lang="nl-NL"/>
+          </a:p>
+        </p:txBody>
+      </p:sp>
+    </p:spTree>
+    <p:extLst>
+      <p:ext uri="{BB962C8B-B14F-4D97-AF65-F5344CB8AC3E}">
+        <p14:creationId xmlns:p14="http://schemas.microsoft.com/office/powerpoint/2010/main" val="1481864141"/>
+      </p:ext>
+    </p:extLst>
+  </p:cSld>
+  <p:clrMapOvr>
+    <a:masterClrMapping/>
+  </p:clrMapOvr>
+</p:notes>
+</file>
+
+<file path=ppt/notesSlides/notesSlide35.xml><?xml version="1.0" encoding="utf-8"?>
+<p:notes xmlns:a="http://schemas.openxmlformats.org/drawingml/2006/main" xmlns:r="http://schemas.openxmlformats.org/officeDocument/2006/relationships" xmlns:p="http://schemas.openxmlformats.org/presentationml/2006/main">
+  <p:cSld>
+    <p:spTree>
+      <p:nvGrpSpPr>
+        <p:cNvPr id="1" name=""/>
+        <p:cNvGrpSpPr/>
+        <p:nvPr/>
+      </p:nvGrpSpPr>
+      <p:grpSpPr>
+        <a:xfrm>
+          <a:off x="0" y="0"/>
+          <a:ext cx="0" cy="0"/>
+          <a:chOff x="0" y="0"/>
+          <a:chExt cx="0" cy="0"/>
+        </a:xfrm>
+      </p:grpSpPr>
+      <p:sp>
+        <p:nvSpPr>
+          <p:cNvPr id="2" name="Slide Image Placeholder 1"/>
+          <p:cNvSpPr>
+            <a:spLocks noGrp="1" noRot="1" noChangeAspect="1"/>
+          </p:cNvSpPr>
+          <p:nvPr>
+            <p:ph type="sldImg"/>
+          </p:nvPr>
+        </p:nvSpPr>
+        <p:spPr/>
+      </p:sp>
+      <p:sp>
+        <p:nvSpPr>
+          <p:cNvPr id="3" name="Notes Placeholder 2"/>
+          <p:cNvSpPr>
+            <a:spLocks noGrp="1"/>
+          </p:cNvSpPr>
+          <p:nvPr>
+            <p:ph type="body" idx="1"/>
+          </p:nvPr>
+        </p:nvSpPr>
+        <p:spPr/>
+        <p:txBody>
+          <a:bodyPr/>
+          <a:lstStyle/>
+          <a:p>
+            <a:r>
+              <a:rPr lang="nl-BE" dirty="0"/>
+              <a:t>Van de die manieren die we hebben onderzocht is </a:t>
+            </a:r>
+            <a:r>
+              <a:rPr lang="nl-BE" dirty="0" err="1"/>
+              <a:t>Fuzz</a:t>
+            </a:r>
+            <a:r>
+              <a:rPr lang="nl-BE" dirty="0"/>
+              <a:t> testen de eerste, </a:t>
+            </a:r>
+            <a:r>
+              <a:rPr lang="nl-BE" dirty="0" err="1"/>
+              <a:t>Fuzz</a:t>
+            </a:r>
+            <a:r>
+              <a:rPr lang="nl-BE" dirty="0"/>
+              <a:t> testen of </a:t>
+            </a:r>
+            <a:r>
+              <a:rPr lang="nl-BE" dirty="0" err="1"/>
+              <a:t>fuzzing</a:t>
+            </a:r>
+            <a:r>
+              <a:rPr lang="nl-BE" dirty="0"/>
+              <a:t> testen gaat rond het </a:t>
+            </a:r>
+            <a:r>
+              <a:rPr lang="nl-BE" b="1" u="sng" dirty="0"/>
+              <a:t>automatisch</a:t>
+            </a:r>
+            <a:r>
+              <a:rPr lang="nl-BE" dirty="0"/>
+              <a:t> testen van een programma door middel van willekeurige input. </a:t>
+            </a:r>
+          </a:p>
+          <a:p>
+            <a:r>
+              <a:rPr lang="nl-BE" dirty="0"/>
+              <a:t>Deze willekeurige input is iets waar fuzzers in uitblinkend die kunnen nieuwe ongeziene samenstellingen creëren en ook testen om zo bugs te zoeken. </a:t>
+            </a:r>
+          </a:p>
+          <a:p>
+            <a:endParaRPr lang="nl-BE" dirty="0"/>
+          </a:p>
+          <a:p>
+            <a:r>
+              <a:rPr lang="nl-BE" dirty="0"/>
+              <a:t>Hierbij is AFL++ 1 van de populairdere fuzzers, het gebruikt een generatief model en genereert dus zelf de </a:t>
+            </a:r>
+            <a:r>
+              <a:rPr lang="nl-BE" dirty="0" err="1"/>
+              <a:t>inputs</a:t>
+            </a:r>
+            <a:r>
+              <a:rPr lang="nl-BE" dirty="0"/>
+              <a:t> en kijkt wat de output de verwachte output is. Dit vaak voor </a:t>
+            </a:r>
+            <a:r>
+              <a:rPr lang="nl-BE" dirty="0" err="1"/>
+              <a:t>commandline</a:t>
+            </a:r>
+            <a:r>
+              <a:rPr lang="nl-BE" dirty="0"/>
+              <a:t> line interface apps maar ook al voor SMT en SAT problemen </a:t>
+            </a:r>
+          </a:p>
+          <a:p>
+            <a:r>
+              <a:rPr lang="nl-BE" dirty="0"/>
+              <a:t>Jammer genoeg zit hier een probleem waardoor het niet goed werkt om onze programmeertaal te testen. AFL++ gebruikt bit </a:t>
+            </a:r>
+            <a:r>
+              <a:rPr lang="nl-BE" dirty="0" err="1"/>
+              <a:t>flipts</a:t>
+            </a:r>
+            <a:r>
+              <a:rPr lang="nl-BE" dirty="0"/>
+              <a:t> aan de gegenereerde input om te kijken wat de wijzigingen zijn aan de output </a:t>
+            </a:r>
+          </a:p>
+          <a:p>
+            <a:r>
+              <a:rPr lang="nl-BE" dirty="0"/>
+              <a:t>Om zo verder te redeneren en alle paden in de code te proberen af te gaan. Stel we hebben een input van ongeveer 1KB dan zijn er veel combinaties mogelijk en vertraagt de fuzzer significant.</a:t>
+            </a:r>
+          </a:p>
+          <a:p>
+            <a:endParaRPr lang="nl-BE" dirty="0"/>
+          </a:p>
+          <a:p>
+            <a:r>
+              <a:rPr lang="nl-BE" dirty="0"/>
+              <a:t>Voor onze situatie hebben we geen </a:t>
+            </a:r>
+            <a:r>
+              <a:rPr lang="nl-BE" dirty="0" err="1"/>
+              <a:t>bitflips</a:t>
+            </a:r>
+            <a:r>
+              <a:rPr lang="nl-BE" dirty="0"/>
+              <a:t> nodig, we hebben een programmeertaal met </a:t>
+            </a:r>
+            <a:r>
+              <a:rPr lang="nl-BE" dirty="0" err="1"/>
+              <a:t>keywords</a:t>
+            </a:r>
+            <a:r>
+              <a:rPr lang="nl-BE" dirty="0"/>
+              <a:t> en een </a:t>
+            </a:r>
+            <a:r>
+              <a:rPr lang="nl-BE" dirty="0" err="1"/>
+              <a:t>bitflip</a:t>
+            </a:r>
+            <a:r>
+              <a:rPr lang="nl-BE" dirty="0"/>
+              <a:t> in deze </a:t>
+            </a:r>
+            <a:r>
+              <a:rPr lang="nl-BE" dirty="0" err="1"/>
+              <a:t>keyword</a:t>
+            </a:r>
+            <a:r>
+              <a:rPr lang="nl-BE" dirty="0"/>
+              <a:t> zou niet nuttig zijn. </a:t>
+            </a:r>
+          </a:p>
+          <a:p>
+            <a:r>
+              <a:rPr lang="nl-BE" dirty="0"/>
+              <a:t>En ook zou een limitatie van ongeveer 1KB toch al wel doorwegen gezien de kleinste </a:t>
+            </a:r>
+            <a:r>
+              <a:rPr lang="nl-BE" dirty="0" err="1"/>
+              <a:t>voorbeeldprogrammas</a:t>
+            </a:r>
+            <a:r>
+              <a:rPr lang="nl-BE" dirty="0"/>
+              <a:t> van CPMpy al een KB groot zijn.</a:t>
+            </a:r>
+          </a:p>
+          <a:p>
+            <a:endParaRPr lang="nl-BE" dirty="0"/>
+          </a:p>
+          <a:p>
+            <a:r>
+              <a:rPr lang="nl-BE" dirty="0"/>
+              <a:t>Daarom zijn we gaan kijken naar een </a:t>
+            </a:r>
+            <a:r>
+              <a:rPr lang="nl-BE" dirty="0" err="1"/>
+              <a:t>modifying</a:t>
+            </a:r>
+            <a:r>
+              <a:rPr lang="nl-BE" dirty="0"/>
+              <a:t> techniek, waarvan we van reeds bestaande code vertrekken zijnde de voorbeeldprogramma’s op de </a:t>
+            </a:r>
+            <a:r>
+              <a:rPr lang="nl-BE" dirty="0" err="1"/>
+              <a:t>repository</a:t>
+            </a:r>
+            <a:r>
+              <a:rPr lang="nl-BE" dirty="0"/>
+              <a:t> van CPMpy en andere.</a:t>
+            </a:r>
+          </a:p>
+          <a:p>
+            <a:r>
+              <a:rPr lang="nl-BE" dirty="0"/>
+              <a:t>Om hierop wijzingen aan te brengen en dan testen of het gewijzigde code dezelfde oplossing gaf als de </a:t>
+            </a:r>
+            <a:r>
+              <a:rPr lang="nl-BE" dirty="0" err="1"/>
+              <a:t>orginele</a:t>
+            </a:r>
+            <a:r>
+              <a:rPr lang="nl-BE" dirty="0"/>
+              <a:t>.</a:t>
+            </a:r>
+          </a:p>
+        </p:txBody>
+      </p:sp>
+      <p:sp>
+        <p:nvSpPr>
+          <p:cNvPr id="4" name="Slide Number Placeholder 3"/>
+          <p:cNvSpPr>
+            <a:spLocks noGrp="1"/>
+          </p:cNvSpPr>
+          <p:nvPr>
+            <p:ph type="sldNum" sz="quarter" idx="5"/>
+          </p:nvPr>
+        </p:nvSpPr>
+        <p:spPr/>
+        <p:txBody>
+          <a:bodyPr/>
+          <a:lstStyle/>
+          <a:p>
+            <a:fld id="{8954E32A-327F-AF4B-8E1F-209FBF93D26D}" type="slidenum">
+              <a:rPr lang="nl-NL" smtClean="0"/>
+              <a:t>35</a:t>
+            </a:fld>
+            <a:endParaRPr lang="nl-NL"/>
+          </a:p>
+        </p:txBody>
+      </p:sp>
+    </p:spTree>
+    <p:extLst>
+      <p:ext uri="{BB962C8B-B14F-4D97-AF65-F5344CB8AC3E}">
+        <p14:creationId xmlns:p14="http://schemas.microsoft.com/office/powerpoint/2010/main" val="3519611718"/>
+      </p:ext>
+    </p:extLst>
+  </p:cSld>
+  <p:clrMapOvr>
+    <a:masterClrMapping/>
+  </p:clrMapOvr>
+</p:notes>
+</file>
+
+<file path=ppt/notesSlides/notesSlide36.xml><?xml version="1.0" encoding="utf-8"?>
+<p:notes xmlns:a="http://schemas.openxmlformats.org/drawingml/2006/main" xmlns:r="http://schemas.openxmlformats.org/officeDocument/2006/relationships" xmlns:p="http://schemas.openxmlformats.org/presentationml/2006/main">
+  <p:cSld>
+    <p:spTree>
+      <p:nvGrpSpPr>
+        <p:cNvPr id="1" name=""/>
+        <p:cNvGrpSpPr/>
+        <p:nvPr/>
+      </p:nvGrpSpPr>
+      <p:grpSpPr>
+        <a:xfrm>
+          <a:off x="0" y="0"/>
+          <a:ext cx="0" cy="0"/>
+          <a:chOff x="0" y="0"/>
+          <a:chExt cx="0" cy="0"/>
+        </a:xfrm>
+      </p:grpSpPr>
+      <p:sp>
+        <p:nvSpPr>
+          <p:cNvPr id="2" name="Slide Image Placeholder 1"/>
+          <p:cNvSpPr>
+            <a:spLocks noGrp="1" noRot="1" noChangeAspect="1"/>
+          </p:cNvSpPr>
+          <p:nvPr>
+            <p:ph type="sldImg"/>
+          </p:nvPr>
+        </p:nvSpPr>
+        <p:spPr/>
+      </p:sp>
+      <p:sp>
+        <p:nvSpPr>
+          <p:cNvPr id="3" name="Notes Placeholder 2"/>
+          <p:cNvSpPr>
+            <a:spLocks noGrp="1"/>
+          </p:cNvSpPr>
+          <p:nvPr>
+            <p:ph type="body" idx="1"/>
+          </p:nvPr>
+        </p:nvSpPr>
+        <p:spPr/>
+        <p:txBody>
+          <a:bodyPr/>
+          <a:lstStyle/>
+          <a:p>
+            <a:r>
+              <a:rPr lang="nl-BE" dirty="0"/>
+              <a:t>Dit brengt ons tot de onderzoeksvragen.</a:t>
+            </a:r>
+          </a:p>
+          <a:p>
+            <a:r>
+              <a:rPr lang="nl-BE" dirty="0"/>
+              <a:t>Met deze 3 technieken willen we kijken naar de verschillen tussen de gebruikte technieken: welke techniek vind welke bug, welke techniek vind welke kritieke bug en welk type bug is er gevonden</a:t>
+            </a:r>
+          </a:p>
+          <a:p>
+            <a:endParaRPr lang="nl-BE" dirty="0"/>
+          </a:p>
+          <a:p>
+            <a:r>
+              <a:rPr lang="nl-BE" dirty="0"/>
+              <a:t>En de laatste 2 onderzoeksvragen gaan meer richting de classificatie van de bugs: hoe erg is de bug en waar liggen de oorzaken</a:t>
+            </a:r>
+          </a:p>
+        </p:txBody>
+      </p:sp>
+      <p:sp>
+        <p:nvSpPr>
+          <p:cNvPr id="4" name="Slide Number Placeholder 3"/>
+          <p:cNvSpPr>
+            <a:spLocks noGrp="1"/>
+          </p:cNvSpPr>
+          <p:nvPr>
+            <p:ph type="sldNum" sz="quarter" idx="5"/>
+          </p:nvPr>
+        </p:nvSpPr>
+        <p:spPr/>
+        <p:txBody>
+          <a:bodyPr/>
+          <a:lstStyle/>
+          <a:p>
+            <a:fld id="{8954E32A-327F-AF4B-8E1F-209FBF93D26D}" type="slidenum">
+              <a:rPr lang="nl-NL" smtClean="0"/>
+              <a:t>36</a:t>
+            </a:fld>
+            <a:endParaRPr lang="nl-NL"/>
+          </a:p>
+        </p:txBody>
+      </p:sp>
+    </p:spTree>
+    <p:extLst>
+      <p:ext uri="{BB962C8B-B14F-4D97-AF65-F5344CB8AC3E}">
+        <p14:creationId xmlns:p14="http://schemas.microsoft.com/office/powerpoint/2010/main" val="3357217183"/>
+      </p:ext>
+    </p:extLst>
+  </p:cSld>
+  <p:clrMapOvr>
+    <a:masterClrMapping/>
+  </p:clrMapOvr>
+</p:notes>
+</file>
+
+<file path=ppt/notesSlides/notesSlide37.xml><?xml version="1.0" encoding="utf-8"?>
+<p:notes xmlns:a="http://schemas.openxmlformats.org/drawingml/2006/main" xmlns:r="http://schemas.openxmlformats.org/officeDocument/2006/relationships" xmlns:p="http://schemas.openxmlformats.org/presentationml/2006/main">
+  <p:cSld>
+    <p:spTree>
+      <p:nvGrpSpPr>
+        <p:cNvPr id="1" name=""/>
+        <p:cNvGrpSpPr/>
+        <p:nvPr/>
+      </p:nvGrpSpPr>
+      <p:grpSpPr>
+        <a:xfrm>
+          <a:off x="0" y="0"/>
+          <a:ext cx="0" cy="0"/>
+          <a:chOff x="0" y="0"/>
+          <a:chExt cx="0" cy="0"/>
+        </a:xfrm>
+      </p:grpSpPr>
+      <p:sp>
+        <p:nvSpPr>
+          <p:cNvPr id="2" name="Slide Image Placeholder 1"/>
+          <p:cNvSpPr>
+            <a:spLocks noGrp="1" noRot="1" noChangeAspect="1"/>
+          </p:cNvSpPr>
+          <p:nvPr>
+            <p:ph type="sldImg"/>
+          </p:nvPr>
+        </p:nvSpPr>
+        <p:spPr/>
+      </p:sp>
+      <p:sp>
+        <p:nvSpPr>
+          <p:cNvPr id="3" name="Notes Placeholder 2"/>
+          <p:cNvSpPr>
+            <a:spLocks noGrp="1"/>
+          </p:cNvSpPr>
+          <p:nvPr>
+            <p:ph type="body" idx="1"/>
+          </p:nvPr>
+        </p:nvSpPr>
+        <p:spPr/>
+        <p:txBody>
+          <a:bodyPr/>
+          <a:lstStyle/>
+          <a:p>
+            <a:r>
+              <a:rPr lang="nl-BE" dirty="0"/>
+              <a:t>Voordat we naar de een overzicht gaan van de resultaten zou ik een paar bug voorbeelden willen toelichten. Zoals deze </a:t>
+            </a:r>
+            <a:r>
+              <a:rPr lang="nl-BE" dirty="0" err="1"/>
+              <a:t>dubble</a:t>
+            </a:r>
+            <a:r>
+              <a:rPr lang="nl-BE" dirty="0"/>
+              <a:t> </a:t>
+            </a:r>
+            <a:r>
+              <a:rPr lang="nl-BE" dirty="0" err="1"/>
+              <a:t>negation</a:t>
+            </a:r>
+            <a:r>
+              <a:rPr lang="nl-BE" dirty="0"/>
+              <a:t> bug (bug 142, unsat, </a:t>
+            </a:r>
+            <a:r>
+              <a:rPr lang="nl-BE" dirty="0" err="1"/>
+              <a:t>transf</a:t>
+            </a:r>
+            <a:r>
+              <a:rPr lang="nl-BE" dirty="0"/>
+              <a:t>, Ctorm, </a:t>
+            </a:r>
+            <a:r>
+              <a:rPr lang="nl-BE" dirty="0" err="1"/>
+              <a:t>ORTools</a:t>
+            </a:r>
+            <a:r>
+              <a:rPr lang="nl-BE" dirty="0"/>
+              <a:t>, Gurobi)</a:t>
+            </a:r>
+          </a:p>
+          <a:p>
+            <a:r>
+              <a:rPr lang="nl-BE" dirty="0"/>
+              <a:t>Hier zien we </a:t>
+            </a:r>
+          </a:p>
+          <a:p>
+            <a:endParaRPr lang="nl-BE" dirty="0"/>
+          </a:p>
+          <a:p>
+            <a:r>
+              <a:rPr lang="nl-BE" b="1" dirty="0"/>
+              <a:t>Equivalent</a:t>
+            </a:r>
+          </a:p>
+          <a:p>
+            <a:endParaRPr lang="nl-BE" b="0" dirty="0"/>
+          </a:p>
+          <a:p>
+            <a:r>
+              <a:rPr lang="nl-BE" b="0" dirty="0"/>
+              <a:t>Dit kwam door een transformatie gedaan binnen CPMpy waar men geneste expressies versimpeld naar een lineaire genormaliseerde vorm, hier verloor men een niet waardoor de </a:t>
+            </a:r>
+            <a:r>
+              <a:rPr lang="nl-BE" b="0" dirty="0" err="1"/>
+              <a:t>constraints</a:t>
+            </a:r>
+            <a:r>
+              <a:rPr lang="nl-BE" b="0" dirty="0"/>
+              <a:t> niet meer equivalent waren en de </a:t>
+            </a:r>
+            <a:r>
+              <a:rPr lang="nl-BE" b="0" dirty="0" err="1"/>
+              <a:t>solvers</a:t>
+            </a:r>
+            <a:r>
+              <a:rPr lang="nl-BE" b="0" dirty="0"/>
+              <a:t> die de normalisatie gebruikt zeiden dan dat het probleem onoplosbaar was. In hun opdracht het correcte antwoord maar niet het probleem dat origineel gepost was door de gebruiker</a:t>
+            </a:r>
+          </a:p>
+          <a:p>
+            <a:endParaRPr lang="nl-BE" b="1" dirty="0"/>
+          </a:p>
+        </p:txBody>
+      </p:sp>
+      <p:sp>
+        <p:nvSpPr>
+          <p:cNvPr id="4" name="Slide Number Placeholder 3"/>
+          <p:cNvSpPr>
+            <a:spLocks noGrp="1"/>
+          </p:cNvSpPr>
+          <p:nvPr>
+            <p:ph type="sldNum" sz="quarter" idx="5"/>
+          </p:nvPr>
+        </p:nvSpPr>
+        <p:spPr/>
+        <p:txBody>
+          <a:bodyPr/>
+          <a:lstStyle/>
+          <a:p>
+            <a:fld id="{8954E32A-327F-AF4B-8E1F-209FBF93D26D}" type="slidenum">
+              <a:rPr lang="nl-NL" smtClean="0"/>
+              <a:t>37</a:t>
+            </a:fld>
+            <a:endParaRPr lang="nl-NL"/>
+          </a:p>
+        </p:txBody>
+      </p:sp>
+    </p:spTree>
+    <p:extLst>
+      <p:ext uri="{BB962C8B-B14F-4D97-AF65-F5344CB8AC3E}">
+        <p14:creationId xmlns:p14="http://schemas.microsoft.com/office/powerpoint/2010/main" val="1067864395"/>
+      </p:ext>
+    </p:extLst>
+  </p:cSld>
+  <p:clrMapOvr>
+    <a:masterClrMapping/>
+  </p:clrMapOvr>
+</p:notes>
+</file>
+
+<file path=ppt/notesSlides/notesSlide38.xml><?xml version="1.0" encoding="utf-8"?>
+<p:notes xmlns:a="http://schemas.openxmlformats.org/drawingml/2006/main" xmlns:r="http://schemas.openxmlformats.org/officeDocument/2006/relationships" xmlns:p="http://schemas.openxmlformats.org/presentationml/2006/main">
+  <p:cSld>
+    <p:spTree>
+      <p:nvGrpSpPr>
+        <p:cNvPr id="1" name=""/>
+        <p:cNvGrpSpPr/>
+        <p:nvPr/>
+      </p:nvGrpSpPr>
+      <p:grpSpPr>
+        <a:xfrm>
+          <a:off x="0" y="0"/>
+          <a:ext cx="0" cy="0"/>
+          <a:chOff x="0" y="0"/>
+          <a:chExt cx="0" cy="0"/>
+        </a:xfrm>
+      </p:grpSpPr>
+      <p:sp>
+        <p:nvSpPr>
+          <p:cNvPr id="2" name="Slide Image Placeholder 1"/>
+          <p:cNvSpPr>
+            <a:spLocks noGrp="1" noRot="1" noChangeAspect="1"/>
+          </p:cNvSpPr>
+          <p:nvPr>
+            <p:ph type="sldImg"/>
+          </p:nvPr>
+        </p:nvSpPr>
+        <p:spPr/>
+      </p:sp>
+      <p:sp>
+        <p:nvSpPr>
+          <p:cNvPr id="3" name="Notes Placeholder 2"/>
+          <p:cNvSpPr>
+            <a:spLocks noGrp="1"/>
+          </p:cNvSpPr>
+          <p:nvPr>
+            <p:ph type="body" idx="1"/>
+          </p:nvPr>
+        </p:nvSpPr>
+        <p:spPr/>
+        <p:txBody>
+          <a:bodyPr/>
+          <a:lstStyle/>
+          <a:p>
+            <a:pPr marL="0" marR="0" lvl="0" indent="0" algn="l" defTabSz="914400" rtl="0" eaLnBrk="1" fontAlgn="auto" latinLnBrk="0" hangingPunct="1">
+              <a:lnSpc>
+                <a:spcPct val="100000"/>
+              </a:lnSpc>
+              <a:spcBef>
+                <a:spcPts val="0"/>
+              </a:spcBef>
+              <a:spcAft>
+                <a:spcPts val="0"/>
+              </a:spcAft>
+              <a:buClrTx/>
+              <a:buSzTx/>
+              <a:buFontTx/>
+              <a:buNone/>
+              <a:tabLst/>
+              <a:defRPr/>
+            </a:pPr>
+            <a:r>
+              <a:rPr lang="nl-BE" noProof="0" dirty="0"/>
+              <a:t>V = vandaag</a:t>
+            </a:r>
+          </a:p>
+          <a:p>
+            <a:endParaRPr lang="nl-BE" noProof="0" dirty="0"/>
+          </a:p>
+          <a:p>
+            <a:r>
+              <a:rPr lang="nl-BE" noProof="0" dirty="0" err="1"/>
+              <a:t>LiteratuurStudie</a:t>
+            </a:r>
+            <a:r>
+              <a:rPr lang="nl-BE" noProof="0" dirty="0"/>
+              <a:t> = Reading, </a:t>
+            </a:r>
+            <a:r>
+              <a:rPr lang="nl-BE" noProof="0" dirty="0" err="1"/>
+              <a:t>understanding</a:t>
+            </a:r>
+            <a:r>
+              <a:rPr lang="nl-BE" noProof="0" dirty="0"/>
+              <a:t>, </a:t>
+            </a:r>
+            <a:r>
+              <a:rPr lang="nl-BE" noProof="0" dirty="0" err="1"/>
+              <a:t>writing</a:t>
+            </a:r>
+            <a:r>
+              <a:rPr lang="nl-BE" noProof="0" dirty="0"/>
+              <a:t>-LOOP</a:t>
+            </a:r>
+          </a:p>
+          <a:p>
+            <a:r>
+              <a:rPr lang="nl-BE" noProof="0" dirty="0"/>
+              <a:t>Uitvoering = </a:t>
+            </a:r>
+            <a:r>
+              <a:rPr lang="nl-BE" noProof="0" dirty="0" err="1"/>
+              <a:t>Failed</a:t>
+            </a:r>
+            <a:r>
+              <a:rPr lang="nl-BE" noProof="0" dirty="0"/>
+              <a:t> </a:t>
+            </a:r>
+            <a:r>
+              <a:rPr lang="nl-BE" noProof="0" dirty="0" err="1"/>
+              <a:t>attempt</a:t>
+            </a:r>
+            <a:r>
+              <a:rPr lang="nl-BE" noProof="0" dirty="0"/>
+              <a:t> + tools | </a:t>
+            </a:r>
+            <a:r>
+              <a:rPr lang="nl-BE" noProof="0" dirty="0" err="1"/>
+              <a:t>Modifying</a:t>
+            </a:r>
+            <a:r>
+              <a:rPr lang="nl-BE" noProof="0" dirty="0"/>
+              <a:t> STORM | </a:t>
+            </a:r>
+            <a:r>
+              <a:rPr lang="nl-BE" noProof="0" dirty="0" err="1"/>
+              <a:t>Differential</a:t>
+            </a:r>
+            <a:r>
+              <a:rPr lang="nl-BE" noProof="0" dirty="0"/>
+              <a:t> (</a:t>
+            </a:r>
+            <a:r>
+              <a:rPr lang="nl-BE" noProof="0" dirty="0" err="1"/>
+              <a:t>solver</a:t>
+            </a:r>
+            <a:r>
+              <a:rPr lang="nl-BE" noProof="0" dirty="0"/>
+              <a:t>) </a:t>
+            </a:r>
+            <a:r>
+              <a:rPr lang="nl-BE" noProof="0" dirty="0" err="1"/>
+              <a:t>Testing</a:t>
+            </a:r>
+            <a:r>
+              <a:rPr lang="nl-BE" noProof="0" dirty="0"/>
+              <a:t> | Metamorphic </a:t>
+            </a:r>
+            <a:r>
+              <a:rPr lang="nl-BE" noProof="0" dirty="0" err="1"/>
+              <a:t>testing</a:t>
+            </a:r>
+            <a:r>
+              <a:rPr lang="nl-BE" noProof="0" dirty="0"/>
+              <a:t> | tools, Running, processing, </a:t>
+            </a:r>
+            <a:r>
+              <a:rPr lang="nl-BE" noProof="0" dirty="0" err="1"/>
+              <a:t>reporting</a:t>
+            </a:r>
+            <a:br>
+              <a:rPr lang="nl-BE" noProof="0" dirty="0"/>
+            </a:br>
+            <a:r>
+              <a:rPr lang="nl-BE" noProof="0" dirty="0"/>
+              <a:t>Verwerken = schrijven nalezen</a:t>
+            </a:r>
+          </a:p>
+          <a:p>
+            <a:r>
+              <a:rPr lang="nl-BE" noProof="0" dirty="0"/>
+              <a:t>	Toestemming 	19 dec 	| jan indienen aanvraag 14 jan (=officiële deadline, lol), pakt 4 jan </a:t>
+            </a:r>
+          </a:p>
+          <a:p>
+            <a:r>
+              <a:rPr lang="nl-BE" noProof="0" dirty="0"/>
+              <a:t>(indienen 12 jan)</a:t>
+            </a:r>
+          </a:p>
+          <a:p>
+            <a:endParaRPr lang="nl-BE" noProof="0" dirty="0"/>
+          </a:p>
+        </p:txBody>
+      </p:sp>
+      <p:sp>
+        <p:nvSpPr>
+          <p:cNvPr id="4" name="Slide Number Placeholder 3"/>
+          <p:cNvSpPr>
+            <a:spLocks noGrp="1"/>
+          </p:cNvSpPr>
+          <p:nvPr>
+            <p:ph type="sldNum" sz="quarter" idx="5"/>
+          </p:nvPr>
+        </p:nvSpPr>
+        <p:spPr/>
+        <p:txBody>
+          <a:bodyPr/>
+          <a:lstStyle/>
+          <a:p>
+            <a:fld id="{8954E32A-327F-AF4B-8E1F-209FBF93D26D}" type="slidenum">
+              <a:rPr lang="nl-NL" smtClean="0"/>
+              <a:t>38</a:t>
             </a:fld>
             <a:endParaRPr lang="nl-NL"/>
           </a:p>
@@ -11514,6 +12642,120 @@
     <p:extLst>
       <p:ext uri="{BB962C8B-B14F-4D97-AF65-F5344CB8AC3E}">
         <p14:creationId xmlns:p14="http://schemas.microsoft.com/office/powerpoint/2010/main" val="1696400377"/>
+      </p:ext>
+    </p:extLst>
+  </p:cSld>
+  <p:clrMapOvr>
+    <a:masterClrMapping/>
+  </p:clrMapOvr>
+</p:notes>
+</file>
+
+<file path=ppt/notesSlides/notesSlide39.xml><?xml version="1.0" encoding="utf-8"?>
+<p:notes xmlns:a="http://schemas.openxmlformats.org/drawingml/2006/main" xmlns:r="http://schemas.openxmlformats.org/officeDocument/2006/relationships" xmlns:p="http://schemas.openxmlformats.org/presentationml/2006/main">
+  <p:cSld>
+    <p:spTree>
+      <p:nvGrpSpPr>
+        <p:cNvPr id="1" name=""/>
+        <p:cNvGrpSpPr/>
+        <p:nvPr/>
+      </p:nvGrpSpPr>
+      <p:grpSpPr>
+        <a:xfrm>
+          <a:off x="0" y="0"/>
+          <a:ext cx="0" cy="0"/>
+          <a:chOff x="0" y="0"/>
+          <a:chExt cx="0" cy="0"/>
+        </a:xfrm>
+      </p:grpSpPr>
+      <p:sp>
+        <p:nvSpPr>
+          <p:cNvPr id="2" name="Slide Image Placeholder 1"/>
+          <p:cNvSpPr>
+            <a:spLocks noGrp="1" noRot="1" noChangeAspect="1"/>
+          </p:cNvSpPr>
+          <p:nvPr>
+            <p:ph type="sldImg"/>
+          </p:nvPr>
+        </p:nvSpPr>
+        <p:spPr/>
+      </p:sp>
+      <p:sp>
+        <p:nvSpPr>
+          <p:cNvPr id="3" name="Notes Placeholder 2"/>
+          <p:cNvSpPr>
+            <a:spLocks noGrp="1"/>
+          </p:cNvSpPr>
+          <p:nvPr>
+            <p:ph type="body" idx="1"/>
+          </p:nvPr>
+        </p:nvSpPr>
+        <p:spPr/>
+        <p:txBody>
+          <a:bodyPr/>
+          <a:lstStyle/>
+          <a:p>
+            <a:r>
+              <a:rPr lang="en-GB" dirty="0"/>
+              <a:t>Meer </a:t>
+            </a:r>
+            <a:r>
+              <a:rPr lang="en-GB" dirty="0" err="1"/>
+              <a:t>visueler</a:t>
+            </a:r>
+            <a:r>
+              <a:rPr lang="en-GB" dirty="0"/>
+              <a:t>, </a:t>
+            </a:r>
+          </a:p>
+          <a:p>
+            <a:r>
+              <a:rPr lang="en-GB" dirty="0" err="1"/>
+              <a:t>meer</a:t>
+            </a:r>
+            <a:r>
+              <a:rPr lang="en-GB" dirty="0"/>
+              <a:t> </a:t>
+            </a:r>
+            <a:r>
+              <a:rPr lang="en-GB" dirty="0" err="1"/>
+              <a:t>levendiger</a:t>
+            </a:r>
+            <a:r>
+              <a:rPr lang="en-GB" dirty="0"/>
+              <a:t>?</a:t>
+            </a:r>
+            <a:endParaRPr lang="en-US" dirty="0"/>
+          </a:p>
+        </p:txBody>
+      </p:sp>
+      <p:sp>
+        <p:nvSpPr>
+          <p:cNvPr id="4" name="Slide Number Placeholder 3"/>
+          <p:cNvSpPr>
+            <a:spLocks noGrp="1"/>
+          </p:cNvSpPr>
+          <p:nvPr>
+            <p:ph type="sldNum" sz="quarter" idx="5"/>
+          </p:nvPr>
+        </p:nvSpPr>
+        <p:spPr/>
+        <p:txBody>
+          <a:bodyPr/>
+          <a:lstStyle/>
+          <a:p>
+            <a:fld id="{8954E32A-327F-AF4B-8E1F-209FBF93D26D}" type="slidenum">
+              <a:rPr lang="nl-NL" smtClean="0"/>
+              <a:t>39</a:t>
+            </a:fld>
+            <a:endParaRPr lang="nl-NL"/>
+          </a:p>
+        </p:txBody>
+      </p:sp>
+    </p:spTree>
+    <p:extLst>
+      <p:ext uri="{BB962C8B-B14F-4D97-AF65-F5344CB8AC3E}">
+        <p14:creationId xmlns:p14="http://schemas.microsoft.com/office/powerpoint/2010/main" val="495059716"/>
       </p:ext>
     </p:extLst>
   </p:cSld>
@@ -11726,15 +12968,35 @@
             </a:r>
             <a:r>
               <a:rPr lang="nl-BE" sz="700" dirty="0"/>
-              <a:t> geven of verkeerde modeleren geven wat voor de gebruiker veel moeilijker is om te detecteren dat er iets mis gaat. Bij een </a:t>
+              <a:t> geven of verkeerde modeleren geven wat significant moeilijker is om te detecteren dat er iets mis gaat. </a:t>
+            </a:r>
+          </a:p>
+          <a:p>
+            <a:r>
+              <a:rPr lang="nl-BE" sz="700" dirty="0"/>
+              <a:t>Bij een crash is het vrij duidelijk of een hangend probleem is iets moeilijker door het </a:t>
             </a:r>
             <a:r>
               <a:rPr lang="nl-BE" sz="700" dirty="0" err="1"/>
-              <a:t>carsh</a:t>
+              <a:t>halting</a:t>
             </a:r>
             <a:r>
               <a:rPr lang="nl-BE" sz="700" dirty="0"/>
-              <a:t> of een hangend probleem is het vrij duidelijk voor de gebruiker dat er iet is mis gegaan terwijl bij de andere 3 het minder duidelijk is. </a:t>
+              <a:t> probleem maar via een </a:t>
+            </a:r>
+            <a:r>
+              <a:rPr lang="nl-BE" sz="700" dirty="0" err="1"/>
+              <a:t>timeout</a:t>
+            </a:r>
+            <a:r>
+              <a:rPr lang="nl-BE" sz="700" dirty="0"/>
+              <a:t> zeker te doen(omdat we gecontroleerd hadden hoe lang het zoeken naar oplossingen duurde)</a:t>
+            </a:r>
+          </a:p>
+          <a:p>
+            <a:r>
+              <a:rPr lang="nl-BE" sz="700" dirty="0"/>
+              <a:t>terwijl bij de andere 3 het minder duidelijk is. </a:t>
             </a:r>
             <a:endParaRPr lang="nl-BE" dirty="0"/>
           </a:p>
@@ -11920,7 +13182,15 @@
             </a:r>
             <a:r>
               <a:rPr lang="nl-BE" dirty="0"/>
-              <a:t> en kijkt wat de output de verwachte output is. </a:t>
+              <a:t> en kijkt wat de output de verwachte output is. Dit vaak voor </a:t>
+            </a:r>
+            <a:r>
+              <a:rPr lang="nl-BE" dirty="0" err="1"/>
+              <a:t>commandline</a:t>
+            </a:r>
+            <a:r>
+              <a:rPr lang="nl-BE" dirty="0"/>
+              <a:t> line interface apps maar ook al voor SMT en SAT problemen </a:t>
             </a:r>
           </a:p>
           <a:p>
@@ -12160,7 +13430,45 @@
           <a:p>
             <a:r>
               <a:rPr lang="nl-BE" dirty="0"/>
-              <a:t>DEEL over SEEDS?</a:t>
+              <a:t>Deze </a:t>
+            </a:r>
+            <a:r>
+              <a:rPr lang="nl-BE" dirty="0" err="1"/>
+              <a:t>seeds</a:t>
+            </a:r>
+            <a:r>
+              <a:rPr lang="nl-BE" dirty="0"/>
+              <a:t> komen ONDERANDERE van reeds bestaande problemen van de </a:t>
+            </a:r>
+            <a:r>
+              <a:rPr lang="nl-BE" dirty="0" err="1"/>
+              <a:t>repository</a:t>
+            </a:r>
+            <a:r>
+              <a:rPr lang="nl-BE" dirty="0"/>
+              <a:t> waar we iets meer dan 9 duidend probleem </a:t>
+            </a:r>
+            <a:r>
+              <a:rPr lang="nl-BE" dirty="0" err="1"/>
+              <a:t>modelen</a:t>
+            </a:r>
+            <a:r>
+              <a:rPr lang="nl-BE" dirty="0"/>
+              <a:t> uit hebben kunnen halen, </a:t>
+            </a:r>
+          </a:p>
+          <a:p>
+            <a:r>
+              <a:rPr lang="nl-BE" dirty="0"/>
+              <a:t>Na deze eerst te testen of ze allemaal werkten en binnen een redelijke termijn opgelost kunnen worden (om zo het </a:t>
+            </a:r>
+            <a:r>
+              <a:rPr lang="nl-BE" dirty="0" err="1"/>
+              <a:t>halting</a:t>
+            </a:r>
+            <a:r>
+              <a:rPr lang="nl-BE" dirty="0"/>
+              <a:t> probleem makkelijk te kunnen detecteren))</a:t>
             </a:r>
           </a:p>
           <a:p>
@@ -12560,7 +13868,15 @@
             </a:r>
             <a:r>
               <a:rPr lang="en-GB" dirty="0"/>
-              <a:t> SAT problem, </a:t>
+              <a:t> SMT </a:t>
+            </a:r>
+            <a:r>
+              <a:rPr lang="en-GB" dirty="0" err="1"/>
+              <a:t>problemen</a:t>
+            </a:r>
+            <a:r>
+              <a:rPr lang="en-GB" dirty="0"/>
+              <a:t>, </a:t>
             </a:r>
             <a:r>
               <a:rPr lang="en-GB" dirty="0" err="1"/>
@@ -13639,7 +14955,7 @@
           <a:p>
             <a:fld id="{A6AC6004-332E-443B-AEE9-F68B98D86626}" type="datetime1">
               <a:rPr lang="nl-BE" smtClean="0"/>
-              <a:t>20/12/2022</a:t>
+              <a:t>21/12/2022</a:t>
             </a:fld>
             <a:endParaRPr lang="nl-NL"/>
           </a:p>
@@ -13922,7 +15238,7 @@
           <a:p>
             <a:fld id="{18BB5DFC-17D3-47A0-B171-B4E4D1575E7B}" type="datetime1">
               <a:rPr lang="nl-BE" smtClean="0"/>
-              <a:t>20/12/2022</a:t>
+              <a:t>21/12/2022</a:t>
             </a:fld>
             <a:endParaRPr lang="nl-NL"/>
           </a:p>
@@ -14252,7 +15568,7 @@
           <a:p>
             <a:fld id="{DFE966B0-6D13-414C-BF72-6FF6C60AEC98}" type="datetime1">
               <a:rPr lang="nl-BE" smtClean="0"/>
-              <a:t>20/12/2022</a:t>
+              <a:t>21/12/2022</a:t>
             </a:fld>
             <a:endParaRPr lang="nl-NL"/>
           </a:p>
@@ -14572,7 +15888,7 @@
           <a:p>
             <a:fld id="{C812C44A-F540-4B98-810B-5F6EB90D9C13}" type="datetime1">
               <a:rPr lang="nl-BE" smtClean="0"/>
-              <a:t>20/12/2022</a:t>
+              <a:t>21/12/2022</a:t>
             </a:fld>
             <a:endParaRPr lang="nl-NL" dirty="0"/>
           </a:p>
@@ -14893,7 +16209,7 @@
           <a:p>
             <a:fld id="{8363B599-027A-42E4-AF08-DCDA683C2C05}" type="datetime1">
               <a:rPr lang="nl-BE" smtClean="0"/>
-              <a:t>20/12/2022</a:t>
+              <a:t>21/12/2022</a:t>
             </a:fld>
             <a:endParaRPr lang="nl-NL" dirty="0"/>
           </a:p>
@@ -15035,7 +16351,7 @@
           <a:p>
             <a:fld id="{896510B4-3146-4BB8-B92E-62730CD81C72}" type="datetime1">
               <a:rPr lang="nl-BE" smtClean="0"/>
-              <a:t>20/12/2022</a:t>
+              <a:t>21/12/2022</a:t>
             </a:fld>
             <a:endParaRPr lang="nl-NL"/>
           </a:p>
@@ -15519,7 +16835,7 @@
           <a:p>
             <a:fld id="{9D02B56F-A388-429F-978E-7B79C73B0741}" type="datetime1">
               <a:rPr lang="nl-BE" smtClean="0"/>
-              <a:t>20/12/2022</a:t>
+              <a:t>21/12/2022</a:t>
             </a:fld>
             <a:endParaRPr lang="nl-NL" dirty="0"/>
           </a:p>
@@ -15640,7 +16956,7 @@
           <a:p>
             <a:fld id="{CFC1976B-B1C6-4CE3-88E7-0F7B3C0EB754}" type="datetime1">
               <a:rPr lang="nl-BE" smtClean="0"/>
-              <a:t>20/12/2022</a:t>
+              <a:t>21/12/2022</a:t>
             </a:fld>
             <a:endParaRPr lang="nl-NL"/>
           </a:p>
@@ -15761,7 +17077,7 @@
           <a:p>
             <a:fld id="{9D9EDC0B-32E5-488B-8BC1-103B52D9F530}" type="datetime1">
               <a:rPr lang="nl-BE" smtClean="0"/>
-              <a:t>20/12/2022</a:t>
+              <a:t>21/12/2022</a:t>
             </a:fld>
             <a:endParaRPr lang="nl-NL"/>
           </a:p>
@@ -15943,7 +17259,7 @@
           <a:p>
             <a:fld id="{47FF4611-E6C1-4123-99C9-582B0DC5EFCF}" type="datetime1">
               <a:rPr lang="nl-BE" smtClean="0"/>
-              <a:t>20/12/2022</a:t>
+              <a:t>21/12/2022</a:t>
             </a:fld>
             <a:endParaRPr lang="nl-NL" dirty="0"/>
           </a:p>
@@ -16227,7 +17543,7 @@
           <a:p>
             <a:fld id="{7E5B4B50-A2A3-4C24-AE79-A292DD23C44A}" type="datetime1">
               <a:rPr lang="nl-BE" smtClean="0"/>
-              <a:t>20/12/2022</a:t>
+              <a:t>21/12/2022</a:t>
             </a:fld>
             <a:endParaRPr lang="nl-NL" dirty="0"/>
           </a:p>
@@ -16868,7 +18184,7 @@
           <a:p>
             <a:fld id="{560602C3-E89F-44D5-8AA8-1213C1FA739E}" type="datetime1">
               <a:rPr lang="nl-BE" smtClean="0"/>
-              <a:t>20/12/2022</a:t>
+              <a:t>21/12/2022</a:t>
             </a:fld>
             <a:endParaRPr lang="nl-NL" dirty="0"/>
           </a:p>
@@ -17361,7 +18677,7 @@
 </file>
 
 <file path=ppt/slides/slide10.xml><?xml version="1.0" encoding="utf-8"?>
-<p:sld xmlns:a="http://schemas.openxmlformats.org/drawingml/2006/main" xmlns:r="http://schemas.openxmlformats.org/officeDocument/2006/relationships" xmlns:p="http://schemas.openxmlformats.org/presentationml/2006/main">
+<p:sld xmlns:a="http://schemas.openxmlformats.org/drawingml/2006/main" xmlns:r="http://schemas.openxmlformats.org/officeDocument/2006/relationships" xmlns:p="http://schemas.openxmlformats.org/presentationml/2006/main" show="0">
   <p:cSld>
     <p:spTree>
       <p:nvGrpSpPr>
@@ -17517,14 +18833,14 @@
             <a:pPr lvl="1"/>
             <a:r>
               <a:rPr lang="nl-BE" dirty="0"/>
-              <a:t>Neem A en B</a:t>
+              <a:t>Neem A en B uit een probleem</a:t>
             </a:r>
           </a:p>
           <a:p>
             <a:pPr lvl="1"/>
             <a:r>
               <a:rPr lang="nl-BE" dirty="0"/>
-              <a:t>Z = A + B</a:t>
+              <a:t>Creëer een nieuwe Z = A + B</a:t>
             </a:r>
           </a:p>
           <a:p>
@@ -19162,7 +20478,22 @@
             </a:r>
             <a:r>
               <a:rPr lang="nl-BE" dirty="0"/>
-              <a:t> -&gt; filteren</a:t>
+              <a:t> </a:t>
+            </a:r>
+          </a:p>
+          <a:p>
+            <a:pPr lvl="1"/>
+            <a:r>
+              <a:rPr lang="nl-BE" dirty="0"/>
+              <a:t>Gewijzigd plan: filteren dan </a:t>
+            </a:r>
+            <a:r>
+              <a:rPr lang="nl-BE" dirty="0" err="1"/>
+              <a:t>deobfuscatie</a:t>
+            </a:r>
+            <a:r>
+              <a:rPr lang="nl-BE" dirty="0"/>
+              <a:t> (MUS)</a:t>
             </a:r>
           </a:p>
           <a:p>
@@ -19735,7 +21066,7 @@
 </file>
 
 <file path=ppt/slides/slide17.xml><?xml version="1.0" encoding="utf-8"?>
-<p:sld xmlns:a="http://schemas.openxmlformats.org/drawingml/2006/main" xmlns:r="http://schemas.openxmlformats.org/officeDocument/2006/relationships" xmlns:p="http://schemas.openxmlformats.org/presentationml/2006/main">
+<p:sld xmlns:a="http://schemas.openxmlformats.org/drawingml/2006/main" xmlns:r="http://schemas.openxmlformats.org/officeDocument/2006/relationships" xmlns:p="http://schemas.openxmlformats.org/presentationml/2006/main" show="0">
   <p:cSld>
     <p:spTree>
       <p:nvGrpSpPr>
@@ -19997,14 +21328,14 @@
           <p:nvPr>
             <p:extLst>
               <p:ext uri="{D42A27DB-BD31-4B8C-83A1-F6EECF244321}">
-                <p14:modId xmlns:p14="http://schemas.microsoft.com/office/powerpoint/2010/main" val="2982647295"/>
+                <p14:modId xmlns:p14="http://schemas.microsoft.com/office/powerpoint/2010/main" val="2672195705"/>
               </p:ext>
             </p:extLst>
           </p:nvPr>
         </p:nvGraphicFramePr>
         <p:xfrm>
-          <a:off x="574800" y="1074314"/>
-          <a:ext cx="11312399" cy="5143751"/>
+          <a:off x="574801" y="1100072"/>
+          <a:ext cx="11222247" cy="5109930"/>
         </p:xfrm>
         <a:graphic>
           <a:graphicData uri="http://schemas.openxmlformats.org/drawingml/2006/table">
@@ -20013,56 +21344,56 @@
                 <a:tableStyleId>{5C22544A-7EE6-4342-B048-85BDC9FD1C3A}</a:tableStyleId>
               </a:tblPr>
               <a:tblGrid>
-                <a:gridCol w="1464065">
+                <a:gridCol w="1452397">
                   <a:extLst>
                     <a:ext uri="{9D8B030D-6E8A-4147-A177-3AD203B41FA5}">
                       <a16:colId xmlns:a16="http://schemas.microsoft.com/office/drawing/2014/main" val="1812985436"/>
                     </a:ext>
                   </a:extLst>
                 </a:gridCol>
-                <a:gridCol w="1556951">
+                <a:gridCol w="1544543">
                   <a:extLst>
                     <a:ext uri="{9D8B030D-6E8A-4147-A177-3AD203B41FA5}">
                       <a16:colId xmlns:a16="http://schemas.microsoft.com/office/drawing/2014/main" val="232988425"/>
                     </a:ext>
                   </a:extLst>
                 </a:gridCol>
-                <a:gridCol w="543698">
+                <a:gridCol w="539365">
                   <a:extLst>
                     <a:ext uri="{9D8B030D-6E8A-4147-A177-3AD203B41FA5}">
                       <a16:colId xmlns:a16="http://schemas.microsoft.com/office/drawing/2014/main" val="1781101691"/>
                     </a:ext>
                   </a:extLst>
                 </a:gridCol>
-                <a:gridCol w="1742302">
+                <a:gridCol w="1728417">
                   <a:extLst>
                     <a:ext uri="{9D8B030D-6E8A-4147-A177-3AD203B41FA5}">
                       <a16:colId xmlns:a16="http://schemas.microsoft.com/office/drawing/2014/main" val="657530299"/>
                     </a:ext>
                   </a:extLst>
                 </a:gridCol>
-                <a:gridCol w="1421027">
+                <a:gridCol w="1184071">
                   <a:extLst>
                     <a:ext uri="{9D8B030D-6E8A-4147-A177-3AD203B41FA5}">
                       <a16:colId xmlns:a16="http://schemas.microsoft.com/office/drawing/2014/main" val="1596028876"/>
                     </a:ext>
                   </a:extLst>
                 </a:gridCol>
-                <a:gridCol w="1458098">
+                <a:gridCol w="1672109">
                   <a:extLst>
                     <a:ext uri="{9D8B030D-6E8A-4147-A177-3AD203B41FA5}">
                       <a16:colId xmlns:a16="http://schemas.microsoft.com/office/drawing/2014/main" val="2350317185"/>
                     </a:ext>
                   </a:extLst>
                 </a:gridCol>
-                <a:gridCol w="1815820">
+                <a:gridCol w="1801349">
                   <a:extLst>
                     <a:ext uri="{9D8B030D-6E8A-4147-A177-3AD203B41FA5}">
                       <a16:colId xmlns:a16="http://schemas.microsoft.com/office/drawing/2014/main" val="4288953535"/>
                     </a:ext>
                   </a:extLst>
                 </a:gridCol>
-                <a:gridCol w="1310438">
+                <a:gridCol w="1299996">
                   <a:extLst>
                     <a:ext uri="{9D8B030D-6E8A-4147-A177-3AD203B41FA5}">
                       <a16:colId xmlns:a16="http://schemas.microsoft.com/office/drawing/2014/main" val="2723608080"/>
@@ -20070,7 +21401,7 @@
                   </a:extLst>
                 </a:gridCol>
               </a:tblGrid>
-              <a:tr h="428127">
+              <a:tr h="676686">
                 <a:tc>
                   <a:txBody>
                     <a:bodyPr/>
@@ -20347,7 +21678,7 @@
                   </a:ext>
                 </a:extLst>
               </a:tr>
-              <a:tr h="236534">
+              <a:tr h="232177">
                 <a:tc>
                   <a:txBody>
                     <a:bodyPr/>
@@ -20463,14 +21794,17 @@
                     <a:p>
                       <a:pPr algn="ctr" fontAlgn="b"/>
                       <a:r>
-                        <a:rPr lang="en-US" sz="1200" u="none" strike="noStrike">
+                        <a:rPr lang="en-US" sz="1400" u="none" strike="noStrike" dirty="0">
+                          <a:solidFill>
+                            <a:srgbClr val="765B16"/>
+                          </a:solidFill>
                           <a:effectLst/>
                         </a:rPr>
                         <a:t>Diff</a:t>
                       </a:r>
-                      <a:endParaRPr lang="en-US" sz="1200" b="0" i="0" u="none" strike="noStrike">
+                      <a:endParaRPr lang="en-US" sz="1400" b="0" i="0" u="none" strike="noStrike" dirty="0">
                         <a:solidFill>
-                          <a:srgbClr val="000000"/>
+                          <a:srgbClr val="765B16"/>
                         </a:solidFill>
                         <a:effectLst/>
                         <a:latin typeface="Calibri" panose="020F0502020204030204" pitchFamily="34" charset="0"/>
@@ -20504,7 +21838,7 @@
                     <a:lstStyle/>
                     <a:p>
                       <a:pPr algn="ctr" fontAlgn="b"/>
-                      <a:endParaRPr lang="en-US" sz="1200" b="0" i="0" u="none" strike="noStrike">
+                      <a:endParaRPr lang="en-US" sz="1400" b="0" i="0" u="none" strike="noStrike">
                         <a:solidFill>
                           <a:srgbClr val="000000"/>
                         </a:solidFill>
@@ -20531,7 +21865,7 @@
                     <a:lstStyle/>
                     <a:p>
                       <a:pPr algn="ctr" fontAlgn="b"/>
-                      <a:endParaRPr lang="en-US" sz="1200" b="0" i="0" u="none" strike="noStrike">
+                      <a:endParaRPr lang="en-US" sz="1400" b="0" i="0" u="none" strike="noStrike">
                         <a:solidFill>
                           <a:srgbClr val="000000"/>
                         </a:solidFill>
@@ -20558,7 +21892,7 @@
                     <a:lstStyle/>
                     <a:p>
                       <a:pPr algn="ctr" fontAlgn="b"/>
-                      <a:endParaRPr lang="en-US" sz="1200" b="0" i="0" u="none" strike="noStrike">
+                      <a:endParaRPr lang="en-US" sz="1400" b="0" i="0" u="none" strike="noStrike">
                         <a:solidFill>
                           <a:srgbClr val="000000"/>
                         </a:solidFill>
@@ -20585,7 +21919,7 @@
                     <a:lstStyle/>
                     <a:p>
                       <a:pPr algn="ctr" fontAlgn="b"/>
-                      <a:endParaRPr lang="en-US" sz="1200" b="0" i="0" u="none" strike="noStrike">
+                      <a:endParaRPr lang="en-US" sz="1400" b="0" i="0" u="none" strike="noStrike">
                         <a:solidFill>
                           <a:srgbClr val="000000"/>
                         </a:solidFill>
@@ -20612,7 +21946,7 @@
                   </a:ext>
                 </a:extLst>
               </a:tr>
-              <a:tr h="236534">
+              <a:tr h="232177">
                 <a:tc>
                   <a:txBody>
                     <a:bodyPr/>
@@ -20699,14 +22033,17 @@
                     <a:p>
                       <a:pPr algn="ctr" fontAlgn="b"/>
                       <a:r>
-                        <a:rPr lang="en-US" sz="1200" u="none" strike="noStrike" dirty="0">
+                        <a:rPr lang="en-US" sz="1400" u="none" strike="noStrike" dirty="0">
+                          <a:solidFill>
+                            <a:srgbClr val="FF0000"/>
+                          </a:solidFill>
                           <a:effectLst/>
                         </a:rPr>
                         <a:t>Meta</a:t>
                       </a:r>
-                      <a:endParaRPr lang="en-US" sz="1200" b="0" i="0" u="none" strike="noStrike" dirty="0">
+                      <a:endParaRPr lang="en-US" sz="1400" b="0" i="0" u="none" strike="noStrike" dirty="0">
                         <a:solidFill>
-                          <a:srgbClr val="000000"/>
+                          <a:srgbClr val="FF0000"/>
                         </a:solidFill>
                         <a:effectLst/>
                         <a:latin typeface="Calibri" panose="020F0502020204030204" pitchFamily="34" charset="0"/>
@@ -20731,7 +22068,7 @@
                     <a:lstStyle/>
                     <a:p>
                       <a:pPr algn="ctr" fontAlgn="b"/>
-                      <a:endParaRPr lang="en-US" sz="1200" b="0" i="0" u="none" strike="noStrike" dirty="0">
+                      <a:endParaRPr lang="en-US" sz="1400" b="0" i="0" u="none" strike="noStrike" dirty="0">
                         <a:solidFill>
                           <a:srgbClr val="000000"/>
                         </a:solidFill>
@@ -20748,7 +22085,7 @@
                     <a:lstStyle/>
                     <a:p>
                       <a:pPr algn="ctr" fontAlgn="b"/>
-                      <a:endParaRPr lang="en-US" sz="1200" b="0" i="0" u="none" strike="noStrike" dirty="0">
+                      <a:endParaRPr lang="en-US" sz="1400" b="0" i="0" u="none" strike="noStrike" dirty="0">
                         <a:solidFill>
                           <a:srgbClr val="000000"/>
                         </a:solidFill>
@@ -20765,7 +22102,7 @@
                     <a:lstStyle/>
                     <a:p>
                       <a:pPr algn="ctr" fontAlgn="b"/>
-                      <a:endParaRPr lang="en-US" sz="1200" b="0" i="0" u="none" strike="noStrike" dirty="0">
+                      <a:endParaRPr lang="en-US" sz="1400" b="0" i="0" u="none" strike="noStrike" dirty="0">
                         <a:solidFill>
                           <a:srgbClr val="000000"/>
                         </a:solidFill>
@@ -20782,7 +22119,7 @@
                     <a:lstStyle/>
                     <a:p>
                       <a:pPr algn="ctr" fontAlgn="b"/>
-                      <a:endParaRPr lang="en-US" sz="1200" b="0" i="0" u="none" strike="noStrike" dirty="0">
+                      <a:endParaRPr lang="en-US" sz="1400" b="0" i="0" u="none" strike="noStrike" dirty="0">
                         <a:solidFill>
                           <a:srgbClr val="000000"/>
                         </a:solidFill>
@@ -20799,7 +22136,7 @@
                   </a:ext>
                 </a:extLst>
               </a:tr>
-              <a:tr h="236534">
+              <a:tr h="232177">
                 <a:tc>
                   <a:txBody>
                     <a:bodyPr/>
@@ -20886,14 +22223,32 @@
                     <a:p>
                       <a:pPr algn="ctr" fontAlgn="b"/>
                       <a:r>
-                        <a:rPr lang="en-US" sz="1200" u="none" strike="noStrike">
+                        <a:rPr lang="en-US" sz="1400" u="none" strike="noStrike" dirty="0">
+                          <a:solidFill>
+                            <a:srgbClr val="0070C0"/>
+                          </a:solidFill>
                           <a:effectLst/>
                         </a:rPr>
-                        <a:t>CTORM, Meta</a:t>
+                        <a:t>CTORM</a:t>
                       </a:r>
-                      <a:endParaRPr lang="en-US" sz="1200" b="0" i="0" u="none" strike="noStrike">
+                      <a:r>
+                        <a:rPr lang="en-US" sz="1400" u="none" strike="noStrike" dirty="0">
+                          <a:effectLst/>
+                        </a:rPr>
+                        <a:t>, </a:t>
+                      </a:r>
+                      <a:r>
+                        <a:rPr lang="en-US" sz="1400" u="none" strike="noStrike" dirty="0">
+                          <a:solidFill>
+                            <a:srgbClr val="FF0000"/>
+                          </a:solidFill>
+                          <a:effectLst/>
+                        </a:rPr>
+                        <a:t>Meta</a:t>
+                      </a:r>
+                      <a:endParaRPr lang="en-US" sz="1400" b="0" i="0" u="none" strike="noStrike" dirty="0">
                         <a:solidFill>
-                          <a:srgbClr val="000000"/>
+                          <a:srgbClr val="FF0000"/>
                         </a:solidFill>
                         <a:effectLst/>
                         <a:latin typeface="Calibri" panose="020F0502020204030204" pitchFamily="34" charset="0"/>
@@ -20918,7 +22273,7 @@
                     <a:lstStyle/>
                     <a:p>
                       <a:pPr algn="ctr" fontAlgn="b"/>
-                      <a:endParaRPr lang="en-US" sz="1200" b="0" i="0" u="none" strike="noStrike">
+                      <a:endParaRPr lang="en-US" sz="1400" b="0" i="0" u="none" strike="noStrike" dirty="0">
                         <a:solidFill>
                           <a:srgbClr val="000000"/>
                         </a:solidFill>
@@ -20935,7 +22290,7 @@
                     <a:lstStyle/>
                     <a:p>
                       <a:pPr algn="ctr" fontAlgn="b"/>
-                      <a:endParaRPr lang="en-US" sz="1200" b="0" i="0" u="none" strike="noStrike">
+                      <a:endParaRPr lang="en-US" sz="1400" b="0" i="0" u="none" strike="noStrike">
                         <a:solidFill>
                           <a:srgbClr val="000000"/>
                         </a:solidFill>
@@ -20952,7 +22307,7 @@
                     <a:lstStyle/>
                     <a:p>
                       <a:pPr algn="ctr" fontAlgn="b"/>
-                      <a:endParaRPr lang="en-US" sz="1200" b="0" i="0" u="none" strike="noStrike">
+                      <a:endParaRPr lang="en-US" sz="1400" b="0" i="0" u="none" strike="noStrike">
                         <a:solidFill>
                           <a:srgbClr val="000000"/>
                         </a:solidFill>
@@ -20969,7 +22324,7 @@
                     <a:lstStyle/>
                     <a:p>
                       <a:pPr algn="ctr" fontAlgn="b"/>
-                      <a:endParaRPr lang="en-US" sz="1200" b="0" i="0" u="none" strike="noStrike">
+                      <a:endParaRPr lang="en-US" sz="1400" b="0" i="0" u="none" strike="noStrike">
                         <a:solidFill>
                           <a:srgbClr val="000000"/>
                         </a:solidFill>
@@ -20986,7 +22341,7 @@
                   </a:ext>
                 </a:extLst>
               </a:tr>
-              <a:tr h="236534">
+              <a:tr h="232177">
                 <a:tc>
                   <a:txBody>
                     <a:bodyPr/>
@@ -21073,12 +22428,12 @@
                     <a:p>
                       <a:pPr algn="ctr" fontAlgn="b"/>
                       <a:r>
-                        <a:rPr lang="en-US" sz="1200" u="none" strike="noStrike">
+                        <a:rPr lang="en-US" sz="1400" u="none" strike="noStrike" dirty="0">
                           <a:effectLst/>
                         </a:rPr>
                         <a:t> </a:t>
                       </a:r>
-                      <a:endParaRPr lang="en-US" sz="1200" b="0" i="0" u="none" strike="noStrike">
+                      <a:endParaRPr lang="en-US" sz="1400" b="0" i="0" u="none" strike="noStrike" dirty="0">
                         <a:solidFill>
                           <a:srgbClr val="000000"/>
                         </a:solidFill>
@@ -21105,7 +22460,7 @@
                     <a:lstStyle/>
                     <a:p>
                       <a:pPr algn="ctr" fontAlgn="b"/>
-                      <a:endParaRPr lang="en-US" sz="1200" b="0" i="0" u="none" strike="noStrike">
+                      <a:endParaRPr lang="en-US" sz="1400" b="0" i="0" u="none" strike="noStrike">
                         <a:solidFill>
                           <a:srgbClr val="000000"/>
                         </a:solidFill>
@@ -21122,7 +22477,7 @@
                     <a:lstStyle/>
                     <a:p>
                       <a:pPr algn="ctr" fontAlgn="b"/>
-                      <a:endParaRPr lang="en-US" sz="1200" b="0" i="0" u="none" strike="noStrike">
+                      <a:endParaRPr lang="en-US" sz="1400" b="0" i="0" u="none" strike="noStrike">
                         <a:solidFill>
                           <a:srgbClr val="000000"/>
                         </a:solidFill>
@@ -21140,14 +22495,47 @@
                     <a:p>
                       <a:pPr algn="ctr" fontAlgn="b"/>
                       <a:r>
-                        <a:rPr lang="en-US" sz="1200" u="none" strike="noStrike">
+                        <a:rPr lang="en-US" sz="1400" u="none" strike="noStrike" dirty="0">
+                          <a:solidFill>
+                            <a:srgbClr val="0070C0"/>
+                          </a:solidFill>
                           <a:effectLst/>
                         </a:rPr>
-                        <a:t>CTORM, Meta, Diff</a:t>
+                        <a:t>CTORM</a:t>
                       </a:r>
-                      <a:endParaRPr lang="en-US" sz="1200" b="0" i="0" u="none" strike="noStrike">
+                      <a:r>
+                        <a:rPr lang="en-US" sz="1400" u="none" strike="noStrike" dirty="0">
+                          <a:effectLst/>
+                        </a:rPr>
+                        <a:t>, </a:t>
+                      </a:r>
+                      <a:r>
+                        <a:rPr lang="en-US" sz="1400" u="none" strike="noStrike" dirty="0">
+                          <a:solidFill>
+                            <a:srgbClr val="FF0000"/>
+                          </a:solidFill>
+                          <a:effectLst/>
+                        </a:rPr>
+                        <a:t>Meta</a:t>
+                      </a:r>
+                      <a:r>
+                        <a:rPr lang="en-US" sz="1400" u="none" strike="noStrike" dirty="0">
+                          <a:effectLst/>
+                        </a:rPr>
+                        <a:t>, </a:t>
+                      </a:r>
+                      <a:r>
+                        <a:rPr lang="en-US" sz="1400" u="none" strike="noStrike" dirty="0">
+                          <a:solidFill>
+                            <a:srgbClr val="624B12"/>
+                          </a:solidFill>
+                          <a:effectLst/>
+                        </a:rPr>
+                        <a:t>Diff</a:t>
+                      </a:r>
+                      <a:endParaRPr lang="en-US" sz="1400" b="0" i="0" u="none" strike="noStrike" dirty="0">
                         <a:solidFill>
-                          <a:srgbClr val="000000"/>
+                          <a:srgbClr val="624B12"/>
                         </a:solidFill>
                         <a:effectLst/>
                         <a:latin typeface="Calibri" panose="020F0502020204030204" pitchFamily="34" charset="0"/>
@@ -21162,7 +22550,7 @@
                     <a:lstStyle/>
                     <a:p>
                       <a:pPr algn="ctr" fontAlgn="b"/>
-                      <a:endParaRPr lang="en-US" sz="1200" b="0" i="0" u="none" strike="noStrike">
+                      <a:endParaRPr lang="en-US" sz="1400" b="0" i="0" u="none" strike="noStrike">
                         <a:solidFill>
                           <a:srgbClr val="000000"/>
                         </a:solidFill>
@@ -21179,7 +22567,7 @@
                   </a:ext>
                 </a:extLst>
               </a:tr>
-              <a:tr h="236534">
+              <a:tr h="232177">
                 <a:tc>
                   <a:txBody>
                     <a:bodyPr/>
@@ -21266,12 +22654,12 @@
                     <a:p>
                       <a:pPr algn="ctr" fontAlgn="b"/>
                       <a:r>
-                        <a:rPr lang="en-US" sz="1200" u="none" strike="noStrike">
+                        <a:rPr lang="en-US" sz="1400" u="none" strike="noStrike" dirty="0">
                           <a:effectLst/>
                         </a:rPr>
                         <a:t> </a:t>
                       </a:r>
-                      <a:endParaRPr lang="en-US" sz="1200" b="0" i="0" u="none" strike="noStrike">
+                      <a:endParaRPr lang="en-US" sz="1400" b="0" i="0" u="none" strike="noStrike" dirty="0">
                         <a:solidFill>
                           <a:srgbClr val="000000"/>
                         </a:solidFill>
@@ -21298,7 +22686,7 @@
                     <a:lstStyle/>
                     <a:p>
                       <a:pPr algn="ctr" fontAlgn="b"/>
-                      <a:endParaRPr lang="en-US" sz="1200" b="0" i="0" u="none" strike="noStrike">
+                      <a:endParaRPr lang="en-US" sz="1400" b="0" i="0" u="none" strike="noStrike">
                         <a:solidFill>
                           <a:srgbClr val="000000"/>
                         </a:solidFill>
@@ -21316,12 +22704,47 @@
                     <a:p>
                       <a:pPr algn="ctr" fontAlgn="b"/>
                       <a:r>
-                        <a:rPr lang="en-US" sz="1200" u="none" strike="noStrike">
+                        <a:rPr lang="en-US" sz="1400" u="none" strike="noStrike" dirty="0">
+                          <a:solidFill>
+                            <a:srgbClr val="0070C0"/>
+                          </a:solidFill>
                           <a:effectLst/>
                         </a:rPr>
-                        <a:t>CTORM, Diff</a:t>
+                        <a:t>CTORM</a:t>
                       </a:r>
-                      <a:endParaRPr lang="en-US" sz="1200" b="0" i="0" u="none" strike="noStrike">
+                      <a:r>
+                        <a:rPr lang="en-US" sz="1400" u="none" strike="noStrike" dirty="0">
+                          <a:effectLst/>
+                        </a:rPr>
+                        <a:t>, </a:t>
+                      </a:r>
+                      <a:r>
+                        <a:rPr lang="en-US" sz="1400" u="none" strike="noStrike" dirty="0">
+                          <a:solidFill>
+                            <a:srgbClr val="624B12"/>
+                          </a:solidFill>
+                          <a:effectLst/>
+                        </a:rPr>
+                        <a:t>Diff</a:t>
+                      </a:r>
+                      <a:endParaRPr lang="en-US" sz="1400" b="0" i="0" u="none" strike="noStrike" dirty="0">
+                        <a:solidFill>
+                          <a:srgbClr val="624B12"/>
+                        </a:solidFill>
+                        <a:effectLst/>
+                        <a:latin typeface="Calibri" panose="020F0502020204030204" pitchFamily="34" charset="0"/>
+                      </a:endParaRPr>
+                    </a:p>
+                  </a:txBody>
+                  <a:tcPr marL="9525" marR="9525" marT="9525" marB="0" anchor="b"/>
+                </a:tc>
+                <a:tc>
+                  <a:txBody>
+                    <a:bodyPr/>
+                    <a:lstStyle/>
+                    <a:p>
+                      <a:pPr algn="ctr" fontAlgn="b"/>
+                      <a:endParaRPr lang="en-US" sz="1400" b="0" i="0" u="none" strike="noStrike">
                         <a:solidFill>
                           <a:srgbClr val="000000"/>
                         </a:solidFill>
@@ -21338,24 +22761,7 @@
                     <a:lstStyle/>
                     <a:p>
                       <a:pPr algn="ctr" fontAlgn="b"/>
-                      <a:endParaRPr lang="en-US" sz="1200" b="0" i="0" u="none" strike="noStrike">
-                        <a:solidFill>
-                          <a:srgbClr val="000000"/>
-                        </a:solidFill>
-                        <a:effectLst/>
-                        <a:latin typeface="Calibri" panose="020F0502020204030204" pitchFamily="34" charset="0"/>
-                      </a:endParaRPr>
-                    </a:p>
-                  </a:txBody>
-                  <a:tcPr marL="9525" marR="9525" marT="9525" marB="0" anchor="b"/>
-                </a:tc>
-                <a:tc>
-                  <a:txBody>
-                    <a:bodyPr/>
-                    <a:lstStyle/>
-                    <a:p>
-                      <a:pPr algn="ctr" fontAlgn="b"/>
-                      <a:endParaRPr lang="en-US" sz="1200" b="0" i="0" u="none" strike="noStrike">
+                      <a:endParaRPr lang="en-US" sz="1400" b="0" i="0" u="none" strike="noStrike">
                         <a:solidFill>
                           <a:srgbClr val="000000"/>
                         </a:solidFill>
@@ -21372,7 +22778,7 @@
                   </a:ext>
                 </a:extLst>
               </a:tr>
-              <a:tr h="236534">
+              <a:tr h="232177">
                 <a:tc>
                   <a:txBody>
                     <a:bodyPr/>
@@ -21459,12 +22865,12 @@
                     <a:p>
                       <a:pPr algn="ctr" fontAlgn="b"/>
                       <a:r>
-                        <a:rPr lang="en-US" sz="1200" u="none" strike="noStrike">
+                        <a:rPr lang="en-US" sz="1400" u="none" strike="noStrike">
                           <a:effectLst/>
                         </a:rPr>
                         <a:t> </a:t>
                       </a:r>
-                      <a:endParaRPr lang="en-US" sz="1200" b="0" i="0" u="none" strike="noStrike">
+                      <a:endParaRPr lang="en-US" sz="1400" b="0" i="0" u="none" strike="noStrike">
                         <a:solidFill>
                           <a:srgbClr val="000000"/>
                         </a:solidFill>
@@ -21491,7 +22897,7 @@
                     <a:lstStyle/>
                     <a:p>
                       <a:pPr algn="ctr" fontAlgn="b"/>
-                      <a:endParaRPr lang="en-US" sz="1200" b="0" i="0" u="none" strike="noStrike">
+                      <a:endParaRPr lang="en-US" sz="1400" b="0" i="0" u="none" strike="noStrike" dirty="0">
                         <a:solidFill>
                           <a:srgbClr val="000000"/>
                         </a:solidFill>
@@ -21508,7 +22914,7 @@
                     <a:lstStyle/>
                     <a:p>
                       <a:pPr algn="ctr" fontAlgn="b"/>
-                      <a:endParaRPr lang="en-US" sz="1200" b="0" i="0" u="none" strike="noStrike" dirty="0">
+                      <a:endParaRPr lang="en-US" sz="1400" b="0" i="0" u="none" strike="noStrike" dirty="0">
                         <a:solidFill>
                           <a:srgbClr val="000000"/>
                         </a:solidFill>
@@ -21525,7 +22931,7 @@
                     <a:lstStyle/>
                     <a:p>
                       <a:pPr algn="ctr" fontAlgn="b"/>
-                      <a:endParaRPr lang="en-US" sz="1200" b="0" i="0" u="none" strike="noStrike">
+                      <a:endParaRPr lang="en-US" sz="1400" b="0" i="0" u="none" strike="noStrike">
                         <a:solidFill>
                           <a:srgbClr val="000000"/>
                         </a:solidFill>
@@ -21543,14 +22949,17 @@
                     <a:p>
                       <a:pPr algn="ctr" fontAlgn="b"/>
                       <a:r>
-                        <a:rPr lang="en-US" sz="1200" u="none" strike="noStrike">
+                        <a:rPr lang="en-US" sz="1400" u="none" strike="noStrike" dirty="0">
+                          <a:solidFill>
+                            <a:srgbClr val="624B12"/>
+                          </a:solidFill>
                           <a:effectLst/>
                         </a:rPr>
                         <a:t>Diff</a:t>
                       </a:r>
-                      <a:endParaRPr lang="en-US" sz="1200" b="0" i="0" u="none" strike="noStrike">
+                      <a:endParaRPr lang="en-US" sz="1400" b="0" i="0" u="none" strike="noStrike" dirty="0">
                         <a:solidFill>
-                          <a:srgbClr val="000000"/>
+                          <a:srgbClr val="624B12"/>
                         </a:solidFill>
                         <a:effectLst/>
                         <a:latin typeface="Calibri" panose="020F0502020204030204" pitchFamily="34" charset="0"/>
@@ -21565,7 +22974,7 @@
                   </a:ext>
                 </a:extLst>
               </a:tr>
-              <a:tr h="236534">
+              <a:tr h="232177">
                 <a:tc>
                   <a:txBody>
                     <a:bodyPr/>
@@ -21652,14 +23061,32 @@
                     <a:p>
                       <a:pPr algn="ctr" fontAlgn="b"/>
                       <a:r>
-                        <a:rPr lang="en-US" sz="1200" u="none" strike="noStrike">
+                        <a:rPr lang="en-US" sz="1400" u="none" strike="noStrike" dirty="0">
+                          <a:solidFill>
+                            <a:srgbClr val="FF0000"/>
+                          </a:solidFill>
                           <a:effectLst/>
                         </a:rPr>
-                        <a:t>Meta, Diff</a:t>
+                        <a:t>Meta</a:t>
                       </a:r>
-                      <a:endParaRPr lang="en-US" sz="1200" b="0" i="0" u="none" strike="noStrike">
+                      <a:r>
+                        <a:rPr lang="en-US" sz="1400" u="none" strike="noStrike" dirty="0">
+                          <a:effectLst/>
+                        </a:rPr>
+                        <a:t>, </a:t>
+                      </a:r>
+                      <a:r>
+                        <a:rPr lang="en-US" sz="1400" u="none" strike="noStrike" dirty="0">
+                          <a:solidFill>
+                            <a:srgbClr val="624B12"/>
+                          </a:solidFill>
+                          <a:effectLst/>
+                        </a:rPr>
+                        <a:t>Diff</a:t>
+                      </a:r>
+                      <a:endParaRPr lang="en-US" sz="1400" b="0" i="0" u="none" strike="noStrike" dirty="0">
                         <a:solidFill>
-                          <a:srgbClr val="000000"/>
+                          <a:srgbClr val="624B12"/>
                         </a:solidFill>
                         <a:effectLst/>
                         <a:latin typeface="Calibri" panose="020F0502020204030204" pitchFamily="34" charset="0"/>
@@ -21684,7 +23111,7 @@
                     <a:lstStyle/>
                     <a:p>
                       <a:pPr algn="ctr" fontAlgn="b"/>
-                      <a:endParaRPr lang="en-US" sz="1200" b="0" i="0" u="none" strike="noStrike">
+                      <a:endParaRPr lang="en-US" sz="1400" b="0" i="0" u="none" strike="noStrike">
                         <a:solidFill>
                           <a:srgbClr val="000000"/>
                         </a:solidFill>
@@ -21701,7 +23128,7 @@
                     <a:lstStyle/>
                     <a:p>
                       <a:pPr algn="ctr" fontAlgn="b"/>
-                      <a:endParaRPr lang="en-US" sz="1200" b="0" i="0" u="none" strike="noStrike">
+                      <a:endParaRPr lang="en-US" sz="1400" b="0" i="0" u="none" strike="noStrike" dirty="0">
                         <a:solidFill>
                           <a:srgbClr val="000000"/>
                         </a:solidFill>
@@ -21718,7 +23145,7 @@
                     <a:lstStyle/>
                     <a:p>
                       <a:pPr algn="ctr" fontAlgn="b"/>
-                      <a:endParaRPr lang="en-US" sz="1200" b="0" i="0" u="none" strike="noStrike">
+                      <a:endParaRPr lang="en-US" sz="1400" b="0" i="0" u="none" strike="noStrike">
                         <a:solidFill>
                           <a:srgbClr val="000000"/>
                         </a:solidFill>
@@ -21735,7 +23162,7 @@
                     <a:lstStyle/>
                     <a:p>
                       <a:pPr algn="ctr" fontAlgn="b"/>
-                      <a:endParaRPr lang="en-US" sz="1200" b="0" i="0" u="none" strike="noStrike">
+                      <a:endParaRPr lang="en-US" sz="1400" b="0" i="0" u="none" strike="noStrike">
                         <a:solidFill>
                           <a:srgbClr val="000000"/>
                         </a:solidFill>
@@ -21752,7 +23179,7 @@
                   </a:ext>
                 </a:extLst>
               </a:tr>
-              <a:tr h="236534">
+              <a:tr h="232177">
                 <a:tc>
                   <a:txBody>
                     <a:bodyPr/>
@@ -21839,12 +23266,12 @@
                     <a:p>
                       <a:pPr algn="ctr" fontAlgn="b"/>
                       <a:r>
-                        <a:rPr lang="en-US" sz="1200" u="none" strike="noStrike">
+                        <a:rPr lang="en-US" sz="1400" u="none" strike="noStrike">
                           <a:effectLst/>
                         </a:rPr>
                         <a:t> </a:t>
                       </a:r>
-                      <a:endParaRPr lang="en-US" sz="1200" b="0" i="0" u="none" strike="noStrike">
+                      <a:endParaRPr lang="en-US" sz="1400" b="0" i="0" u="none" strike="noStrike">
                         <a:solidFill>
                           <a:srgbClr val="000000"/>
                         </a:solidFill>
@@ -21871,7 +23298,7 @@
                     <a:lstStyle/>
                     <a:p>
                       <a:pPr algn="ctr" fontAlgn="b"/>
-                      <a:endParaRPr lang="en-US" sz="1200" b="0" i="0" u="none" strike="noStrike">
+                      <a:endParaRPr lang="en-US" sz="1400" b="0" i="0" u="none" strike="noStrike" dirty="0">
                         <a:solidFill>
                           <a:srgbClr val="000000"/>
                         </a:solidFill>
@@ -21889,12 +23316,32 @@
                     <a:p>
                       <a:pPr algn="ctr" fontAlgn="b"/>
                       <a:r>
-                        <a:rPr lang="en-US" sz="1200" u="none" strike="noStrike">
+                        <a:rPr lang="en-US" sz="1400" u="none" strike="noStrike" dirty="0">
+                          <a:solidFill>
+                            <a:srgbClr val="624B12"/>
+                          </a:solidFill>
                           <a:effectLst/>
                         </a:rPr>
                         <a:t>Diff</a:t>
                       </a:r>
-                      <a:endParaRPr lang="en-US" sz="1200" b="0" i="0" u="none" strike="noStrike">
+                      <a:endParaRPr lang="en-US" sz="1400" b="0" i="0" u="none" strike="noStrike" dirty="0">
+                        <a:solidFill>
+                          <a:srgbClr val="624B12"/>
+                        </a:solidFill>
+                        <a:effectLst/>
+                        <a:latin typeface="Calibri" panose="020F0502020204030204" pitchFamily="34" charset="0"/>
+                      </a:endParaRPr>
+                    </a:p>
+                  </a:txBody>
+                  <a:tcPr marL="9525" marR="9525" marT="9525" marB="0" anchor="b"/>
+                </a:tc>
+                <a:tc>
+                  <a:txBody>
+                    <a:bodyPr/>
+                    <a:lstStyle/>
+                    <a:p>
+                      <a:pPr algn="ctr" fontAlgn="b"/>
+                      <a:endParaRPr lang="en-US" sz="1400" b="0" i="0" u="none" strike="noStrike">
                         <a:solidFill>
                           <a:srgbClr val="000000"/>
                         </a:solidFill>
@@ -21911,24 +23358,7 @@
                     <a:lstStyle/>
                     <a:p>
                       <a:pPr algn="ctr" fontAlgn="b"/>
-                      <a:endParaRPr lang="en-US" sz="1200" b="0" i="0" u="none" strike="noStrike">
-                        <a:solidFill>
-                          <a:srgbClr val="000000"/>
-                        </a:solidFill>
-                        <a:effectLst/>
-                        <a:latin typeface="Calibri" panose="020F0502020204030204" pitchFamily="34" charset="0"/>
-                      </a:endParaRPr>
-                    </a:p>
-                  </a:txBody>
-                  <a:tcPr marL="9525" marR="9525" marT="9525" marB="0" anchor="b"/>
-                </a:tc>
-                <a:tc>
-                  <a:txBody>
-                    <a:bodyPr/>
-                    <a:lstStyle/>
-                    <a:p>
-                      <a:pPr algn="ctr" fontAlgn="b"/>
-                      <a:endParaRPr lang="en-US" sz="1200" b="0" i="0" u="none" strike="noStrike">
+                      <a:endParaRPr lang="en-US" sz="1400" b="0" i="0" u="none" strike="noStrike">
                         <a:solidFill>
                           <a:srgbClr val="000000"/>
                         </a:solidFill>
@@ -21945,7 +23375,7 @@
                   </a:ext>
                 </a:extLst>
               </a:tr>
-              <a:tr h="236534">
+              <a:tr h="232177">
                 <a:tc>
                   <a:txBody>
                     <a:bodyPr/>
@@ -22032,12 +23462,12 @@
                     <a:p>
                       <a:pPr algn="ctr" fontAlgn="b"/>
                       <a:r>
-                        <a:rPr lang="en-US" sz="1200" u="none" strike="noStrike">
+                        <a:rPr lang="en-US" sz="1400" u="none" strike="noStrike">
                           <a:effectLst/>
                         </a:rPr>
                         <a:t> </a:t>
                       </a:r>
-                      <a:endParaRPr lang="en-US" sz="1200" b="0" i="0" u="none" strike="noStrike">
+                      <a:endParaRPr lang="en-US" sz="1400" b="0" i="0" u="none" strike="noStrike">
                         <a:solidFill>
                           <a:srgbClr val="000000"/>
                         </a:solidFill>
@@ -22064,7 +23494,7 @@
                     <a:lstStyle/>
                     <a:p>
                       <a:pPr algn="ctr" fontAlgn="b"/>
-                      <a:endParaRPr lang="en-US" sz="1200" b="0" i="0" u="none" strike="noStrike">
+                      <a:endParaRPr lang="en-US" sz="1400" b="0" i="0" u="none" strike="noStrike" dirty="0">
                         <a:solidFill>
                           <a:srgbClr val="000000"/>
                         </a:solidFill>
@@ -22081,7 +23511,7 @@
                     <a:lstStyle/>
                     <a:p>
                       <a:pPr algn="ctr" fontAlgn="b"/>
-                      <a:endParaRPr lang="en-US" sz="1200" b="0" i="0" u="none" strike="noStrike">
+                      <a:endParaRPr lang="en-US" sz="1400" b="0" i="0" u="none" strike="noStrike">
                         <a:solidFill>
                           <a:srgbClr val="000000"/>
                         </a:solidFill>
@@ -22099,14 +23529,47 @@
                     <a:p>
                       <a:pPr algn="ctr" fontAlgn="b"/>
                       <a:r>
-                        <a:rPr lang="en-US" sz="1200" u="none" strike="noStrike">
+                        <a:rPr lang="en-US" sz="1400" u="none" strike="noStrike" dirty="0">
+                          <a:solidFill>
+                            <a:srgbClr val="0070C0"/>
+                          </a:solidFill>
                           <a:effectLst/>
                         </a:rPr>
-                        <a:t>CTORM, Meta, Diff</a:t>
+                        <a:t>CTORM</a:t>
                       </a:r>
-                      <a:endParaRPr lang="en-US" sz="1200" b="0" i="0" u="none" strike="noStrike">
+                      <a:r>
+                        <a:rPr lang="en-US" sz="1400" u="none" strike="noStrike" dirty="0">
+                          <a:effectLst/>
+                        </a:rPr>
+                        <a:t>, </a:t>
+                      </a:r>
+                      <a:r>
+                        <a:rPr lang="en-US" sz="1400" u="none" strike="noStrike" dirty="0">
+                          <a:solidFill>
+                            <a:srgbClr val="FF0000"/>
+                          </a:solidFill>
+                          <a:effectLst/>
+                        </a:rPr>
+                        <a:t>Meta</a:t>
+                      </a:r>
+                      <a:r>
+                        <a:rPr lang="en-US" sz="1400" u="none" strike="noStrike" dirty="0">
+                          <a:effectLst/>
+                        </a:rPr>
+                        <a:t>, </a:t>
+                      </a:r>
+                      <a:r>
+                        <a:rPr lang="en-US" sz="1400" u="none" strike="noStrike" dirty="0">
+                          <a:solidFill>
+                            <a:srgbClr val="624B12"/>
+                          </a:solidFill>
+                          <a:effectLst/>
+                        </a:rPr>
+                        <a:t>Diff</a:t>
+                      </a:r>
+                      <a:endParaRPr lang="en-US" sz="1400" b="0" i="0" u="none" strike="noStrike" dirty="0">
                         <a:solidFill>
-                          <a:srgbClr val="000000"/>
+                          <a:srgbClr val="624B12"/>
                         </a:solidFill>
                         <a:effectLst/>
                         <a:latin typeface="Calibri" panose="020F0502020204030204" pitchFamily="34" charset="0"/>
@@ -22121,7 +23584,7 @@
                     <a:lstStyle/>
                     <a:p>
                       <a:pPr algn="ctr" fontAlgn="b"/>
-                      <a:endParaRPr lang="en-US" sz="1200" b="0" i="0" u="none" strike="noStrike">
+                      <a:endParaRPr lang="en-US" sz="1400" b="0" i="0" u="none" strike="noStrike">
                         <a:solidFill>
                           <a:srgbClr val="000000"/>
                         </a:solidFill>
@@ -22138,7 +23601,7 @@
                   </a:ext>
                 </a:extLst>
               </a:tr>
-              <a:tr h="236534">
+              <a:tr h="233264">
                 <a:tc>
                   <a:txBody>
                     <a:bodyPr/>
@@ -22146,12 +23609,12 @@
                     <a:p>
                       <a:pPr algn="l" fontAlgn="b"/>
                       <a:r>
-                        <a:rPr lang="en-US" sz="1200" u="none" strike="noStrike">
+                        <a:rPr lang="en-US" sz="1200" u="none" strike="noStrike" dirty="0">
                           <a:effectLst/>
                         </a:rPr>
                         <a:t>Solver Interface</a:t>
                       </a:r>
-                      <a:endParaRPr lang="en-US" sz="1200" b="0" i="0" u="none" strike="noStrike">
+                      <a:endParaRPr lang="en-US" sz="1200" b="0" i="0" u="none" strike="noStrike" dirty="0">
                         <a:solidFill>
                           <a:srgbClr val="000000"/>
                         </a:solidFill>
@@ -22225,12 +23688,12 @@
                     <a:p>
                       <a:pPr algn="ctr" fontAlgn="b"/>
                       <a:r>
-                        <a:rPr lang="en-US" sz="1200" u="none" strike="noStrike">
+                        <a:rPr lang="en-US" sz="1400" u="none" strike="noStrike">
                           <a:effectLst/>
                         </a:rPr>
                         <a:t> </a:t>
                       </a:r>
-                      <a:endParaRPr lang="en-US" sz="1200" b="0" i="0" u="none" strike="noStrike">
+                      <a:endParaRPr lang="en-US" sz="1400" b="0" i="0" u="none" strike="noStrike">
                         <a:solidFill>
                           <a:srgbClr val="000000"/>
                         </a:solidFill>
@@ -22257,7 +23720,7 @@
                     <a:lstStyle/>
                     <a:p>
                       <a:pPr algn="ctr" fontAlgn="b"/>
-                      <a:endParaRPr lang="en-US" sz="1200" b="0" i="0" u="none" strike="noStrike">
+                      <a:endParaRPr lang="en-US" sz="1400" b="0" i="0" u="none" strike="noStrike">
                         <a:solidFill>
                           <a:srgbClr val="000000"/>
                         </a:solidFill>
@@ -22275,12 +23738,62 @@
                     <a:p>
                       <a:pPr algn="ctr" fontAlgn="b"/>
                       <a:r>
-                        <a:rPr lang="en-US" sz="1200" u="none" strike="noStrike">
+                        <a:rPr lang="en-US" sz="1400" u="none" strike="noStrike" dirty="0">
+                          <a:solidFill>
+                            <a:srgbClr val="0070C0"/>
+                          </a:solidFill>
                           <a:effectLst/>
                         </a:rPr>
-                        <a:t>CTORM, Meta, Diff</a:t>
+                        <a:t>CTORM</a:t>
                       </a:r>
-                      <a:endParaRPr lang="en-US" sz="1200" b="0" i="0" u="none" strike="noStrike">
+                      <a:r>
+                        <a:rPr lang="en-US" sz="1400" u="none" strike="noStrike" dirty="0">
+                          <a:effectLst/>
+                        </a:rPr>
+                        <a:t>, </a:t>
+                      </a:r>
+                      <a:r>
+                        <a:rPr lang="en-US" sz="1400" u="none" strike="noStrike" dirty="0">
+                          <a:solidFill>
+                            <a:srgbClr val="FF0000"/>
+                          </a:solidFill>
+                          <a:effectLst/>
+                        </a:rPr>
+                        <a:t>Meta</a:t>
+                      </a:r>
+                      <a:r>
+                        <a:rPr lang="en-US" sz="1400" u="none" strike="noStrike" dirty="0">
+                          <a:effectLst/>
+                        </a:rPr>
+                        <a:t>, </a:t>
+                      </a:r>
+                      <a:r>
+                        <a:rPr lang="en-US" sz="1400" u="none" strike="noStrike" dirty="0">
+                          <a:solidFill>
+                            <a:srgbClr val="624B12"/>
+                          </a:solidFill>
+                          <a:effectLst/>
+                        </a:rPr>
+                        <a:t>Diff</a:t>
+                      </a:r>
+                      <a:endParaRPr lang="en-US" sz="1400" b="0" i="0" u="none" strike="noStrike" dirty="0">
+                        <a:solidFill>
+                          <a:srgbClr val="624B12"/>
+                        </a:solidFill>
+                        <a:effectLst/>
+                        <a:latin typeface="Calibri" panose="020F0502020204030204" pitchFamily="34" charset="0"/>
+                      </a:endParaRPr>
+                    </a:p>
+                  </a:txBody>
+                  <a:tcPr marL="9525" marR="9525" marT="9525" marB="0" anchor="b"/>
+                </a:tc>
+                <a:tc>
+                  <a:txBody>
+                    <a:bodyPr/>
+                    <a:lstStyle/>
+                    <a:p>
+                      <a:pPr algn="ctr" fontAlgn="b"/>
+                      <a:endParaRPr lang="en-US" sz="1400" b="0" i="0" u="none" strike="noStrike">
                         <a:solidFill>
                           <a:srgbClr val="000000"/>
                         </a:solidFill>
@@ -22297,24 +23810,7 @@
                     <a:lstStyle/>
                     <a:p>
                       <a:pPr algn="ctr" fontAlgn="b"/>
-                      <a:endParaRPr lang="en-US" sz="1200" b="0" i="0" u="none" strike="noStrike">
-                        <a:solidFill>
-                          <a:srgbClr val="000000"/>
-                        </a:solidFill>
-                        <a:effectLst/>
-                        <a:latin typeface="Calibri" panose="020F0502020204030204" pitchFamily="34" charset="0"/>
-                      </a:endParaRPr>
-                    </a:p>
-                  </a:txBody>
-                  <a:tcPr marL="9525" marR="9525" marT="9525" marB="0" anchor="b"/>
-                </a:tc>
-                <a:tc>
-                  <a:txBody>
-                    <a:bodyPr/>
-                    <a:lstStyle/>
-                    <a:p>
-                      <a:pPr algn="ctr" fontAlgn="b"/>
-                      <a:endParaRPr lang="en-US" sz="1200" b="0" i="0" u="none" strike="noStrike">
+                      <a:endParaRPr lang="en-US" sz="1400" b="0" i="0" u="none" strike="noStrike">
                         <a:solidFill>
                           <a:srgbClr val="000000"/>
                         </a:solidFill>
@@ -22331,7 +23827,7 @@
                   </a:ext>
                 </a:extLst>
               </a:tr>
-              <a:tr h="236534">
+              <a:tr h="232177">
                 <a:tc>
                   <a:txBody>
                     <a:bodyPr/>
@@ -22418,12 +23914,12 @@
                     <a:p>
                       <a:pPr algn="ctr" fontAlgn="b"/>
                       <a:r>
-                        <a:rPr lang="en-US" sz="1200" u="none" strike="noStrike">
+                        <a:rPr lang="en-US" sz="1400" u="none" strike="noStrike">
                           <a:effectLst/>
                         </a:rPr>
                         <a:t> </a:t>
                       </a:r>
-                      <a:endParaRPr lang="en-US" sz="1200" b="0" i="0" u="none" strike="noStrike">
+                      <a:endParaRPr lang="en-US" sz="1400" b="0" i="0" u="none" strike="noStrike">
                         <a:solidFill>
                           <a:srgbClr val="000000"/>
                         </a:solidFill>
@@ -22450,7 +23946,7 @@
                     <a:lstStyle/>
                     <a:p>
                       <a:pPr algn="ctr" fontAlgn="b"/>
-                      <a:endParaRPr lang="en-US" sz="1200" b="0" i="0" u="none" strike="noStrike">
+                      <a:endParaRPr lang="en-US" sz="1400" b="0" i="0" u="none" strike="noStrike">
                         <a:solidFill>
                           <a:srgbClr val="000000"/>
                         </a:solidFill>
@@ -22468,12 +23964,47 @@
                     <a:p>
                       <a:pPr algn="ctr" fontAlgn="b"/>
                       <a:r>
-                        <a:rPr lang="en-US" sz="1200" u="none" strike="noStrike">
+                        <a:rPr lang="en-US" sz="1400" u="none" strike="noStrike" dirty="0">
+                          <a:solidFill>
+                            <a:srgbClr val="0070C0"/>
+                          </a:solidFill>
                           <a:effectLst/>
                         </a:rPr>
-                        <a:t>CTORM, Diff</a:t>
+                        <a:t>CTORM</a:t>
                       </a:r>
-                      <a:endParaRPr lang="en-US" sz="1200" b="0" i="0" u="none" strike="noStrike">
+                      <a:r>
+                        <a:rPr lang="en-US" sz="1400" u="none" strike="noStrike" dirty="0">
+                          <a:effectLst/>
+                        </a:rPr>
+                        <a:t>, </a:t>
+                      </a:r>
+                      <a:r>
+                        <a:rPr lang="en-US" sz="1400" u="none" strike="noStrike" dirty="0">
+                          <a:solidFill>
+                            <a:srgbClr val="624B12"/>
+                          </a:solidFill>
+                          <a:effectLst/>
+                        </a:rPr>
+                        <a:t>Diff</a:t>
+                      </a:r>
+                      <a:endParaRPr lang="en-US" sz="1400" b="0" i="0" u="none" strike="noStrike" dirty="0">
+                        <a:solidFill>
+                          <a:srgbClr val="624B12"/>
+                        </a:solidFill>
+                        <a:effectLst/>
+                        <a:latin typeface="Calibri" panose="020F0502020204030204" pitchFamily="34" charset="0"/>
+                      </a:endParaRPr>
+                    </a:p>
+                  </a:txBody>
+                  <a:tcPr marL="9525" marR="9525" marT="9525" marB="0" anchor="b"/>
+                </a:tc>
+                <a:tc>
+                  <a:txBody>
+                    <a:bodyPr/>
+                    <a:lstStyle/>
+                    <a:p>
+                      <a:pPr algn="ctr" fontAlgn="b"/>
+                      <a:endParaRPr lang="en-US" sz="1400" b="0" i="0" u="none" strike="noStrike">
                         <a:solidFill>
                           <a:srgbClr val="000000"/>
                         </a:solidFill>
@@ -22490,24 +24021,7 @@
                     <a:lstStyle/>
                     <a:p>
                       <a:pPr algn="ctr" fontAlgn="b"/>
-                      <a:endParaRPr lang="en-US" sz="1200" b="0" i="0" u="none" strike="noStrike">
-                        <a:solidFill>
-                          <a:srgbClr val="000000"/>
-                        </a:solidFill>
-                        <a:effectLst/>
-                        <a:latin typeface="Calibri" panose="020F0502020204030204" pitchFamily="34" charset="0"/>
-                      </a:endParaRPr>
-                    </a:p>
-                  </a:txBody>
-                  <a:tcPr marL="9525" marR="9525" marT="9525" marB="0" anchor="b"/>
-                </a:tc>
-                <a:tc>
-                  <a:txBody>
-                    <a:bodyPr/>
-                    <a:lstStyle/>
-                    <a:p>
-                      <a:pPr algn="ctr" fontAlgn="b"/>
-                      <a:endParaRPr lang="en-US" sz="1200" b="0" i="0" u="none" strike="noStrike">
+                      <a:endParaRPr lang="en-US" sz="1400" b="0" i="0" u="none" strike="noStrike">
                         <a:solidFill>
                           <a:srgbClr val="000000"/>
                         </a:solidFill>
@@ -22524,7 +24038,7 @@
                   </a:ext>
                 </a:extLst>
               </a:tr>
-              <a:tr h="236534">
+              <a:tr h="232177">
                 <a:tc>
                   <a:txBody>
                     <a:bodyPr/>
@@ -22611,12 +24125,12 @@
                     <a:p>
                       <a:pPr algn="ctr" fontAlgn="b"/>
                       <a:r>
-                        <a:rPr lang="en-US" sz="1200" u="none" strike="noStrike" dirty="0">
+                        <a:rPr lang="en-US" sz="1400" u="none" strike="noStrike" dirty="0">
                           <a:effectLst/>
                         </a:rPr>
                         <a:t> </a:t>
                       </a:r>
-                      <a:endParaRPr lang="en-US" sz="1200" b="0" i="0" u="none" strike="noStrike" dirty="0">
+                      <a:endParaRPr lang="en-US" sz="1400" b="0" i="0" u="none" strike="noStrike" dirty="0">
                         <a:solidFill>
                           <a:srgbClr val="000000"/>
                         </a:solidFill>
@@ -22643,7 +24157,7 @@
                     <a:lstStyle/>
                     <a:p>
                       <a:pPr algn="ctr" fontAlgn="b"/>
-                      <a:endParaRPr lang="en-US" sz="1200" b="0" i="0" u="none" strike="noStrike">
+                      <a:endParaRPr lang="en-US" sz="1400" b="0" i="0" u="none" strike="noStrike">
                         <a:solidFill>
                           <a:srgbClr val="000000"/>
                         </a:solidFill>
@@ -22660,7 +24174,7 @@
                     <a:lstStyle/>
                     <a:p>
                       <a:pPr algn="ctr" fontAlgn="b"/>
-                      <a:endParaRPr lang="en-US" sz="1200" b="0" i="0" u="none" strike="noStrike">
+                      <a:endParaRPr lang="en-US" sz="1400" b="0" i="0" u="none" strike="noStrike" dirty="0">
                         <a:solidFill>
                           <a:srgbClr val="000000"/>
                         </a:solidFill>
@@ -22678,14 +24192,17 @@
                     <a:p>
                       <a:pPr algn="ctr" fontAlgn="b"/>
                       <a:r>
-                        <a:rPr lang="en-US" sz="1200" u="none" strike="noStrike">
+                        <a:rPr lang="en-US" sz="1400" u="none" strike="noStrike" dirty="0">
+                          <a:solidFill>
+                            <a:srgbClr val="FF0000"/>
+                          </a:solidFill>
                           <a:effectLst/>
                         </a:rPr>
                         <a:t>Meta</a:t>
                       </a:r>
-                      <a:endParaRPr lang="en-US" sz="1200" b="0" i="0" u="none" strike="noStrike">
+                      <a:endParaRPr lang="en-US" sz="1400" b="0" i="0" u="none" strike="noStrike" dirty="0">
                         <a:solidFill>
-                          <a:srgbClr val="000000"/>
+                          <a:srgbClr val="FF0000"/>
                         </a:solidFill>
                         <a:effectLst/>
                         <a:latin typeface="Calibri" panose="020F0502020204030204" pitchFamily="34" charset="0"/>
@@ -22700,7 +24217,7 @@
                     <a:lstStyle/>
                     <a:p>
                       <a:pPr algn="ctr" fontAlgn="b"/>
-                      <a:endParaRPr lang="en-US" sz="1200" b="0" i="0" u="none" strike="noStrike">
+                      <a:endParaRPr lang="en-US" sz="1400" b="0" i="0" u="none" strike="noStrike">
                         <a:solidFill>
                           <a:srgbClr val="000000"/>
                         </a:solidFill>
@@ -22717,7 +24234,7 @@
                   </a:ext>
                 </a:extLst>
               </a:tr>
-              <a:tr h="236534">
+              <a:tr h="232177">
                 <a:tc>
                   <a:txBody>
                     <a:bodyPr/>
@@ -22804,12 +24321,12 @@
                     <a:p>
                       <a:pPr algn="ctr" fontAlgn="b"/>
                       <a:r>
-                        <a:rPr lang="en-US" sz="1200" u="none" strike="noStrike">
+                        <a:rPr lang="en-US" sz="1400" u="none" strike="noStrike">
                           <a:effectLst/>
                         </a:rPr>
                         <a:t> </a:t>
                       </a:r>
-                      <a:endParaRPr lang="en-US" sz="1200" b="0" i="0" u="none" strike="noStrike">
+                      <a:endParaRPr lang="en-US" sz="1400" b="0" i="0" u="none" strike="noStrike">
                         <a:solidFill>
                           <a:srgbClr val="000000"/>
                         </a:solidFill>
@@ -22837,12 +24354,58 @@
                     <a:p>
                       <a:pPr algn="ctr" fontAlgn="b"/>
                       <a:r>
-                        <a:rPr lang="en-US" sz="1200" u="none" strike="noStrike">
+                        <a:rPr lang="en-US" sz="1400" u="none" strike="noStrike" dirty="0">
+                          <a:solidFill>
+                            <a:srgbClr val="0070C0"/>
+                          </a:solidFill>
                           <a:effectLst/>
                         </a:rPr>
                         <a:t>CTORM</a:t>
                       </a:r>
-                      <a:endParaRPr lang="en-US" sz="1200" b="0" i="0" u="none" strike="noStrike">
+                      <a:endParaRPr lang="en-US" sz="1400" b="0" i="0" u="none" strike="noStrike" dirty="0">
+                        <a:solidFill>
+                          <a:srgbClr val="0070C0"/>
+                        </a:solidFill>
+                        <a:effectLst/>
+                        <a:latin typeface="Calibri" panose="020F0502020204030204" pitchFamily="34" charset="0"/>
+                      </a:endParaRPr>
+                    </a:p>
+                  </a:txBody>
+                  <a:tcPr marL="9525" marR="9525" marT="9525" marB="0" anchor="b"/>
+                </a:tc>
+                <a:tc>
+                  <a:txBody>
+                    <a:bodyPr/>
+                    <a:lstStyle/>
+                    <a:p>
+                      <a:pPr algn="ctr" fontAlgn="b"/>
+                      <a:r>
+                        <a:rPr lang="en-US" sz="1400" u="none" strike="noStrike" dirty="0">
+                          <a:solidFill>
+                            <a:srgbClr val="0070C0"/>
+                          </a:solidFill>
+                          <a:effectLst/>
+                        </a:rPr>
+                        <a:t>CTORM</a:t>
+                      </a:r>
+                      <a:endParaRPr lang="en-US" sz="1400" b="0" i="0" u="none" strike="noStrike" dirty="0">
+                        <a:solidFill>
+                          <a:srgbClr val="0070C0"/>
+                        </a:solidFill>
+                        <a:effectLst/>
+                        <a:latin typeface="Calibri" panose="020F0502020204030204" pitchFamily="34" charset="0"/>
+                      </a:endParaRPr>
+                    </a:p>
+                  </a:txBody>
+                  <a:tcPr marL="9525" marR="9525" marT="9525" marB="0" anchor="b"/>
+                </a:tc>
+                <a:tc>
+                  <a:txBody>
+                    <a:bodyPr/>
+                    <a:lstStyle/>
+                    <a:p>
+                      <a:pPr algn="ctr" fontAlgn="b"/>
+                      <a:endParaRPr lang="en-US" sz="1400" b="0" i="0" u="none" strike="noStrike">
                         <a:solidFill>
                           <a:srgbClr val="000000"/>
                         </a:solidFill>
@@ -22859,47 +24422,7 @@
                     <a:lstStyle/>
                     <a:p>
                       <a:pPr algn="ctr" fontAlgn="b"/>
-                      <a:r>
-                        <a:rPr lang="en-US" sz="1200" u="none" strike="noStrike">
-                          <a:effectLst/>
-                        </a:rPr>
-                        <a:t>CTORM</a:t>
-                      </a:r>
-                      <a:endParaRPr lang="en-US" sz="1200" b="0" i="0" u="none" strike="noStrike">
-                        <a:solidFill>
-                          <a:srgbClr val="000000"/>
-                        </a:solidFill>
-                        <a:effectLst/>
-                        <a:latin typeface="Calibri" panose="020F0502020204030204" pitchFamily="34" charset="0"/>
-                      </a:endParaRPr>
-                    </a:p>
-                  </a:txBody>
-                  <a:tcPr marL="9525" marR="9525" marT="9525" marB="0" anchor="b"/>
-                </a:tc>
-                <a:tc>
-                  <a:txBody>
-                    <a:bodyPr/>
-                    <a:lstStyle/>
-                    <a:p>
-                      <a:pPr algn="ctr" fontAlgn="b"/>
-                      <a:endParaRPr lang="en-US" sz="1200" b="0" i="0" u="none" strike="noStrike">
-                        <a:solidFill>
-                          <a:srgbClr val="000000"/>
-                        </a:solidFill>
-                        <a:effectLst/>
-                        <a:latin typeface="Calibri" panose="020F0502020204030204" pitchFamily="34" charset="0"/>
-                      </a:endParaRPr>
-                    </a:p>
-                  </a:txBody>
-                  <a:tcPr marL="9525" marR="9525" marT="9525" marB="0" anchor="b"/>
-                </a:tc>
-                <a:tc>
-                  <a:txBody>
-                    <a:bodyPr/>
-                    <a:lstStyle/>
-                    <a:p>
-                      <a:pPr algn="ctr" fontAlgn="b"/>
-                      <a:endParaRPr lang="en-US" sz="1200" b="0" i="0" u="none" strike="noStrike">
+                      <a:endParaRPr lang="en-US" sz="1400" b="0" i="0" u="none" strike="noStrike">
                         <a:solidFill>
                           <a:srgbClr val="000000"/>
                         </a:solidFill>
@@ -22916,7 +24439,7 @@
                   </a:ext>
                 </a:extLst>
               </a:tr>
-              <a:tr h="236534">
+              <a:tr h="232177">
                 <a:tc>
                   <a:txBody>
                     <a:bodyPr/>
@@ -23003,12 +24526,12 @@
                     <a:p>
                       <a:pPr algn="ctr" fontAlgn="b"/>
                       <a:r>
-                        <a:rPr lang="en-US" sz="1200" u="none" strike="noStrike">
+                        <a:rPr lang="en-US" sz="1400" u="none" strike="noStrike">
                           <a:effectLst/>
                         </a:rPr>
                         <a:t> </a:t>
                       </a:r>
-                      <a:endParaRPr lang="en-US" sz="1200" b="0" i="0" u="none" strike="noStrike">
+                      <a:endParaRPr lang="en-US" sz="1400" b="0" i="0" u="none" strike="noStrike">
                         <a:solidFill>
                           <a:srgbClr val="000000"/>
                         </a:solidFill>
@@ -23036,12 +24559,88 @@
                     <a:p>
                       <a:pPr algn="ctr" fontAlgn="b"/>
                       <a:r>
-                        <a:rPr lang="en-US" sz="1200" u="none" strike="noStrike" dirty="0">
+                        <a:rPr lang="en-US" sz="1400" u="none" strike="noStrike" dirty="0">
+                          <a:solidFill>
+                            <a:srgbClr val="0070C0"/>
+                          </a:solidFill>
                           <a:effectLst/>
                         </a:rPr>
-                        <a:t>CTORM, Meta</a:t>
+                        <a:t>CTORM</a:t>
                       </a:r>
-                      <a:endParaRPr lang="en-US" sz="1200" b="0" i="0" u="none" strike="noStrike" dirty="0">
+                      <a:r>
+                        <a:rPr lang="en-US" sz="1400" u="none" strike="noStrike" dirty="0">
+                          <a:effectLst/>
+                        </a:rPr>
+                        <a:t>, </a:t>
+                      </a:r>
+                      <a:r>
+                        <a:rPr lang="en-US" sz="1400" u="none" strike="noStrike" dirty="0">
+                          <a:solidFill>
+                            <a:srgbClr val="FF0000"/>
+                          </a:solidFill>
+                          <a:effectLst/>
+                        </a:rPr>
+                        <a:t>Meta</a:t>
+                      </a:r>
+                      <a:endParaRPr lang="en-US" sz="1400" b="0" i="0" u="none" strike="noStrike" dirty="0">
+                        <a:solidFill>
+                          <a:srgbClr val="FF0000"/>
+                        </a:solidFill>
+                        <a:effectLst/>
+                        <a:latin typeface="Calibri" panose="020F0502020204030204" pitchFamily="34" charset="0"/>
+                      </a:endParaRPr>
+                    </a:p>
+                  </a:txBody>
+                  <a:tcPr marL="9525" marR="9525" marT="9525" marB="0" anchor="b"/>
+                </a:tc>
+                <a:tc>
+                  <a:txBody>
+                    <a:bodyPr/>
+                    <a:lstStyle/>
+                    <a:p>
+                      <a:pPr algn="ctr" fontAlgn="b"/>
+                      <a:r>
+                        <a:rPr lang="en-US" sz="1400" u="none" strike="noStrike" dirty="0">
+                          <a:solidFill>
+                            <a:srgbClr val="0070C0"/>
+                          </a:solidFill>
+                          <a:effectLst/>
+                        </a:rPr>
+                        <a:t>CTORM</a:t>
+                      </a:r>
+                      <a:r>
+                        <a:rPr lang="en-US" sz="1400" u="none" strike="noStrike" dirty="0">
+                          <a:effectLst/>
+                        </a:rPr>
+                        <a:t>, </a:t>
+                      </a:r>
+                      <a:r>
+                        <a:rPr lang="en-US" sz="1400" u="none" strike="noStrike" dirty="0">
+                          <a:solidFill>
+                            <a:srgbClr val="FF0000"/>
+                          </a:solidFill>
+                          <a:effectLst/>
+                        </a:rPr>
+                        <a:t>Meta</a:t>
+                      </a:r>
+                      <a:endParaRPr lang="en-US" sz="1400" b="0" i="0" u="none" strike="noStrike" dirty="0">
+                        <a:solidFill>
+                          <a:srgbClr val="FF0000"/>
+                        </a:solidFill>
+                        <a:effectLst/>
+                        <a:latin typeface="Calibri" panose="020F0502020204030204" pitchFamily="34" charset="0"/>
+                      </a:endParaRPr>
+                    </a:p>
+                  </a:txBody>
+                  <a:tcPr marL="9525" marR="9525" marT="9525" marB="0" anchor="b"/>
+                </a:tc>
+                <a:tc>
+                  <a:txBody>
+                    <a:bodyPr/>
+                    <a:lstStyle/>
+                    <a:p>
+                      <a:pPr algn="ctr" fontAlgn="b"/>
+                      <a:endParaRPr lang="en-US" sz="1400" b="0" i="0" u="none" strike="noStrike" dirty="0">
                         <a:solidFill>
                           <a:srgbClr val="000000"/>
                         </a:solidFill>
@@ -23058,47 +24657,7 @@
                     <a:lstStyle/>
                     <a:p>
                       <a:pPr algn="ctr" fontAlgn="b"/>
-                      <a:r>
-                        <a:rPr lang="en-US" sz="1200" u="none" strike="noStrike" dirty="0">
-                          <a:effectLst/>
-                        </a:rPr>
-                        <a:t>CTORM, Meta</a:t>
-                      </a:r>
-                      <a:endParaRPr lang="en-US" sz="1200" b="0" i="0" u="none" strike="noStrike" dirty="0">
-                        <a:solidFill>
-                          <a:srgbClr val="000000"/>
-                        </a:solidFill>
-                        <a:effectLst/>
-                        <a:latin typeface="Calibri" panose="020F0502020204030204" pitchFamily="34" charset="0"/>
-                      </a:endParaRPr>
-                    </a:p>
-                  </a:txBody>
-                  <a:tcPr marL="9525" marR="9525" marT="9525" marB="0" anchor="b"/>
-                </a:tc>
-                <a:tc>
-                  <a:txBody>
-                    <a:bodyPr/>
-                    <a:lstStyle/>
-                    <a:p>
-                      <a:pPr algn="ctr" fontAlgn="b"/>
-                      <a:endParaRPr lang="en-US" sz="1200" b="0" i="0" u="none" strike="noStrike">
-                        <a:solidFill>
-                          <a:srgbClr val="000000"/>
-                        </a:solidFill>
-                        <a:effectLst/>
-                        <a:latin typeface="Calibri" panose="020F0502020204030204" pitchFamily="34" charset="0"/>
-                      </a:endParaRPr>
-                    </a:p>
-                  </a:txBody>
-                  <a:tcPr marL="9525" marR="9525" marT="9525" marB="0" anchor="b"/>
-                </a:tc>
-                <a:tc>
-                  <a:txBody>
-                    <a:bodyPr/>
-                    <a:lstStyle/>
-                    <a:p>
-                      <a:pPr algn="ctr" fontAlgn="b"/>
-                      <a:endParaRPr lang="en-US" sz="1200" b="0" i="0" u="none" strike="noStrike">
+                      <a:endParaRPr lang="en-US" sz="1400" b="0" i="0" u="none" strike="noStrike">
                         <a:solidFill>
                           <a:srgbClr val="000000"/>
                         </a:solidFill>
@@ -23115,7 +24674,7 @@
                   </a:ext>
                 </a:extLst>
               </a:tr>
-              <a:tr h="236534">
+              <a:tr h="232177">
                 <a:tc>
                   <a:txBody>
                     <a:bodyPr/>
@@ -23202,14 +24761,17 @@
                     <a:p>
                       <a:pPr algn="ctr" fontAlgn="b"/>
                       <a:r>
-                        <a:rPr lang="en-US" sz="1200" u="none" strike="noStrike">
+                        <a:rPr lang="en-US" sz="1400" u="none" strike="noStrike" dirty="0">
+                          <a:solidFill>
+                            <a:srgbClr val="FF0000"/>
+                          </a:solidFill>
                           <a:effectLst/>
                         </a:rPr>
                         <a:t>Meta</a:t>
                       </a:r>
-                      <a:endParaRPr lang="en-US" sz="1200" b="0" i="0" u="none" strike="noStrike">
+                      <a:endParaRPr lang="en-US" sz="1400" b="0" i="0" u="none" strike="noStrike" dirty="0">
                         <a:solidFill>
-                          <a:srgbClr val="000000"/>
+                          <a:srgbClr val="FF0000"/>
                         </a:solidFill>
                         <a:effectLst/>
                         <a:latin typeface="Calibri" panose="020F0502020204030204" pitchFamily="34" charset="0"/>
@@ -23234,7 +24796,7 @@
                     <a:lstStyle/>
                     <a:p>
                       <a:pPr algn="ctr" fontAlgn="b"/>
-                      <a:endParaRPr lang="en-US" sz="1200" b="0" i="0" u="none" strike="noStrike">
+                      <a:endParaRPr lang="en-US" sz="1400" b="0" i="0" u="none" strike="noStrike">
                         <a:solidFill>
                           <a:srgbClr val="000000"/>
                         </a:solidFill>
@@ -23251,7 +24813,7 @@
                     <a:lstStyle/>
                     <a:p>
                       <a:pPr algn="ctr" fontAlgn="b"/>
-                      <a:endParaRPr lang="en-US" sz="1200" b="0" i="0" u="none" strike="noStrike">
+                      <a:endParaRPr lang="en-US" sz="1400" b="0" i="0" u="none" strike="noStrike">
                         <a:solidFill>
                           <a:srgbClr val="000000"/>
                         </a:solidFill>
@@ -23268,7 +24830,7 @@
                     <a:lstStyle/>
                     <a:p>
                       <a:pPr algn="ctr" fontAlgn="b"/>
-                      <a:endParaRPr lang="en-US" sz="1200" b="0" i="0" u="none" strike="noStrike">
+                      <a:endParaRPr lang="en-US" sz="1400" b="0" i="0" u="none" strike="noStrike" dirty="0">
                         <a:solidFill>
                           <a:srgbClr val="000000"/>
                         </a:solidFill>
@@ -23285,7 +24847,7 @@
                     <a:lstStyle/>
                     <a:p>
                       <a:pPr algn="ctr" fontAlgn="b"/>
-                      <a:endParaRPr lang="en-US" sz="1200" b="0" i="0" u="none" strike="noStrike">
+                      <a:endParaRPr lang="en-US" sz="1400" b="0" i="0" u="none" strike="noStrike">
                         <a:solidFill>
                           <a:srgbClr val="000000"/>
                         </a:solidFill>
@@ -23302,7 +24864,7 @@
                   </a:ext>
                 </a:extLst>
               </a:tr>
-              <a:tr h="236534">
+              <a:tr h="232177">
                 <a:tc>
                   <a:txBody>
                     <a:bodyPr/>
@@ -23389,12 +24951,12 @@
                     <a:p>
                       <a:pPr algn="ctr" fontAlgn="b"/>
                       <a:r>
-                        <a:rPr lang="en-US" sz="1200" u="none" strike="noStrike">
+                        <a:rPr lang="en-US" sz="1400" u="none" strike="noStrike">
                           <a:effectLst/>
                         </a:rPr>
                         <a:t> </a:t>
                       </a:r>
-                      <a:endParaRPr lang="en-US" sz="1200" b="0" i="0" u="none" strike="noStrike">
+                      <a:endParaRPr lang="en-US" sz="1400" b="0" i="0" u="none" strike="noStrike">
                         <a:solidFill>
                           <a:srgbClr val="000000"/>
                         </a:solidFill>
@@ -23421,7 +24983,7 @@
                     <a:lstStyle/>
                     <a:p>
                       <a:pPr algn="ctr" fontAlgn="b"/>
-                      <a:endParaRPr lang="en-US" sz="1200" b="0" i="0" u="none" strike="noStrike">
+                      <a:endParaRPr lang="en-US" sz="1400" b="0" i="0" u="none" strike="noStrike">
                         <a:solidFill>
                           <a:srgbClr val="000000"/>
                         </a:solidFill>
@@ -23438,7 +25000,7 @@
                     <a:lstStyle/>
                     <a:p>
                       <a:pPr algn="ctr" fontAlgn="b"/>
-                      <a:endParaRPr lang="en-US" sz="1200" b="0" i="0" u="none" strike="noStrike">
+                      <a:endParaRPr lang="en-US" sz="1400" b="0" i="0" u="none" strike="noStrike">
                         <a:solidFill>
                           <a:srgbClr val="000000"/>
                         </a:solidFill>
@@ -23456,14 +25018,17 @@
                     <a:p>
                       <a:pPr algn="ctr" fontAlgn="b"/>
                       <a:r>
-                        <a:rPr lang="en-US" sz="1200" u="none" strike="noStrike" dirty="0">
+                        <a:rPr lang="en-US" sz="1400" u="none" strike="noStrike" dirty="0">
+                          <a:solidFill>
+                            <a:srgbClr val="FF0000"/>
+                          </a:solidFill>
                           <a:effectLst/>
                         </a:rPr>
                         <a:t>Meta</a:t>
                       </a:r>
-                      <a:endParaRPr lang="en-US" sz="1200" b="0" i="0" u="none" strike="noStrike" dirty="0">
+                      <a:endParaRPr lang="en-US" sz="1400" b="0" i="0" u="none" strike="noStrike" dirty="0">
                         <a:solidFill>
-                          <a:srgbClr val="000000"/>
+                          <a:srgbClr val="FF0000"/>
                         </a:solidFill>
                         <a:effectLst/>
                         <a:latin typeface="Calibri" panose="020F0502020204030204" pitchFamily="34" charset="0"/>
@@ -23478,7 +25043,7 @@
                     <a:lstStyle/>
                     <a:p>
                       <a:pPr algn="ctr" fontAlgn="b"/>
-                      <a:endParaRPr lang="en-US" sz="1200" b="0" i="0" u="none" strike="noStrike">
+                      <a:endParaRPr lang="en-US" sz="1400" b="0" i="0" u="none" strike="noStrike">
                         <a:solidFill>
                           <a:srgbClr val="000000"/>
                         </a:solidFill>
@@ -23495,7 +25060,7 @@
                   </a:ext>
                 </a:extLst>
               </a:tr>
-              <a:tr h="236534">
+              <a:tr h="232177">
                 <a:tc>
                   <a:txBody>
                     <a:bodyPr/>
@@ -23582,12 +25147,12 @@
                     <a:p>
                       <a:pPr algn="ctr" fontAlgn="b"/>
                       <a:r>
-                        <a:rPr lang="en-US" sz="1200" u="none" strike="noStrike">
+                        <a:rPr lang="en-US" sz="1400" u="none" strike="noStrike">
                           <a:effectLst/>
                         </a:rPr>
                         <a:t> </a:t>
                       </a:r>
-                      <a:endParaRPr lang="en-US" sz="1200" b="0" i="0" u="none" strike="noStrike">
+                      <a:endParaRPr lang="en-US" sz="1400" b="0" i="0" u="none" strike="noStrike">
                         <a:solidFill>
                           <a:srgbClr val="000000"/>
                         </a:solidFill>
@@ -23614,7 +25179,7 @@
                     <a:lstStyle/>
                     <a:p>
                       <a:pPr algn="ctr" fontAlgn="b"/>
-                      <a:endParaRPr lang="en-US" sz="1200" b="0" i="0" u="none" strike="noStrike">
+                      <a:endParaRPr lang="en-US" sz="1400" b="0" i="0" u="none" strike="noStrike">
                         <a:solidFill>
                           <a:srgbClr val="000000"/>
                         </a:solidFill>
@@ -23631,7 +25196,7 @@
                     <a:lstStyle/>
                     <a:p>
                       <a:pPr algn="ctr" fontAlgn="b"/>
-                      <a:endParaRPr lang="en-US" sz="1200" b="0" i="0" u="none" strike="noStrike">
+                      <a:endParaRPr lang="en-US" sz="1400" b="0" i="0" u="none" strike="noStrike">
                         <a:solidFill>
                           <a:srgbClr val="000000"/>
                         </a:solidFill>
@@ -23649,14 +25214,32 @@
                     <a:p>
                       <a:pPr algn="ctr" fontAlgn="b"/>
                       <a:r>
-                        <a:rPr lang="en-US" sz="1200" u="none" strike="noStrike" dirty="0">
+                        <a:rPr lang="en-US" sz="1400" u="none" strike="noStrike" dirty="0">
+                          <a:solidFill>
+                            <a:srgbClr val="FF0000"/>
+                          </a:solidFill>
                           <a:effectLst/>
                         </a:rPr>
-                        <a:t>Meta, Diff</a:t>
+                        <a:t>Meta</a:t>
                       </a:r>
-                      <a:endParaRPr lang="en-US" sz="1200" b="0" i="0" u="none" strike="noStrike" dirty="0">
+                      <a:r>
+                        <a:rPr lang="en-US" sz="1400" u="none" strike="noStrike" dirty="0">
+                          <a:effectLst/>
+                        </a:rPr>
+                        <a:t>, </a:t>
+                      </a:r>
+                      <a:r>
+                        <a:rPr lang="en-US" sz="1400" u="none" strike="noStrike" dirty="0">
+                          <a:solidFill>
+                            <a:srgbClr val="765B16"/>
+                          </a:solidFill>
+                          <a:effectLst/>
+                        </a:rPr>
+                        <a:t>Diff</a:t>
+                      </a:r>
+                      <a:endParaRPr lang="en-US" sz="1400" b="0" i="0" u="none" strike="noStrike" dirty="0">
                         <a:solidFill>
-                          <a:srgbClr val="000000"/>
+                          <a:srgbClr val="765B16"/>
                         </a:solidFill>
                         <a:effectLst/>
                         <a:latin typeface="Calibri" panose="020F0502020204030204" pitchFamily="34" charset="0"/>
@@ -23671,7 +25254,7 @@
                     <a:lstStyle/>
                     <a:p>
                       <a:pPr algn="ctr" fontAlgn="b"/>
-                      <a:endParaRPr lang="en-US" sz="1200" b="0" i="0" u="none" strike="noStrike" dirty="0">
+                      <a:endParaRPr lang="en-US" sz="1400" b="0" i="0" u="none" strike="noStrike" dirty="0">
                         <a:solidFill>
                           <a:srgbClr val="000000"/>
                         </a:solidFill>
@@ -23688,7 +25271,7 @@
                   </a:ext>
                 </a:extLst>
               </a:tr>
-              <a:tr h="236534">
+              <a:tr h="252971">
                 <a:tc>
                   <a:txBody>
                     <a:bodyPr/>
@@ -23775,12 +25358,12 @@
                     <a:p>
                       <a:pPr algn="ctr" fontAlgn="b"/>
                       <a:r>
-                        <a:rPr lang="en-US" sz="1200" u="none" strike="noStrike">
+                        <a:rPr lang="en-US" sz="1400" u="none" strike="noStrike">
                           <a:effectLst/>
                         </a:rPr>
                         <a:t> </a:t>
                       </a:r>
-                      <a:endParaRPr lang="en-US" sz="1200" b="0" i="0" u="none" strike="noStrike">
+                      <a:endParaRPr lang="en-US" sz="1400" b="0" i="0" u="none" strike="noStrike">
                         <a:solidFill>
                           <a:srgbClr val="000000"/>
                         </a:solidFill>
@@ -23807,7 +25390,7 @@
                     <a:lstStyle/>
                     <a:p>
                       <a:pPr algn="ctr" fontAlgn="b"/>
-                      <a:endParaRPr lang="en-US" sz="1200" b="0" i="0" u="none" strike="noStrike">
+                      <a:endParaRPr lang="en-US" sz="1400" b="0" i="0" u="none" strike="noStrike" dirty="0">
                         <a:solidFill>
                           <a:srgbClr val="000000"/>
                         </a:solidFill>
@@ -23825,12 +25408,62 @@
                     <a:p>
                       <a:pPr algn="ctr" fontAlgn="b"/>
                       <a:r>
-                        <a:rPr lang="en-US" sz="1200" u="none" strike="noStrike">
+                        <a:rPr lang="en-US" sz="1400" u="none" strike="noStrike" dirty="0">
+                          <a:solidFill>
+                            <a:srgbClr val="0070C0"/>
+                          </a:solidFill>
                           <a:effectLst/>
                         </a:rPr>
-                        <a:t>CTORM, Meta, Diff</a:t>
+                        <a:t>CTORM</a:t>
                       </a:r>
-                      <a:endParaRPr lang="en-US" sz="1200" b="0" i="0" u="none" strike="noStrike">
+                      <a:r>
+                        <a:rPr lang="en-US" sz="1400" u="none" strike="noStrike" dirty="0">
+                          <a:effectLst/>
+                        </a:rPr>
+                        <a:t>, </a:t>
+                      </a:r>
+                      <a:r>
+                        <a:rPr lang="en-US" sz="1400" u="none" strike="noStrike" dirty="0">
+                          <a:solidFill>
+                            <a:srgbClr val="FF0000"/>
+                          </a:solidFill>
+                          <a:effectLst/>
+                        </a:rPr>
+                        <a:t>Meta</a:t>
+                      </a:r>
+                      <a:r>
+                        <a:rPr lang="en-US" sz="1400" u="none" strike="noStrike" dirty="0">
+                          <a:effectLst/>
+                        </a:rPr>
+                        <a:t>, </a:t>
+                      </a:r>
+                      <a:r>
+                        <a:rPr lang="en-US" sz="1400" u="none" strike="noStrike" dirty="0">
+                          <a:solidFill>
+                            <a:srgbClr val="624B12"/>
+                          </a:solidFill>
+                          <a:effectLst/>
+                        </a:rPr>
+                        <a:t>Diff</a:t>
+                      </a:r>
+                      <a:endParaRPr lang="en-US" sz="1400" b="0" i="0" u="none" strike="noStrike" dirty="0">
+                        <a:solidFill>
+                          <a:srgbClr val="624B12"/>
+                        </a:solidFill>
+                        <a:effectLst/>
+                        <a:latin typeface="Calibri" panose="020F0502020204030204" pitchFamily="34" charset="0"/>
+                      </a:endParaRPr>
+                    </a:p>
+                  </a:txBody>
+                  <a:tcPr marL="9525" marR="9525" marT="9525" marB="0" anchor="b"/>
+                </a:tc>
+                <a:tc>
+                  <a:txBody>
+                    <a:bodyPr/>
+                    <a:lstStyle/>
+                    <a:p>
+                      <a:pPr algn="ctr" fontAlgn="b"/>
+                      <a:endParaRPr lang="en-US" sz="1400" b="0" i="0" u="none" strike="noStrike">
                         <a:solidFill>
                           <a:srgbClr val="000000"/>
                         </a:solidFill>
@@ -23847,24 +25480,7 @@
                     <a:lstStyle/>
                     <a:p>
                       <a:pPr algn="ctr" fontAlgn="b"/>
-                      <a:endParaRPr lang="en-US" sz="1200" b="0" i="0" u="none" strike="noStrike">
-                        <a:solidFill>
-                          <a:srgbClr val="000000"/>
-                        </a:solidFill>
-                        <a:effectLst/>
-                        <a:latin typeface="Calibri" panose="020F0502020204030204" pitchFamily="34" charset="0"/>
-                      </a:endParaRPr>
-                    </a:p>
-                  </a:txBody>
-                  <a:tcPr marL="9525" marR="9525" marT="9525" marB="0" anchor="b"/>
-                </a:tc>
-                <a:tc>
-                  <a:txBody>
-                    <a:bodyPr/>
-                    <a:lstStyle/>
-                    <a:p>
-                      <a:pPr algn="ctr" fontAlgn="b"/>
-                      <a:endParaRPr lang="en-US" sz="1200" b="0" i="0" u="none" strike="noStrike" dirty="0">
+                      <a:endParaRPr lang="en-US" sz="1400" b="0" i="0" u="none" strike="noStrike" dirty="0">
                         <a:solidFill>
                           <a:srgbClr val="000000"/>
                         </a:solidFill>
@@ -23881,7 +25497,7 @@
                   </a:ext>
                 </a:extLst>
               </a:tr>
-              <a:tr h="236534">
+              <a:tr h="232177">
                 <a:tc>
                   <a:txBody>
                     <a:bodyPr/>
@@ -23968,12 +25584,12 @@
                     <a:p>
                       <a:pPr algn="ctr" fontAlgn="b"/>
                       <a:r>
-                        <a:rPr lang="en-US" sz="1200" u="none" strike="noStrike">
+                        <a:rPr lang="en-US" sz="1400" u="none" strike="noStrike">
                           <a:effectLst/>
                         </a:rPr>
                         <a:t> </a:t>
                       </a:r>
-                      <a:endParaRPr lang="en-US" sz="1200" b="0" i="0" u="none" strike="noStrike">
+                      <a:endParaRPr lang="en-US" sz="1400" b="0" i="0" u="none" strike="noStrike">
                         <a:solidFill>
                           <a:srgbClr val="000000"/>
                         </a:solidFill>
@@ -24001,12 +25617,88 @@
                     <a:p>
                       <a:pPr algn="ctr" fontAlgn="b"/>
                       <a:r>
-                        <a:rPr lang="en-US" sz="1200" u="none" strike="noStrike">
+                        <a:rPr lang="en-US" sz="1400" u="none" strike="noStrike" dirty="0">
+                          <a:solidFill>
+                            <a:srgbClr val="0070C0"/>
+                          </a:solidFill>
                           <a:effectLst/>
                         </a:rPr>
-                        <a:t>CTORM, Meta</a:t>
+                        <a:t>CTORM</a:t>
                       </a:r>
-                      <a:endParaRPr lang="en-US" sz="1200" b="0" i="0" u="none" strike="noStrike">
+                      <a:r>
+                        <a:rPr lang="en-US" sz="1400" u="none" strike="noStrike" dirty="0">
+                          <a:effectLst/>
+                        </a:rPr>
+                        <a:t>, </a:t>
+                      </a:r>
+                      <a:r>
+                        <a:rPr lang="en-US" sz="1400" u="none" strike="noStrike" dirty="0">
+                          <a:solidFill>
+                            <a:srgbClr val="FF0000"/>
+                          </a:solidFill>
+                          <a:effectLst/>
+                        </a:rPr>
+                        <a:t>Meta</a:t>
+                      </a:r>
+                      <a:endParaRPr lang="en-US" sz="1400" b="0" i="0" u="none" strike="noStrike" dirty="0">
+                        <a:solidFill>
+                          <a:srgbClr val="FF0000"/>
+                        </a:solidFill>
+                        <a:effectLst/>
+                        <a:latin typeface="Calibri" panose="020F0502020204030204" pitchFamily="34" charset="0"/>
+                      </a:endParaRPr>
+                    </a:p>
+                  </a:txBody>
+                  <a:tcPr marL="9525" marR="9525" marT="9525" marB="0" anchor="b"/>
+                </a:tc>
+                <a:tc>
+                  <a:txBody>
+                    <a:bodyPr/>
+                    <a:lstStyle/>
+                    <a:p>
+                      <a:pPr algn="ctr" fontAlgn="b"/>
+                      <a:r>
+                        <a:rPr lang="en-US" sz="1400" u="none" strike="noStrike" dirty="0">
+                          <a:solidFill>
+                            <a:srgbClr val="0070C0"/>
+                          </a:solidFill>
+                          <a:effectLst/>
+                        </a:rPr>
+                        <a:t>CTORM</a:t>
+                      </a:r>
+                      <a:r>
+                        <a:rPr lang="en-US" sz="1400" u="none" strike="noStrike" dirty="0">
+                          <a:effectLst/>
+                        </a:rPr>
+                        <a:t>, </a:t>
+                      </a:r>
+                      <a:r>
+                        <a:rPr lang="en-US" sz="1400" u="none" strike="noStrike" dirty="0">
+                          <a:solidFill>
+                            <a:srgbClr val="FF0000"/>
+                          </a:solidFill>
+                          <a:effectLst/>
+                        </a:rPr>
+                        <a:t>Meta</a:t>
+                      </a:r>
+                      <a:endParaRPr lang="en-US" sz="1400" b="0" i="0" u="none" strike="noStrike" dirty="0">
+                        <a:solidFill>
+                          <a:srgbClr val="FF0000"/>
+                        </a:solidFill>
+                        <a:effectLst/>
+                        <a:latin typeface="Calibri" panose="020F0502020204030204" pitchFamily="34" charset="0"/>
+                      </a:endParaRPr>
+                    </a:p>
+                  </a:txBody>
+                  <a:tcPr marL="9525" marR="9525" marT="9525" marB="0" anchor="b"/>
+                </a:tc>
+                <a:tc>
+                  <a:txBody>
+                    <a:bodyPr/>
+                    <a:lstStyle/>
+                    <a:p>
+                      <a:pPr algn="ctr" fontAlgn="b"/>
+                      <a:endParaRPr lang="en-US" sz="1400" b="0" i="0" u="none" strike="noStrike">
                         <a:solidFill>
                           <a:srgbClr val="000000"/>
                         </a:solidFill>
@@ -24023,47 +25715,7 @@
                     <a:lstStyle/>
                     <a:p>
                       <a:pPr algn="ctr" fontAlgn="b"/>
-                      <a:r>
-                        <a:rPr lang="en-US" sz="1200" u="none" strike="noStrike">
-                          <a:effectLst/>
-                        </a:rPr>
-                        <a:t>CTORM, Meta</a:t>
-                      </a:r>
-                      <a:endParaRPr lang="en-US" sz="1200" b="0" i="0" u="none" strike="noStrike">
-                        <a:solidFill>
-                          <a:srgbClr val="000000"/>
-                        </a:solidFill>
-                        <a:effectLst/>
-                        <a:latin typeface="Calibri" panose="020F0502020204030204" pitchFamily="34" charset="0"/>
-                      </a:endParaRPr>
-                    </a:p>
-                  </a:txBody>
-                  <a:tcPr marL="9525" marR="9525" marT="9525" marB="0" anchor="b"/>
-                </a:tc>
-                <a:tc>
-                  <a:txBody>
-                    <a:bodyPr/>
-                    <a:lstStyle/>
-                    <a:p>
-                      <a:pPr algn="ctr" fontAlgn="b"/>
-                      <a:endParaRPr lang="en-US" sz="1200" b="0" i="0" u="none" strike="noStrike">
-                        <a:solidFill>
-                          <a:srgbClr val="000000"/>
-                        </a:solidFill>
-                        <a:effectLst/>
-                        <a:latin typeface="Calibri" panose="020F0502020204030204" pitchFamily="34" charset="0"/>
-                      </a:endParaRPr>
-                    </a:p>
-                  </a:txBody>
-                  <a:tcPr marL="9525" marR="9525" marT="9525" marB="0" anchor="b"/>
-                </a:tc>
-                <a:tc>
-                  <a:txBody>
-                    <a:bodyPr/>
-                    <a:lstStyle/>
-                    <a:p>
-                      <a:pPr algn="ctr" fontAlgn="b"/>
-                      <a:endParaRPr lang="en-US" sz="1200" b="0" i="0" u="none" strike="noStrike" dirty="0">
+                      <a:endParaRPr lang="en-US" sz="1400" b="0" i="0" u="none" strike="noStrike" dirty="0">
                         <a:solidFill>
                           <a:srgbClr val="000000"/>
                         </a:solidFill>
@@ -25179,7 +26831,7 @@
             <a:pPr lvl="1"/>
             <a:r>
               <a:rPr lang="nl-BE" dirty="0"/>
-              <a:t>Nieuwe code is nieuwe bugs</a:t>
+              <a:t>De frequente bugs</a:t>
             </a:r>
           </a:p>
           <a:p>
@@ -25190,7 +26842,7 @@
             <a:pPr lvl="1"/>
             <a:r>
               <a:rPr lang="nl-BE" dirty="0"/>
-              <a:t>De frequente bugs</a:t>
+              <a:t>Nieuwe code is nieuwe bugs</a:t>
             </a:r>
           </a:p>
           <a:p>
@@ -25215,6 +26867,59 @@
           <a:p>
             <a:pPr lvl="1"/>
             <a:endParaRPr lang="nl-BE" dirty="0"/>
+          </a:p>
+        </p:txBody>
+      </p:sp>
+      <p:sp>
+        <p:nvSpPr>
+          <p:cNvPr id="2" name="TextBox 1">
+            <a:extLst>
+              <a:ext uri="{FF2B5EF4-FFF2-40B4-BE49-F238E27FC236}">
+                <a16:creationId xmlns:a16="http://schemas.microsoft.com/office/drawing/2014/main" id="{0CE48FA9-D485-F27F-3163-653546A77D8C}"/>
+              </a:ext>
+            </a:extLst>
+          </p:cNvPr>
+          <p:cNvSpPr txBox="1"/>
+          <p:nvPr/>
+        </p:nvSpPr>
+        <p:spPr>
+          <a:xfrm>
+            <a:off x="900000" y="5669958"/>
+            <a:ext cx="10264615" cy="523220"/>
+          </a:xfrm>
+          <a:prstGeom prst="rect">
+            <a:avLst/>
+          </a:prstGeom>
+          <a:noFill/>
+        </p:spPr>
+        <p:txBody>
+          <a:bodyPr wrap="square" rtlCol="0">
+            <a:spAutoFit/>
+          </a:bodyPr>
+          <a:lstStyle/>
+          <a:p>
+            <a:r>
+              <a:rPr lang="en-US" sz="1400" dirty="0">
+                <a:effectLst/>
+                <a:latin typeface="Arial" panose="020B0604020202020204" pitchFamily="34" charset="0"/>
+              </a:rPr>
+              <a:t>[2] Peisen Yao et al. “Fuzzing </a:t>
+            </a:r>
+            <a:r>
+              <a:rPr lang="en-US" sz="1400" dirty="0" err="1">
+                <a:effectLst/>
+                <a:latin typeface="Arial" panose="020B0604020202020204" pitchFamily="34" charset="0"/>
+              </a:rPr>
+              <a:t>smt</a:t>
+            </a:r>
+            <a:r>
+              <a:rPr lang="en-US" sz="1400" dirty="0">
+                <a:effectLst/>
+                <a:latin typeface="Arial" panose="020B0604020202020204" pitchFamily="34" charset="0"/>
+              </a:rPr>
+              <a:t> solvers via two-dimensional input space exploration”. In: Proceedings of the 30th ACM SIGSOFT International Symposium on Software Testing and Analysis. 2021, pp. 322–335.</a:t>
+            </a:r>
+            <a:endParaRPr lang="en-US" sz="1400" dirty="0"/>
           </a:p>
         </p:txBody>
       </p:sp>
@@ -28250,10 +29955,15 @@
             </a:r>
           </a:p>
           <a:p>
-            <a:pPr lvl="1"/>
             <a:r>
               <a:rPr lang="nl-BE" dirty="0"/>
               <a:t>Wat maakt CP anders dan andere programmeer talen</a:t>
+            </a:r>
+          </a:p>
+          <a:p>
+            <a:r>
+              <a:rPr lang="nl-BE" dirty="0"/>
+              <a:t>CPMpy</a:t>
             </a:r>
           </a:p>
           <a:p>
@@ -28991,42 +30701,64 @@
           <a:chExt cx="0" cy="0"/>
         </a:xfrm>
       </p:grpSpPr>
-      <p:graphicFrame>
-        <p:nvGraphicFramePr>
-          <p:cNvPr id="9" name="Chart 8">
+      <p:sp>
+        <p:nvSpPr>
+          <p:cNvPr id="2" name="Title 1">
             <a:extLst>
               <a:ext uri="{FF2B5EF4-FFF2-40B4-BE49-F238E27FC236}">
-                <a16:creationId xmlns:a16="http://schemas.microsoft.com/office/drawing/2014/main" id="{6A9D5CF3-AFC8-41B7-DCF0-7B552A649998}"/>
+                <a16:creationId xmlns:a16="http://schemas.microsoft.com/office/drawing/2014/main" id="{8634D77C-149D-E20A-5481-9CF9F6DD4C16}"/>
               </a:ext>
             </a:extLst>
           </p:cNvPr>
-          <p:cNvGraphicFramePr>
-            <a:graphicFrameLocks/>
-          </p:cNvGraphicFramePr>
+          <p:cNvSpPr>
+            <a:spLocks noGrp="1"/>
+          </p:cNvSpPr>
           <p:nvPr>
-            <p:extLst>
-              <p:ext uri="{D42A27DB-BD31-4B8C-83A1-F6EECF244321}">
-                <p14:modId xmlns:p14="http://schemas.microsoft.com/office/powerpoint/2010/main" val="2747779642"/>
-              </p:ext>
-            </p:extLst>
+            <p:ph type="title"/>
           </p:nvPr>
-        </p:nvGraphicFramePr>
-        <p:xfrm>
-          <a:off x="456536" y="1262584"/>
-          <a:ext cx="11160664" cy="4875141"/>
-        </p:xfrm>
-        <a:graphic>
-          <a:graphicData uri="http://schemas.openxmlformats.org/drawingml/2006/chart">
-            <c:chart xmlns:c="http://schemas.openxmlformats.org/drawingml/2006/chart" xmlns:r="http://schemas.openxmlformats.org/officeDocument/2006/relationships" r:id="rId3"/>
-          </a:graphicData>
-        </a:graphic>
-      </p:graphicFrame>
+        </p:nvSpPr>
+        <p:spPr/>
+        <p:txBody>
+          <a:bodyPr/>
+          <a:lstStyle/>
+          <a:p>
+            <a:r>
+              <a:rPr lang="en-GB" dirty="0"/>
+              <a:t>De </a:t>
+            </a:r>
+            <a:r>
+              <a:rPr lang="en-GB" dirty="0" err="1"/>
+              <a:t>normale</a:t>
+            </a:r>
+            <a:r>
+              <a:rPr lang="en-GB" dirty="0"/>
+              <a:t> </a:t>
+            </a:r>
+            <a:br>
+              <a:rPr lang="en-GB" dirty="0"/>
+            </a:br>
+            <a:r>
+              <a:rPr lang="en-GB" dirty="0" err="1"/>
+              <a:t>mijlpaal</a:t>
+            </a:r>
+            <a:r>
+              <a:rPr lang="en-GB" dirty="0"/>
+              <a:t> 3 </a:t>
+            </a:r>
+            <a:r>
+              <a:rPr lang="en-GB" dirty="0" err="1"/>
+              <a:t>presentatie</a:t>
+            </a:r>
+            <a:endParaRPr lang="en-US" dirty="0"/>
+          </a:p>
+        </p:txBody>
+      </p:sp>
       <p:sp>
         <p:nvSpPr>
           <p:cNvPr id="3" name="Footer Placeholder 2">
             <a:extLst>
               <a:ext uri="{FF2B5EF4-FFF2-40B4-BE49-F238E27FC236}">
-                <a16:creationId xmlns:a16="http://schemas.microsoft.com/office/drawing/2014/main" id="{9DEC358F-5FE8-CFE8-C712-33F18D0AC4E7}"/>
+                <a16:creationId xmlns:a16="http://schemas.microsoft.com/office/drawing/2014/main" id="{9885D6C4-4FB7-8F9B-BE36-A61115B93924}"/>
               </a:ext>
             </a:extLst>
           </p:cNvPr>
@@ -29037,18 +30769,13 @@
             <p:ph type="ftr" sz="quarter" idx="11"/>
           </p:nvPr>
         </p:nvSpPr>
-        <p:spPr>
-          <a:xfrm>
-            <a:off x="6034800" y="6202420"/>
-            <a:ext cx="4993200" cy="648000"/>
-          </a:xfrm>
-        </p:spPr>
+        <p:spPr/>
         <p:txBody>
           <a:bodyPr/>
           <a:lstStyle/>
           <a:p>
             <a:r>
-              <a:rPr lang="nl-NL" dirty="0"/>
+              <a:rPr lang="nl-NL"/>
               <a:t>Faculteit Ingenieurswetenschappen, DTAI</a:t>
             </a:r>
           </a:p>
@@ -29059,7 +30786,7 @@
           <p:cNvPr id="4" name="Slide Number Placeholder 3">
             <a:extLst>
               <a:ext uri="{FF2B5EF4-FFF2-40B4-BE49-F238E27FC236}">
-                <a16:creationId xmlns:a16="http://schemas.microsoft.com/office/drawing/2014/main" id="{83E5AE0E-A28E-AB21-A117-4EA84A3D035F}"/>
+                <a16:creationId xmlns:a16="http://schemas.microsoft.com/office/drawing/2014/main" id="{64EFBD5D-CE23-71B6-0F9B-3180834C52E9}"/>
               </a:ext>
             </a:extLst>
           </p:cNvPr>
@@ -29070,12 +30797,7 @@
             <p:ph type="sldNum" sz="quarter" idx="12"/>
           </p:nvPr>
         </p:nvSpPr>
-        <p:spPr>
-          <a:xfrm>
-            <a:off x="577200" y="5906585"/>
-            <a:ext cx="648000" cy="648000"/>
-          </a:xfrm>
-        </p:spPr>
+        <p:spPr/>
         <p:txBody>
           <a:bodyPr/>
           <a:lstStyle/>
@@ -29088,515 +30810,10 @@
           </a:p>
         </p:txBody>
       </p:sp>
-      <p:sp>
-        <p:nvSpPr>
-          <p:cNvPr id="5" name="Title 4">
-            <a:extLst>
-              <a:ext uri="{FF2B5EF4-FFF2-40B4-BE49-F238E27FC236}">
-                <a16:creationId xmlns:a16="http://schemas.microsoft.com/office/drawing/2014/main" id="{19E73E39-FB74-A448-89F2-15FF5A0CFE07}"/>
-              </a:ext>
-            </a:extLst>
-          </p:cNvPr>
-          <p:cNvSpPr>
-            <a:spLocks noGrp="1"/>
-          </p:cNvSpPr>
-          <p:nvPr>
-            <p:ph type="title"/>
-          </p:nvPr>
-        </p:nvSpPr>
-        <p:spPr/>
-        <p:txBody>
-          <a:bodyPr/>
-          <a:lstStyle/>
-          <a:p>
-            <a:r>
-              <a:rPr lang="en-GB" dirty="0"/>
-              <a:t>Planning</a:t>
-            </a:r>
-            <a:endParaRPr lang="en-US" dirty="0"/>
-          </a:p>
-        </p:txBody>
-      </p:sp>
-      <p:sp>
-        <p:nvSpPr>
-          <p:cNvPr id="2" name="Rectangle 1">
-            <a:extLst>
-              <a:ext uri="{FF2B5EF4-FFF2-40B4-BE49-F238E27FC236}">
-                <a16:creationId xmlns:a16="http://schemas.microsoft.com/office/drawing/2014/main" id="{5D7D1E2A-8197-41DD-339C-BFC3DAF92BB3}"/>
-              </a:ext>
-            </a:extLst>
-          </p:cNvPr>
-          <p:cNvSpPr/>
-          <p:nvPr/>
-        </p:nvSpPr>
-        <p:spPr>
-          <a:xfrm>
-            <a:off x="1869756" y="4138038"/>
-            <a:ext cx="3250095" cy="1041092"/>
-          </a:xfrm>
-          <a:prstGeom prst="rect">
-            <a:avLst/>
-          </a:prstGeom>
-          <a:noFill/>
-        </p:spPr>
-        <p:style>
-          <a:lnRef idx="2">
-            <a:schemeClr val="accent1">
-              <a:shade val="50000"/>
-            </a:schemeClr>
-          </a:lnRef>
-          <a:fillRef idx="1">
-            <a:schemeClr val="accent1"/>
-          </a:fillRef>
-          <a:effectRef idx="0">
-            <a:schemeClr val="accent1"/>
-          </a:effectRef>
-          <a:fontRef idx="minor">
-            <a:schemeClr val="lt1"/>
-          </a:fontRef>
-        </p:style>
-        <p:txBody>
-          <a:bodyPr rtlCol="0" anchor="ctr"/>
-          <a:lstStyle/>
-          <a:p>
-            <a:pPr algn="ctr"/>
-            <a:endParaRPr lang="en-US"/>
-          </a:p>
-        </p:txBody>
-      </p:sp>
-      <p:sp>
-        <p:nvSpPr>
-          <p:cNvPr id="6" name="TextBox 5">
-            <a:extLst>
-              <a:ext uri="{FF2B5EF4-FFF2-40B4-BE49-F238E27FC236}">
-                <a16:creationId xmlns:a16="http://schemas.microsoft.com/office/drawing/2014/main" id="{6E556703-DC90-D0EE-0D16-104716F1C54B}"/>
-              </a:ext>
-            </a:extLst>
-          </p:cNvPr>
-          <p:cNvSpPr txBox="1"/>
-          <p:nvPr/>
-        </p:nvSpPr>
-        <p:spPr>
-          <a:xfrm>
-            <a:off x="1869755" y="3689622"/>
-            <a:ext cx="3250095" cy="369332"/>
-          </a:xfrm>
-          <a:prstGeom prst="rect">
-            <a:avLst/>
-          </a:prstGeom>
-          <a:noFill/>
-        </p:spPr>
-        <p:txBody>
-          <a:bodyPr wrap="square" rtlCol="0">
-            <a:spAutoFit/>
-          </a:bodyPr>
-          <a:lstStyle/>
-          <a:p>
-            <a:pPr algn="ctr"/>
-            <a:r>
-              <a:rPr lang="nl-BE" dirty="0"/>
-              <a:t>Literatuurstudie</a:t>
-            </a:r>
-          </a:p>
-        </p:txBody>
-      </p:sp>
-      <p:sp>
-        <p:nvSpPr>
-          <p:cNvPr id="7" name="Rectangle 6">
-            <a:extLst>
-              <a:ext uri="{FF2B5EF4-FFF2-40B4-BE49-F238E27FC236}">
-                <a16:creationId xmlns:a16="http://schemas.microsoft.com/office/drawing/2014/main" id="{F83F23BC-DC0A-8927-09C0-82BBEAAFFBC6}"/>
-              </a:ext>
-            </a:extLst>
-          </p:cNvPr>
-          <p:cNvSpPr/>
-          <p:nvPr/>
-        </p:nvSpPr>
-        <p:spPr>
-          <a:xfrm>
-            <a:off x="5080095" y="2983713"/>
-            <a:ext cx="3409122" cy="1242391"/>
-          </a:xfrm>
-          <a:prstGeom prst="rect">
-            <a:avLst/>
-          </a:prstGeom>
-          <a:noFill/>
-        </p:spPr>
-        <p:style>
-          <a:lnRef idx="2">
-            <a:schemeClr val="accent1">
-              <a:shade val="50000"/>
-            </a:schemeClr>
-          </a:lnRef>
-          <a:fillRef idx="1">
-            <a:schemeClr val="accent1"/>
-          </a:fillRef>
-          <a:effectRef idx="0">
-            <a:schemeClr val="accent1"/>
-          </a:effectRef>
-          <a:fontRef idx="minor">
-            <a:schemeClr val="lt1"/>
-          </a:fontRef>
-        </p:style>
-        <p:txBody>
-          <a:bodyPr rtlCol="0" anchor="ctr"/>
-          <a:lstStyle/>
-          <a:p>
-            <a:pPr algn="ctr"/>
-            <a:endParaRPr lang="en-US"/>
-          </a:p>
-        </p:txBody>
-      </p:sp>
-      <p:sp>
-        <p:nvSpPr>
-          <p:cNvPr id="10" name="TextBox 9">
-            <a:extLst>
-              <a:ext uri="{FF2B5EF4-FFF2-40B4-BE49-F238E27FC236}">
-                <a16:creationId xmlns:a16="http://schemas.microsoft.com/office/drawing/2014/main" id="{A33A9546-0C3A-0108-C2AC-E07B79688FFE}"/>
-              </a:ext>
-            </a:extLst>
-          </p:cNvPr>
-          <p:cNvSpPr txBox="1"/>
-          <p:nvPr/>
-        </p:nvSpPr>
-        <p:spPr>
-          <a:xfrm>
-            <a:off x="5080095" y="2614381"/>
-            <a:ext cx="3409122" cy="369332"/>
-          </a:xfrm>
-          <a:prstGeom prst="rect">
-            <a:avLst/>
-          </a:prstGeom>
-          <a:noFill/>
-        </p:spPr>
-        <p:txBody>
-          <a:bodyPr wrap="square" rtlCol="0">
-            <a:spAutoFit/>
-          </a:bodyPr>
-          <a:lstStyle/>
-          <a:p>
-            <a:pPr algn="ctr"/>
-            <a:r>
-              <a:rPr lang="nl-BE" dirty="0"/>
-              <a:t>Uitvoering</a:t>
-            </a:r>
-          </a:p>
-        </p:txBody>
-      </p:sp>
-      <p:sp>
-        <p:nvSpPr>
-          <p:cNvPr id="11" name="Rectangle 10">
-            <a:extLst>
-              <a:ext uri="{FF2B5EF4-FFF2-40B4-BE49-F238E27FC236}">
-                <a16:creationId xmlns:a16="http://schemas.microsoft.com/office/drawing/2014/main" id="{961DB885-1A21-11BE-3165-80A556AE7CFF}"/>
-              </a:ext>
-            </a:extLst>
-          </p:cNvPr>
-          <p:cNvSpPr/>
-          <p:nvPr/>
-        </p:nvSpPr>
-        <p:spPr>
-          <a:xfrm>
-            <a:off x="8389826" y="2259037"/>
-            <a:ext cx="2396299" cy="866548"/>
-          </a:xfrm>
-          <a:prstGeom prst="rect">
-            <a:avLst/>
-          </a:prstGeom>
-          <a:noFill/>
-        </p:spPr>
-        <p:style>
-          <a:lnRef idx="2">
-            <a:schemeClr val="accent1">
-              <a:shade val="50000"/>
-            </a:schemeClr>
-          </a:lnRef>
-          <a:fillRef idx="1">
-            <a:schemeClr val="accent1"/>
-          </a:fillRef>
-          <a:effectRef idx="0">
-            <a:schemeClr val="accent1"/>
-          </a:effectRef>
-          <a:fontRef idx="minor">
-            <a:schemeClr val="lt1"/>
-          </a:fontRef>
-        </p:style>
-        <p:txBody>
-          <a:bodyPr rtlCol="0" anchor="ctr"/>
-          <a:lstStyle/>
-          <a:p>
-            <a:pPr algn="ctr"/>
-            <a:endParaRPr lang="en-US"/>
-          </a:p>
-        </p:txBody>
-      </p:sp>
-      <p:sp>
-        <p:nvSpPr>
-          <p:cNvPr id="12" name="TextBox 11">
-            <a:extLst>
-              <a:ext uri="{FF2B5EF4-FFF2-40B4-BE49-F238E27FC236}">
-                <a16:creationId xmlns:a16="http://schemas.microsoft.com/office/drawing/2014/main" id="{FB8C8DDA-B1D0-3021-3FF9-3CEC7FE96361}"/>
-              </a:ext>
-            </a:extLst>
-          </p:cNvPr>
-          <p:cNvSpPr txBox="1"/>
-          <p:nvPr/>
-        </p:nvSpPr>
-        <p:spPr>
-          <a:xfrm>
-            <a:off x="8389826" y="1889705"/>
-            <a:ext cx="2638174" cy="369332"/>
-          </a:xfrm>
-          <a:prstGeom prst="rect">
-            <a:avLst/>
-          </a:prstGeom>
-          <a:noFill/>
-        </p:spPr>
-        <p:txBody>
-          <a:bodyPr wrap="square" rtlCol="0">
-            <a:spAutoFit/>
-          </a:bodyPr>
-          <a:lstStyle/>
-          <a:p>
-            <a:pPr algn="ctr"/>
-            <a:r>
-              <a:rPr lang="nl-BE" dirty="0"/>
-              <a:t>Verwerken</a:t>
-            </a:r>
-          </a:p>
-        </p:txBody>
-      </p:sp>
-      <p:cxnSp>
-        <p:nvCxnSpPr>
-          <p:cNvPr id="14" name="Straight Connector 13">
-            <a:extLst>
-              <a:ext uri="{FF2B5EF4-FFF2-40B4-BE49-F238E27FC236}">
-                <a16:creationId xmlns:a16="http://schemas.microsoft.com/office/drawing/2014/main" id="{C55237CE-C860-46F3-AD1B-A65829F037FD}"/>
-              </a:ext>
-            </a:extLst>
-          </p:cNvPr>
-          <p:cNvCxnSpPr>
-            <a:cxnSpLocks/>
-          </p:cNvCxnSpPr>
-          <p:nvPr/>
-        </p:nvCxnSpPr>
-        <p:spPr>
-          <a:xfrm flipV="1">
-            <a:off x="5661071" y="3740961"/>
-            <a:ext cx="0" cy="452819"/>
-          </a:xfrm>
-          <a:prstGeom prst="line">
-            <a:avLst/>
-          </a:prstGeom>
-        </p:spPr>
-        <p:style>
-          <a:lnRef idx="1">
-            <a:schemeClr val="accent1"/>
-          </a:lnRef>
-          <a:fillRef idx="0">
-            <a:schemeClr val="accent1"/>
-          </a:fillRef>
-          <a:effectRef idx="0">
-            <a:schemeClr val="accent1"/>
-          </a:effectRef>
-          <a:fontRef idx="minor">
-            <a:schemeClr val="tx1"/>
-          </a:fontRef>
-        </p:style>
-      </p:cxnSp>
-      <p:cxnSp>
-        <p:nvCxnSpPr>
-          <p:cNvPr id="15" name="Straight Connector 14">
-            <a:extLst>
-              <a:ext uri="{FF2B5EF4-FFF2-40B4-BE49-F238E27FC236}">
-                <a16:creationId xmlns:a16="http://schemas.microsoft.com/office/drawing/2014/main" id="{95DBA569-DB94-A099-389B-EF07BA0BB714}"/>
-              </a:ext>
-            </a:extLst>
-          </p:cNvPr>
-          <p:cNvCxnSpPr>
-            <a:cxnSpLocks/>
-          </p:cNvCxnSpPr>
-          <p:nvPr/>
-        </p:nvCxnSpPr>
-        <p:spPr>
-          <a:xfrm flipV="1">
-            <a:off x="6723365" y="3396740"/>
-            <a:ext cx="0" cy="570631"/>
-          </a:xfrm>
-          <a:prstGeom prst="line">
-            <a:avLst/>
-          </a:prstGeom>
-        </p:spPr>
-        <p:style>
-          <a:lnRef idx="1">
-            <a:schemeClr val="accent1"/>
-          </a:lnRef>
-          <a:fillRef idx="0">
-            <a:schemeClr val="accent1"/>
-          </a:fillRef>
-          <a:effectRef idx="0">
-            <a:schemeClr val="accent1"/>
-          </a:effectRef>
-          <a:fontRef idx="minor">
-            <a:schemeClr val="tx1"/>
-          </a:fontRef>
-        </p:style>
-      </p:cxnSp>
-      <p:cxnSp>
-        <p:nvCxnSpPr>
-          <p:cNvPr id="16" name="Straight Connector 15">
-            <a:extLst>
-              <a:ext uri="{FF2B5EF4-FFF2-40B4-BE49-F238E27FC236}">
-                <a16:creationId xmlns:a16="http://schemas.microsoft.com/office/drawing/2014/main" id="{76ED3ACF-26BE-D5B3-CD86-4EBC38A27487}"/>
-              </a:ext>
-            </a:extLst>
-          </p:cNvPr>
-          <p:cNvCxnSpPr>
-            <a:cxnSpLocks/>
-          </p:cNvCxnSpPr>
-          <p:nvPr/>
-        </p:nvCxnSpPr>
-        <p:spPr>
-          <a:xfrm flipV="1">
-            <a:off x="7104365" y="3211103"/>
-            <a:ext cx="0" cy="570631"/>
-          </a:xfrm>
-          <a:prstGeom prst="line">
-            <a:avLst/>
-          </a:prstGeom>
-        </p:spPr>
-        <p:style>
-          <a:lnRef idx="1">
-            <a:schemeClr val="accent1"/>
-          </a:lnRef>
-          <a:fillRef idx="0">
-            <a:schemeClr val="accent1"/>
-          </a:fillRef>
-          <a:effectRef idx="0">
-            <a:schemeClr val="accent1"/>
-          </a:effectRef>
-          <a:fontRef idx="minor">
-            <a:schemeClr val="tx1"/>
-          </a:fontRef>
-        </p:style>
-      </p:cxnSp>
-      <p:sp>
-        <p:nvSpPr>
-          <p:cNvPr id="23" name="TextBox 22">
-            <a:extLst>
-              <a:ext uri="{FF2B5EF4-FFF2-40B4-BE49-F238E27FC236}">
-                <a16:creationId xmlns:a16="http://schemas.microsoft.com/office/drawing/2014/main" id="{3891D71A-415A-D44A-7ADC-AF7331555B8B}"/>
-              </a:ext>
-            </a:extLst>
-          </p:cNvPr>
-          <p:cNvSpPr txBox="1"/>
-          <p:nvPr/>
-        </p:nvSpPr>
-        <p:spPr>
-          <a:xfrm rot="10800000">
-            <a:off x="9292256" y="4931669"/>
-            <a:ext cx="591437" cy="369332"/>
-          </a:xfrm>
-          <a:prstGeom prst="rect">
-            <a:avLst/>
-          </a:prstGeom>
-          <a:noFill/>
-        </p:spPr>
-        <p:txBody>
-          <a:bodyPr wrap="square" rtlCol="0">
-            <a:spAutoFit/>
-          </a:bodyPr>
-          <a:lstStyle/>
-          <a:p>
-            <a:pPr algn="ctr"/>
-            <a:r>
-              <a:rPr lang="en-GB" dirty="0"/>
-              <a:t>^</a:t>
-            </a:r>
-            <a:endParaRPr lang="en-US" dirty="0"/>
-          </a:p>
-        </p:txBody>
-      </p:sp>
-      <p:cxnSp>
-        <p:nvCxnSpPr>
-          <p:cNvPr id="24" name="Straight Connector 23">
-            <a:extLst>
-              <a:ext uri="{FF2B5EF4-FFF2-40B4-BE49-F238E27FC236}">
-                <a16:creationId xmlns:a16="http://schemas.microsoft.com/office/drawing/2014/main" id="{829E06D9-8F29-6182-BCCC-C8017A4C8BE1}"/>
-              </a:ext>
-            </a:extLst>
-          </p:cNvPr>
-          <p:cNvCxnSpPr>
-            <a:cxnSpLocks/>
-          </p:cNvCxnSpPr>
-          <p:nvPr/>
-        </p:nvCxnSpPr>
-        <p:spPr>
-          <a:xfrm flipV="1">
-            <a:off x="9439098" y="2413082"/>
-            <a:ext cx="0" cy="570631"/>
-          </a:xfrm>
-          <a:prstGeom prst="line">
-            <a:avLst/>
-          </a:prstGeom>
-        </p:spPr>
-        <p:style>
-          <a:lnRef idx="1">
-            <a:schemeClr val="accent1"/>
-          </a:lnRef>
-          <a:fillRef idx="0">
-            <a:schemeClr val="accent1"/>
-          </a:fillRef>
-          <a:effectRef idx="0">
-            <a:schemeClr val="accent1"/>
-          </a:effectRef>
-          <a:fontRef idx="minor">
-            <a:schemeClr val="tx1"/>
-          </a:fontRef>
-        </p:style>
-      </p:cxnSp>
-      <p:cxnSp>
-        <p:nvCxnSpPr>
-          <p:cNvPr id="8" name="Straight Connector 7">
-            <a:extLst>
-              <a:ext uri="{FF2B5EF4-FFF2-40B4-BE49-F238E27FC236}">
-                <a16:creationId xmlns:a16="http://schemas.microsoft.com/office/drawing/2014/main" id="{FC65A891-3249-E9B7-A138-0035A72405A1}"/>
-              </a:ext>
-            </a:extLst>
-          </p:cNvPr>
-          <p:cNvCxnSpPr>
-            <a:cxnSpLocks/>
-          </p:cNvCxnSpPr>
-          <p:nvPr/>
-        </p:nvCxnSpPr>
-        <p:spPr>
-          <a:xfrm flipV="1">
-            <a:off x="7762091" y="3038650"/>
-            <a:ext cx="0" cy="570631"/>
-          </a:xfrm>
-          <a:prstGeom prst="line">
-            <a:avLst/>
-          </a:prstGeom>
-        </p:spPr>
-        <p:style>
-          <a:lnRef idx="1">
-            <a:schemeClr val="accent1"/>
-          </a:lnRef>
-          <a:fillRef idx="0">
-            <a:schemeClr val="accent1"/>
-          </a:fillRef>
-          <a:effectRef idx="0">
-            <a:schemeClr val="accent1"/>
-          </a:effectRef>
-          <a:fontRef idx="minor">
-            <a:schemeClr val="tx1"/>
-          </a:fontRef>
-        </p:style>
-      </p:cxnSp>
     </p:spTree>
     <p:extLst>
       <p:ext uri="{BB962C8B-B14F-4D97-AF65-F5344CB8AC3E}">
-        <p14:creationId xmlns:p14="http://schemas.microsoft.com/office/powerpoint/2010/main" val="3224088307"/>
+        <p14:creationId xmlns:p14="http://schemas.microsoft.com/office/powerpoint/2010/main" val="3400513860"/>
       </p:ext>
     </p:extLst>
   </p:cSld>
@@ -29606,7 +30823,7 @@
 </p:sld>
 </file>
 
-<file path=ppt/slides/slide4.xml><?xml version="1.0" encoding="utf-8"?>
+<file path=ppt/slides/slide33.xml><?xml version="1.0" encoding="utf-8"?>
 <p:sld xmlns:a="http://schemas.openxmlformats.org/drawingml/2006/main" xmlns:r="http://schemas.openxmlformats.org/officeDocument/2006/relationships" xmlns:p="http://schemas.openxmlformats.org/presentationml/2006/main">
   <p:cSld>
     <p:spTree>
@@ -29625,18 +30842,40 @@
       </p:grpSpPr>
       <p:sp>
         <p:nvSpPr>
-          <p:cNvPr id="3" name="Footer Placeholder 2">
-            <a:extLst>
-              <a:ext uri="{FF2B5EF4-FFF2-40B4-BE49-F238E27FC236}">
-                <a16:creationId xmlns:a16="http://schemas.microsoft.com/office/drawing/2014/main" id="{9DEC358F-5FE8-CFE8-C712-33F18D0AC4E7}"/>
-              </a:ext>
-            </a:extLst>
-          </p:cNvPr>
+          <p:cNvPr id="8" name="Titel 7"/>
           <p:cNvSpPr>
             <a:spLocks noGrp="1"/>
           </p:cNvSpPr>
           <p:nvPr>
-            <p:ph type="ftr" sz="quarter" idx="11"/>
+            <p:ph type="ctrTitle"/>
+          </p:nvPr>
+        </p:nvSpPr>
+        <p:spPr>
+          <a:xfrm>
+            <a:off x="575998" y="1080000"/>
+            <a:ext cx="11616002" cy="4024798"/>
+          </a:xfrm>
+        </p:spPr>
+        <p:txBody>
+          <a:bodyPr/>
+          <a:lstStyle/>
+          <a:p>
+            <a:r>
+              <a:rPr lang="en-GB" dirty="0"/>
+              <a:t>Fuzz Testing of Constraint Programming</a:t>
+            </a:r>
+            <a:endParaRPr lang="nl-NL" dirty="0"/>
+          </a:p>
+        </p:txBody>
+      </p:sp>
+      <p:sp>
+        <p:nvSpPr>
+          <p:cNvPr id="9" name="Ondertitel 8"/>
+          <p:cNvSpPr>
+            <a:spLocks noGrp="1"/>
+          </p:cNvSpPr>
+          <p:nvPr>
+            <p:ph type="subTitle" idx="1"/>
           </p:nvPr>
         </p:nvSpPr>
         <p:spPr/>
@@ -29645,325 +30884,44 @@
           <a:lstStyle/>
           <a:p>
             <a:r>
-              <a:rPr lang="nl-NL"/>
-              <a:t>Faculteit Ingenieurswetenschappen, DTAI</a:t>
+              <a:rPr lang="nl-NL" dirty="0"/>
+              <a:t>Ruben Kindt | R0656495</a:t>
             </a:r>
           </a:p>
         </p:txBody>
       </p:sp>
-      <p:sp>
-        <p:nvSpPr>
-          <p:cNvPr id="4" name="Slide Number Placeholder 3">
+      <p:pic>
+        <p:nvPicPr>
+          <p:cNvPr id="3" name="Picture Placeholder 2">
             <a:extLst>
               <a:ext uri="{FF2B5EF4-FFF2-40B4-BE49-F238E27FC236}">
-                <a16:creationId xmlns:a16="http://schemas.microsoft.com/office/drawing/2014/main" id="{83E5AE0E-A28E-AB21-A117-4EA84A3D035F}"/>
-              </a:ext>
-            </a:extLst>
-          </p:cNvPr>
-          <p:cNvSpPr>
-            <a:spLocks noGrp="1"/>
-          </p:cNvSpPr>
-          <p:nvPr>
-            <p:ph type="sldNum" sz="quarter" idx="12"/>
-          </p:nvPr>
-        </p:nvSpPr>
-        <p:spPr/>
-        <p:txBody>
-          <a:bodyPr/>
-          <a:lstStyle/>
-          <a:p>
-            <a:fld id="{0A297500-7527-634B-90F4-69D0994C32B4}" type="slidenum">
-              <a:rPr lang="nl-NL" smtClean="0"/>
-              <a:t>4</a:t>
-            </a:fld>
-            <a:endParaRPr lang="nl-NL"/>
-          </a:p>
-        </p:txBody>
-      </p:sp>
-      <p:sp>
-        <p:nvSpPr>
-          <p:cNvPr id="5" name="Title 4">
-            <a:extLst>
-              <a:ext uri="{FF2B5EF4-FFF2-40B4-BE49-F238E27FC236}">
-                <a16:creationId xmlns:a16="http://schemas.microsoft.com/office/drawing/2014/main" id="{19E73E39-FB74-A448-89F2-15FF5A0CFE07}"/>
-              </a:ext>
-            </a:extLst>
-          </p:cNvPr>
-          <p:cNvSpPr>
-            <a:spLocks noGrp="1"/>
-          </p:cNvSpPr>
-          <p:nvPr>
-            <p:ph type="title"/>
-          </p:nvPr>
-        </p:nvSpPr>
-        <p:spPr/>
-        <p:txBody>
-          <a:bodyPr/>
-          <a:lstStyle/>
-          <a:p>
-            <a:r>
-              <a:rPr lang="nl-BE" dirty="0"/>
-              <a:t>Constraint Programming</a:t>
-            </a:r>
-          </a:p>
-        </p:txBody>
-      </p:sp>
-      <p:sp>
-        <p:nvSpPr>
-          <p:cNvPr id="8" name="Content Placeholder 7">
-            <a:extLst>
-              <a:ext uri="{FF2B5EF4-FFF2-40B4-BE49-F238E27FC236}">
-                <a16:creationId xmlns:a16="http://schemas.microsoft.com/office/drawing/2014/main" id="{349BF4B6-A4D5-F9BE-A7B7-4B3C2083EFD2}"/>
-              </a:ext>
-            </a:extLst>
-          </p:cNvPr>
-          <p:cNvSpPr>
-            <a:spLocks noGrp="1"/>
-          </p:cNvSpPr>
-          <p:nvPr>
-            <p:ph idx="1"/>
-          </p:nvPr>
-        </p:nvSpPr>
-        <p:spPr>
-          <a:xfrm>
-            <a:off x="576001" y="1655999"/>
-            <a:ext cx="10324610" cy="2362547"/>
-          </a:xfrm>
-        </p:spPr>
-        <p:txBody>
-          <a:bodyPr>
-            <a:normAutofit/>
-          </a:bodyPr>
-          <a:lstStyle/>
-          <a:p>
-            <a:r>
-              <a:rPr lang="nl-BE" dirty="0"/>
-              <a:t>Wat is CP</a:t>
-            </a:r>
-          </a:p>
-          <a:p>
-            <a:pPr lvl="1"/>
-            <a:r>
-              <a:rPr lang="nl-BE" dirty="0"/>
-              <a:t>Wat maakt CP anders dan andere programmeer talen</a:t>
-            </a:r>
-          </a:p>
-          <a:p>
-            <a:endParaRPr lang="nl-BE" dirty="0"/>
-          </a:p>
-        </p:txBody>
-      </p:sp>
-      <p:sp>
-        <p:nvSpPr>
-          <p:cNvPr id="6" name="Rectangle 5">
-            <a:extLst>
-              <a:ext uri="{FF2B5EF4-FFF2-40B4-BE49-F238E27FC236}">
-                <a16:creationId xmlns:a16="http://schemas.microsoft.com/office/drawing/2014/main" id="{4D39A9B3-D141-6176-F3B3-C3504C23F15B}"/>
-              </a:ext>
-            </a:extLst>
-          </p:cNvPr>
-          <p:cNvSpPr>
-            <a:spLocks noChangeArrowheads="1"/>
-          </p:cNvSpPr>
-          <p:nvPr/>
-        </p:nvSpPr>
-        <p:spPr bwMode="auto">
-          <a:xfrm>
-            <a:off x="1029072" y="3801118"/>
-            <a:ext cx="1913021" cy="1569660"/>
-          </a:xfrm>
-          <a:prstGeom prst="rect">
-            <a:avLst/>
-          </a:prstGeom>
-          <a:solidFill>
-            <a:srgbClr val="FFFFFF"/>
-          </a:solidFill>
-          <a:ln>
-            <a:noFill/>
-          </a:ln>
-          <a:effectLst/>
-          <a:extLst>
-            <a:ext uri="{91240B29-F687-4F45-9708-019B960494DF}">
-              <a14:hiddenLine xmlns:a14="http://schemas.microsoft.com/office/drawing/2010/main" w="9525">
-                <a:solidFill>
-                  <a:schemeClr val="tx1"/>
-                </a:solidFill>
-                <a:miter lim="800000"/>
-                <a:headEnd/>
-                <a:tailEnd/>
-              </a14:hiddenLine>
-            </a:ext>
-            <a:ext uri="{AF507438-7753-43E0-B8FC-AC1667EBCBE1}">
-              <a14:hiddenEffects xmlns:a14="http://schemas.microsoft.com/office/drawing/2010/main">
-                <a:effectLst>
-                  <a:outerShdw dist="35921" dir="2700000" algn="ctr" rotWithShape="0">
-                    <a:schemeClr val="bg2"/>
-                  </a:outerShdw>
-                </a:effectLst>
-              </a14:hiddenEffects>
-            </a:ext>
-          </a:extLst>
-        </p:spPr>
-        <p:txBody>
-          <a:bodyPr vert="horz" wrap="square" lIns="91440" tIns="45720" rIns="91440" bIns="45720" numCol="1" anchor="ctr" anchorCtr="0" compatLnSpc="1">
-            <a:prstTxWarp prst="textNoShape">
-              <a:avLst/>
-            </a:prstTxWarp>
-            <a:spAutoFit/>
-          </a:bodyPr>
-          <a:lstStyle/>
-          <a:p>
-            <a:pPr marL="0" marR="0" lvl="0" indent="0" algn="l" defTabSz="914400" rtl="0" eaLnBrk="0" fontAlgn="base" latinLnBrk="0" hangingPunct="0">
-              <a:lnSpc>
-                <a:spcPct val="100000"/>
-              </a:lnSpc>
-              <a:spcBef>
-                <a:spcPct val="0"/>
-              </a:spcBef>
-              <a:spcAft>
-                <a:spcPct val="0"/>
-              </a:spcAft>
-              <a:buClrTx/>
-              <a:buSzTx/>
-              <a:buFontTx/>
-              <a:buNone/>
-              <a:tabLst/>
-            </a:pPr>
-            <a:r>
-              <a:rPr kumimoji="0" lang="en-US" altLang="en-US" sz="2400" b="0" i="1" u="none" strike="noStrike" cap="none" normalizeH="0" baseline="0" dirty="0">
-                <a:ln>
-                  <a:noFill/>
-                </a:ln>
-                <a:solidFill>
-                  <a:srgbClr val="8C8C8C"/>
-                </a:solidFill>
-                <a:effectLst/>
-                <a:latin typeface="JetBrains Mono"/>
-              </a:rPr>
-              <a:t>    SEND</a:t>
-            </a:r>
-            <a:br>
-              <a:rPr kumimoji="0" lang="en-US" altLang="en-US" sz="2400" b="0" i="1" u="none" strike="noStrike" cap="none" normalizeH="0" baseline="0" dirty="0">
-                <a:ln>
-                  <a:noFill/>
-                </a:ln>
-                <a:solidFill>
-                  <a:srgbClr val="8C8C8C"/>
-                </a:solidFill>
-                <a:effectLst/>
-                <a:latin typeface="JetBrains Mono"/>
-              </a:rPr>
-            </a:br>
-            <a:r>
-              <a:rPr kumimoji="0" lang="en-US" altLang="en-US" sz="2400" b="0" i="1" u="none" strike="noStrike" cap="none" normalizeH="0" baseline="0" dirty="0">
-                <a:ln>
-                  <a:noFill/>
-                </a:ln>
-                <a:solidFill>
-                  <a:srgbClr val="8C8C8C"/>
-                </a:solidFill>
-                <a:effectLst/>
-                <a:latin typeface="JetBrains Mono"/>
-              </a:rPr>
-              <a:t>+ MORE</a:t>
-            </a:r>
-            <a:br>
-              <a:rPr kumimoji="0" lang="en-US" altLang="en-US" sz="2400" b="0" i="1" u="none" strike="noStrike" cap="none" normalizeH="0" baseline="0" dirty="0">
-                <a:ln>
-                  <a:noFill/>
-                </a:ln>
-                <a:solidFill>
-                  <a:srgbClr val="8C8C8C"/>
-                </a:solidFill>
-                <a:effectLst/>
-                <a:latin typeface="JetBrains Mono"/>
-              </a:rPr>
-            </a:br>
-            <a:r>
-              <a:rPr kumimoji="0" lang="en-US" altLang="en-US" sz="2400" b="0" i="1" u="none" strike="noStrike" cap="none" normalizeH="0" baseline="0" dirty="0">
-                <a:ln>
-                  <a:noFill/>
-                </a:ln>
-                <a:solidFill>
-                  <a:srgbClr val="8C8C8C"/>
-                </a:solidFill>
-                <a:effectLst/>
-                <a:latin typeface="JetBrains Mono"/>
-              </a:rPr>
-              <a:t>-----------</a:t>
-            </a:r>
-            <a:br>
-              <a:rPr kumimoji="0" lang="en-US" altLang="en-US" sz="2400" b="0" i="1" u="none" strike="noStrike" cap="none" normalizeH="0" baseline="0" dirty="0">
-                <a:ln>
-                  <a:noFill/>
-                </a:ln>
-                <a:solidFill>
-                  <a:srgbClr val="8C8C8C"/>
-                </a:solidFill>
-                <a:effectLst/>
-                <a:latin typeface="JetBrains Mono"/>
-              </a:rPr>
-            </a:br>
-            <a:r>
-              <a:rPr kumimoji="0" lang="en-US" altLang="en-US" sz="2400" b="0" i="1" u="none" strike="noStrike" cap="none" normalizeH="0" baseline="0" dirty="0">
-                <a:ln>
-                  <a:noFill/>
-                </a:ln>
-                <a:solidFill>
-                  <a:srgbClr val="8C8C8C"/>
-                </a:solidFill>
-                <a:effectLst/>
-                <a:latin typeface="JetBrains Mono"/>
-              </a:rPr>
-              <a:t> MONEY</a:t>
-            </a:r>
-            <a:endParaRPr kumimoji="0" lang="en-US" altLang="en-US" sz="5400" b="0" i="0" u="none" strike="noStrike" cap="none" normalizeH="0" baseline="0" dirty="0">
-              <a:ln>
-                <a:noFill/>
-              </a:ln>
-              <a:solidFill>
-                <a:schemeClr val="tx1"/>
-              </a:solidFill>
-              <a:effectLst/>
-              <a:latin typeface="Arial" panose="020B0604020202020204" pitchFamily="34" charset="0"/>
-            </a:endParaRPr>
-          </a:p>
-        </p:txBody>
-      </p:sp>
-      <p:pic>
-        <p:nvPicPr>
-          <p:cNvPr id="9" name="Picture 8">
-            <a:extLst>
-              <a:ext uri="{FF2B5EF4-FFF2-40B4-BE49-F238E27FC236}">
-                <a16:creationId xmlns:a16="http://schemas.microsoft.com/office/drawing/2014/main" id="{08A9415A-637D-18FF-FDB3-B8DF39E53FAC}"/>
+                <a16:creationId xmlns:a16="http://schemas.microsoft.com/office/drawing/2014/main" id="{3695CC42-1362-4B13-B4D0-A0131616FC23}"/>
               </a:ext>
             </a:extLst>
           </p:cNvPr>
           <p:cNvPicPr>
-            <a:picLocks noChangeAspect="1"/>
+            <a:picLocks noGrp="1" noChangeAspect="1"/>
           </p:cNvPicPr>
-          <p:nvPr/>
+          <p:nvPr>
+            <p:ph type="pic" sz="quarter" idx="10"/>
+          </p:nvPr>
         </p:nvPicPr>
-        <p:blipFill>
+        <p:blipFill rotWithShape="1">
           <a:blip r:embed="rId3"/>
-          <a:stretch>
-            <a:fillRect/>
-          </a:stretch>
+          <a:srcRect t="-579" b="17002"/>
+          <a:stretch/>
         </p:blipFill>
         <p:spPr>
           <a:xfrm>
-            <a:off x="3645568" y="1042153"/>
-            <a:ext cx="7749720" cy="5040029"/>
+            <a:off x="11159003" y="5829893"/>
+            <a:ext cx="916389" cy="874184"/>
           </a:xfrm>
-          <a:prstGeom prst="rect">
-            <a:avLst/>
-          </a:prstGeom>
         </p:spPr>
       </p:pic>
     </p:spTree>
     <p:extLst>
       <p:ext uri="{BB962C8B-B14F-4D97-AF65-F5344CB8AC3E}">
-        <p14:creationId xmlns:p14="http://schemas.microsoft.com/office/powerpoint/2010/main" val="4245654624"/>
+        <p14:creationId xmlns:p14="http://schemas.microsoft.com/office/powerpoint/2010/main" val="63898195"/>
       </p:ext>
     </p:extLst>
   </p:cSld>
@@ -29973,7 +30931,7 @@
 </p:sld>
 </file>
 
-<file path=ppt/slides/slide5.xml><?xml version="1.0" encoding="utf-8"?>
+<file path=ppt/slides/slide34.xml><?xml version="1.0" encoding="utf-8"?>
 <p:sld xmlns:a="http://schemas.openxmlformats.org/drawingml/2006/main" xmlns:r="http://schemas.openxmlformats.org/officeDocument/2006/relationships" xmlns:p="http://schemas.openxmlformats.org/presentationml/2006/main">
   <p:cSld>
     <p:spTree>
@@ -30041,7 +30999,7 @@
           <a:p>
             <a:fld id="{0A297500-7527-634B-90F4-69D0994C32B4}" type="slidenum">
               <a:rPr lang="nl-NL" smtClean="0"/>
-              <a:t>5</a:t>
+              <a:t>34</a:t>
             </a:fld>
             <a:endParaRPr lang="nl-NL"/>
           </a:p>
@@ -30125,21 +31083,22 @@
             <a:pPr lvl="1"/>
             <a:r>
               <a:rPr lang="nl-BE" dirty="0"/>
-              <a:t>Vast hangen</a:t>
-            </a:r>
+              <a:t>Vast hangen </a:t>
+            </a:r>
+            <a:endParaRPr lang="nl-BE" sz="1600" dirty="0"/>
           </a:p>
           <a:p>
             <a:pPr lvl="1"/>
             <a:r>
-              <a:rPr lang="nl-BE" dirty="0"/>
-              <a:t>Verkeerdelijk unsatisfiable</a:t>
+              <a:rPr lang="en-US" dirty="0"/>
+              <a:t>Wrongly unsatisfiable</a:t>
             </a:r>
           </a:p>
           <a:p>
             <a:pPr lvl="1"/>
             <a:r>
-              <a:rPr lang="nl-BE" dirty="0"/>
-              <a:t>Verkeerdelijk satisfiable</a:t>
+              <a:rPr lang="en-US" dirty="0"/>
+              <a:t>Wrongly satisfiable</a:t>
             </a:r>
           </a:p>
           <a:p>
@@ -30411,7 +31370,2308 @@
         </p:blipFill>
         <p:spPr>
           <a:xfrm>
-            <a:off x="3282532" y="3003692"/>
+            <a:off x="3241879" y="3083657"/>
+            <a:ext cx="425308" cy="425308"/>
+          </a:xfrm>
+          <a:prstGeom prst="rect">
+            <a:avLst/>
+          </a:prstGeom>
+        </p:spPr>
+      </p:pic>
+    </p:spTree>
+    <p:extLst>
+      <p:ext uri="{BB962C8B-B14F-4D97-AF65-F5344CB8AC3E}">
+        <p14:creationId xmlns:p14="http://schemas.microsoft.com/office/powerpoint/2010/main" val="3762720874"/>
+      </p:ext>
+    </p:extLst>
+  </p:cSld>
+  <p:clrMapOvr>
+    <a:masterClrMapping/>
+  </p:clrMapOvr>
+</p:sld>
+</file>
+
+<file path=ppt/slides/slide35.xml><?xml version="1.0" encoding="utf-8"?>
+<p:sld xmlns:a="http://schemas.openxmlformats.org/drawingml/2006/main" xmlns:r="http://schemas.openxmlformats.org/officeDocument/2006/relationships" xmlns:p="http://schemas.openxmlformats.org/presentationml/2006/main">
+  <p:cSld>
+    <p:spTree>
+      <p:nvGrpSpPr>
+        <p:cNvPr id="1" name=""/>
+        <p:cNvGrpSpPr/>
+        <p:nvPr/>
+      </p:nvGrpSpPr>
+      <p:grpSpPr>
+        <a:xfrm>
+          <a:off x="0" y="0"/>
+          <a:ext cx="0" cy="0"/>
+          <a:chOff x="0" y="0"/>
+          <a:chExt cx="0" cy="0"/>
+        </a:xfrm>
+      </p:grpSpPr>
+      <p:sp>
+        <p:nvSpPr>
+          <p:cNvPr id="3" name="Footer Placeholder 2">
+            <a:extLst>
+              <a:ext uri="{FF2B5EF4-FFF2-40B4-BE49-F238E27FC236}">
+                <a16:creationId xmlns:a16="http://schemas.microsoft.com/office/drawing/2014/main" id="{9DEC358F-5FE8-CFE8-C712-33F18D0AC4E7}"/>
+              </a:ext>
+            </a:extLst>
+          </p:cNvPr>
+          <p:cNvSpPr>
+            <a:spLocks noGrp="1"/>
+          </p:cNvSpPr>
+          <p:nvPr>
+            <p:ph type="ftr" sz="quarter" idx="11"/>
+          </p:nvPr>
+        </p:nvSpPr>
+        <p:spPr/>
+        <p:txBody>
+          <a:bodyPr/>
+          <a:lstStyle/>
+          <a:p>
+            <a:r>
+              <a:rPr lang="nl-NL"/>
+              <a:t>Faculteit Ingenieurswetenschappen, DTAI</a:t>
+            </a:r>
+          </a:p>
+        </p:txBody>
+      </p:sp>
+      <p:sp>
+        <p:nvSpPr>
+          <p:cNvPr id="4" name="Slide Number Placeholder 3">
+            <a:extLst>
+              <a:ext uri="{FF2B5EF4-FFF2-40B4-BE49-F238E27FC236}">
+                <a16:creationId xmlns:a16="http://schemas.microsoft.com/office/drawing/2014/main" id="{83E5AE0E-A28E-AB21-A117-4EA84A3D035F}"/>
+              </a:ext>
+            </a:extLst>
+          </p:cNvPr>
+          <p:cNvSpPr>
+            <a:spLocks noGrp="1"/>
+          </p:cNvSpPr>
+          <p:nvPr>
+            <p:ph type="sldNum" sz="quarter" idx="12"/>
+          </p:nvPr>
+        </p:nvSpPr>
+        <p:spPr/>
+        <p:txBody>
+          <a:bodyPr/>
+          <a:lstStyle/>
+          <a:p>
+            <a:fld id="{0A297500-7527-634B-90F4-69D0994C32B4}" type="slidenum">
+              <a:rPr lang="nl-NL" smtClean="0"/>
+              <a:t>35</a:t>
+            </a:fld>
+            <a:endParaRPr lang="nl-NL"/>
+          </a:p>
+        </p:txBody>
+      </p:sp>
+      <p:sp>
+        <p:nvSpPr>
+          <p:cNvPr id="5" name="Title 4">
+            <a:extLst>
+              <a:ext uri="{FF2B5EF4-FFF2-40B4-BE49-F238E27FC236}">
+                <a16:creationId xmlns:a16="http://schemas.microsoft.com/office/drawing/2014/main" id="{19E73E39-FB74-A448-89F2-15FF5A0CFE07}"/>
+              </a:ext>
+            </a:extLst>
+          </p:cNvPr>
+          <p:cNvSpPr>
+            <a:spLocks noGrp="1"/>
+          </p:cNvSpPr>
+          <p:nvPr>
+            <p:ph type="title"/>
+          </p:nvPr>
+        </p:nvSpPr>
+        <p:spPr/>
+        <p:txBody>
+          <a:bodyPr/>
+          <a:lstStyle/>
+          <a:p>
+            <a:r>
+              <a:rPr lang="nl-BE" dirty="0"/>
+              <a:t>Wat is </a:t>
+            </a:r>
+            <a:r>
+              <a:rPr lang="nl-BE" dirty="0" err="1"/>
+              <a:t>Fuzz</a:t>
+            </a:r>
+            <a:r>
+              <a:rPr lang="nl-BE" dirty="0"/>
+              <a:t> Testen?</a:t>
+            </a:r>
+          </a:p>
+        </p:txBody>
+      </p:sp>
+      <p:sp>
+        <p:nvSpPr>
+          <p:cNvPr id="8" name="Content Placeholder 7">
+            <a:extLst>
+              <a:ext uri="{FF2B5EF4-FFF2-40B4-BE49-F238E27FC236}">
+                <a16:creationId xmlns:a16="http://schemas.microsoft.com/office/drawing/2014/main" id="{349BF4B6-A4D5-F9BE-A7B7-4B3C2083EFD2}"/>
+              </a:ext>
+            </a:extLst>
+          </p:cNvPr>
+          <p:cNvSpPr>
+            <a:spLocks noGrp="1"/>
+          </p:cNvSpPr>
+          <p:nvPr>
+            <p:ph idx="1"/>
+          </p:nvPr>
+        </p:nvSpPr>
+        <p:spPr>
+          <a:xfrm>
+            <a:off x="576000" y="1656000"/>
+            <a:ext cx="10942900" cy="4464000"/>
+          </a:xfrm>
+        </p:spPr>
+        <p:txBody>
+          <a:bodyPr>
+            <a:normAutofit/>
+          </a:bodyPr>
+          <a:lstStyle/>
+          <a:p>
+            <a:r>
+              <a:rPr lang="nl-BE" dirty="0"/>
+              <a:t>Wat is </a:t>
+            </a:r>
+            <a:r>
+              <a:rPr lang="nl-BE" dirty="0" err="1"/>
+              <a:t>fuzzing</a:t>
+            </a:r>
+            <a:endParaRPr lang="nl-BE" dirty="0"/>
+          </a:p>
+          <a:p>
+            <a:r>
+              <a:rPr lang="nl-BE" dirty="0"/>
+              <a:t>Waarom </a:t>
+            </a:r>
+            <a:r>
+              <a:rPr lang="nl-BE" dirty="0" err="1"/>
+              <a:t>fuzzing</a:t>
+            </a:r>
+            <a:endParaRPr lang="nl-BE" dirty="0"/>
+          </a:p>
+          <a:p>
+            <a:r>
+              <a:rPr lang="nl-BE" dirty="0"/>
+              <a:t>Generating </a:t>
+            </a:r>
+            <a:r>
+              <a:rPr lang="nl-BE" dirty="0" err="1"/>
+              <a:t>vs</a:t>
+            </a:r>
+            <a:r>
+              <a:rPr lang="nl-BE" dirty="0"/>
+              <a:t> </a:t>
+            </a:r>
+            <a:r>
+              <a:rPr lang="nl-BE" dirty="0" err="1"/>
+              <a:t>modifying</a:t>
+            </a:r>
+            <a:endParaRPr lang="nl-BE" dirty="0"/>
+          </a:p>
+        </p:txBody>
+      </p:sp>
+      <p:pic>
+        <p:nvPicPr>
+          <p:cNvPr id="9" name="Picture 8">
+            <a:extLst>
+              <a:ext uri="{FF2B5EF4-FFF2-40B4-BE49-F238E27FC236}">
+                <a16:creationId xmlns:a16="http://schemas.microsoft.com/office/drawing/2014/main" id="{44964122-31BC-519D-AE38-1D1730AF3C65}"/>
+              </a:ext>
+            </a:extLst>
+          </p:cNvPr>
+          <p:cNvPicPr>
+            <a:picLocks noChangeAspect="1"/>
+          </p:cNvPicPr>
+          <p:nvPr/>
+        </p:nvPicPr>
+        <p:blipFill>
+          <a:blip r:embed="rId3"/>
+          <a:stretch>
+            <a:fillRect/>
+          </a:stretch>
+        </p:blipFill>
+        <p:spPr>
+          <a:xfrm>
+            <a:off x="7651640" y="1173892"/>
+            <a:ext cx="2863960" cy="2868031"/>
+          </a:xfrm>
+          <a:prstGeom prst="rect">
+            <a:avLst/>
+          </a:prstGeom>
+        </p:spPr>
+      </p:pic>
+    </p:spTree>
+    <p:extLst>
+      <p:ext uri="{BB962C8B-B14F-4D97-AF65-F5344CB8AC3E}">
+        <p14:creationId xmlns:p14="http://schemas.microsoft.com/office/powerpoint/2010/main" val="2430409874"/>
+      </p:ext>
+    </p:extLst>
+  </p:cSld>
+  <p:clrMapOvr>
+    <a:masterClrMapping/>
+  </p:clrMapOvr>
+</p:sld>
+</file>
+
+<file path=ppt/slides/slide36.xml><?xml version="1.0" encoding="utf-8"?>
+<p:sld xmlns:a="http://schemas.openxmlformats.org/drawingml/2006/main" xmlns:r="http://schemas.openxmlformats.org/officeDocument/2006/relationships" xmlns:p="http://schemas.openxmlformats.org/presentationml/2006/main">
+  <p:cSld>
+    <p:spTree>
+      <p:nvGrpSpPr>
+        <p:cNvPr id="1" name=""/>
+        <p:cNvGrpSpPr/>
+        <p:nvPr/>
+      </p:nvGrpSpPr>
+      <p:grpSpPr>
+        <a:xfrm>
+          <a:off x="0" y="0"/>
+          <a:ext cx="0" cy="0"/>
+          <a:chOff x="0" y="0"/>
+          <a:chExt cx="0" cy="0"/>
+        </a:xfrm>
+      </p:grpSpPr>
+      <p:sp>
+        <p:nvSpPr>
+          <p:cNvPr id="2" name="Content Placeholder 1">
+            <a:extLst>
+              <a:ext uri="{FF2B5EF4-FFF2-40B4-BE49-F238E27FC236}">
+                <a16:creationId xmlns:a16="http://schemas.microsoft.com/office/drawing/2014/main" id="{7DBE9D62-9D54-6233-76BE-B52789385DF6}"/>
+              </a:ext>
+            </a:extLst>
+          </p:cNvPr>
+          <p:cNvSpPr>
+            <a:spLocks noGrp="1"/>
+          </p:cNvSpPr>
+          <p:nvPr>
+            <p:ph idx="1"/>
+          </p:nvPr>
+        </p:nvSpPr>
+        <p:spPr/>
+        <p:txBody>
+          <a:bodyPr/>
+          <a:lstStyle/>
+          <a:p>
+            <a:pPr marL="457200" indent="-457200">
+              <a:buFont typeface="+mj-lt"/>
+              <a:buAutoNum type="arabicPeriod"/>
+            </a:pPr>
+            <a:r>
+              <a:rPr lang="en-GB" dirty="0">
+                <a:effectLst/>
+                <a:latin typeface="Arial" panose="020B0604020202020204" pitchFamily="34" charset="0"/>
+              </a:rPr>
+              <a:t>What fuzzing technique will find the most bugs?</a:t>
+            </a:r>
+          </a:p>
+          <a:p>
+            <a:pPr marL="457200" indent="-457200">
+              <a:buFont typeface="+mj-lt"/>
+              <a:buAutoNum type="arabicPeriod"/>
+            </a:pPr>
+            <a:r>
+              <a:rPr lang="en-GB" dirty="0">
+                <a:effectLst/>
+                <a:latin typeface="Arial" panose="020B0604020202020204" pitchFamily="34" charset="0"/>
+              </a:rPr>
+              <a:t>What fuzzing technique will find the most critical bugs?</a:t>
+            </a:r>
+            <a:endParaRPr lang="en-GB" dirty="0">
+              <a:latin typeface="Arial" panose="020B0604020202020204" pitchFamily="34" charset="0"/>
+            </a:endParaRPr>
+          </a:p>
+          <a:p>
+            <a:pPr marL="457200" indent="-457200">
+              <a:buFont typeface="+mj-lt"/>
+              <a:buAutoNum type="arabicPeriod"/>
+            </a:pPr>
+            <a:r>
+              <a:rPr lang="en-GB" dirty="0">
+                <a:effectLst/>
+                <a:latin typeface="Arial" panose="020B0604020202020204" pitchFamily="34" charset="0"/>
+              </a:rPr>
+              <a:t>What type of bugs will be found using which fuzzing technique? </a:t>
+            </a:r>
+          </a:p>
+          <a:p>
+            <a:pPr marL="457200" indent="-457200">
+              <a:buFont typeface="+mj-lt"/>
+              <a:buAutoNum type="arabicPeriod"/>
+            </a:pPr>
+            <a:r>
+              <a:rPr lang="en-GB" dirty="0">
+                <a:effectLst/>
+                <a:latin typeface="Arial" panose="020B0604020202020204" pitchFamily="34" charset="0"/>
+              </a:rPr>
+              <a:t>How many (critical) bugs can we find?</a:t>
+            </a:r>
+            <a:endParaRPr lang="en-GB" dirty="0">
+              <a:latin typeface="Arial" panose="020B0604020202020204" pitchFamily="34" charset="0"/>
+            </a:endParaRPr>
+          </a:p>
+          <a:p>
+            <a:pPr marL="457200" indent="-457200">
+              <a:buFont typeface="+mj-lt"/>
+              <a:buAutoNum type="arabicPeriod"/>
+            </a:pPr>
+            <a:r>
+              <a:rPr lang="en-GB" dirty="0">
+                <a:effectLst/>
+                <a:latin typeface="Arial" panose="020B0604020202020204" pitchFamily="34" charset="0"/>
+              </a:rPr>
+              <a:t>What are the causes of the bugs?</a:t>
+            </a:r>
+          </a:p>
+        </p:txBody>
+      </p:sp>
+      <p:sp>
+        <p:nvSpPr>
+          <p:cNvPr id="3" name="Footer Placeholder 2">
+            <a:extLst>
+              <a:ext uri="{FF2B5EF4-FFF2-40B4-BE49-F238E27FC236}">
+                <a16:creationId xmlns:a16="http://schemas.microsoft.com/office/drawing/2014/main" id="{F195408D-8759-4B79-91A1-831A83978B3F}"/>
+              </a:ext>
+            </a:extLst>
+          </p:cNvPr>
+          <p:cNvSpPr>
+            <a:spLocks noGrp="1"/>
+          </p:cNvSpPr>
+          <p:nvPr>
+            <p:ph type="ftr" sz="quarter" idx="11"/>
+          </p:nvPr>
+        </p:nvSpPr>
+        <p:spPr/>
+        <p:txBody>
+          <a:bodyPr/>
+          <a:lstStyle/>
+          <a:p>
+            <a:r>
+              <a:rPr lang="nl-NL"/>
+              <a:t>Faculteit Ingenieurswetenschappen, DTAI</a:t>
+            </a:r>
+          </a:p>
+        </p:txBody>
+      </p:sp>
+      <p:sp>
+        <p:nvSpPr>
+          <p:cNvPr id="4" name="Slide Number Placeholder 3">
+            <a:extLst>
+              <a:ext uri="{FF2B5EF4-FFF2-40B4-BE49-F238E27FC236}">
+                <a16:creationId xmlns:a16="http://schemas.microsoft.com/office/drawing/2014/main" id="{37ED130B-7CD7-431F-7359-5F0C80E86532}"/>
+              </a:ext>
+            </a:extLst>
+          </p:cNvPr>
+          <p:cNvSpPr>
+            <a:spLocks noGrp="1"/>
+          </p:cNvSpPr>
+          <p:nvPr>
+            <p:ph type="sldNum" sz="quarter" idx="12"/>
+          </p:nvPr>
+        </p:nvSpPr>
+        <p:spPr/>
+        <p:txBody>
+          <a:bodyPr/>
+          <a:lstStyle/>
+          <a:p>
+            <a:fld id="{0A297500-7527-634B-90F4-69D0994C32B4}" type="slidenum">
+              <a:rPr lang="nl-NL" smtClean="0"/>
+              <a:t>36</a:t>
+            </a:fld>
+            <a:endParaRPr lang="nl-NL"/>
+          </a:p>
+        </p:txBody>
+      </p:sp>
+      <p:sp>
+        <p:nvSpPr>
+          <p:cNvPr id="5" name="Title 4">
+            <a:extLst>
+              <a:ext uri="{FF2B5EF4-FFF2-40B4-BE49-F238E27FC236}">
+                <a16:creationId xmlns:a16="http://schemas.microsoft.com/office/drawing/2014/main" id="{7361E758-4233-E807-7D00-7732ADC60722}"/>
+              </a:ext>
+            </a:extLst>
+          </p:cNvPr>
+          <p:cNvSpPr>
+            <a:spLocks noGrp="1"/>
+          </p:cNvSpPr>
+          <p:nvPr>
+            <p:ph type="title"/>
+          </p:nvPr>
+        </p:nvSpPr>
+        <p:spPr/>
+        <p:txBody>
+          <a:bodyPr/>
+          <a:lstStyle/>
+          <a:p>
+            <a:r>
+              <a:rPr lang="nl-BE" dirty="0"/>
+              <a:t>Onderzoeksvragen</a:t>
+            </a:r>
+          </a:p>
+        </p:txBody>
+      </p:sp>
+    </p:spTree>
+    <p:extLst>
+      <p:ext uri="{BB962C8B-B14F-4D97-AF65-F5344CB8AC3E}">
+        <p14:creationId xmlns:p14="http://schemas.microsoft.com/office/powerpoint/2010/main" val="2025094457"/>
+      </p:ext>
+    </p:extLst>
+  </p:cSld>
+  <p:clrMapOvr>
+    <a:masterClrMapping/>
+  </p:clrMapOvr>
+</p:sld>
+</file>
+
+<file path=ppt/slides/slide37.xml><?xml version="1.0" encoding="utf-8"?>
+<p:sld xmlns:a="http://schemas.openxmlformats.org/drawingml/2006/main" xmlns:r="http://schemas.openxmlformats.org/officeDocument/2006/relationships" xmlns:p="http://schemas.openxmlformats.org/presentationml/2006/main">
+  <p:cSld>
+    <p:spTree>
+      <p:nvGrpSpPr>
+        <p:cNvPr id="1" name=""/>
+        <p:cNvGrpSpPr/>
+        <p:nvPr/>
+      </p:nvGrpSpPr>
+      <p:grpSpPr>
+        <a:xfrm>
+          <a:off x="0" y="0"/>
+          <a:ext cx="0" cy="0"/>
+          <a:chOff x="0" y="0"/>
+          <a:chExt cx="0" cy="0"/>
+        </a:xfrm>
+      </p:grpSpPr>
+      <p:pic>
+        <p:nvPicPr>
+          <p:cNvPr id="6" name="Picture 5">
+            <a:extLst>
+              <a:ext uri="{FF2B5EF4-FFF2-40B4-BE49-F238E27FC236}">
+                <a16:creationId xmlns:a16="http://schemas.microsoft.com/office/drawing/2014/main" id="{C0B5BE3F-C473-332A-B704-535D0000428D}"/>
+              </a:ext>
+            </a:extLst>
+          </p:cNvPr>
+          <p:cNvPicPr>
+            <a:picLocks noChangeAspect="1"/>
+          </p:cNvPicPr>
+          <p:nvPr/>
+        </p:nvPicPr>
+        <p:blipFill rotWithShape="1">
+          <a:blip r:embed="rId3"/>
+          <a:srcRect t="961" b="1465"/>
+          <a:stretch/>
+        </p:blipFill>
+        <p:spPr>
+          <a:xfrm>
+            <a:off x="576000" y="1111249"/>
+            <a:ext cx="7323398" cy="4970464"/>
+          </a:xfrm>
+          <a:prstGeom prst="rect">
+            <a:avLst/>
+          </a:prstGeom>
+        </p:spPr>
+      </p:pic>
+      <p:sp>
+        <p:nvSpPr>
+          <p:cNvPr id="3" name="Footer Placeholder 2">
+            <a:extLst>
+              <a:ext uri="{FF2B5EF4-FFF2-40B4-BE49-F238E27FC236}">
+                <a16:creationId xmlns:a16="http://schemas.microsoft.com/office/drawing/2014/main" id="{9DEC358F-5FE8-CFE8-C712-33F18D0AC4E7}"/>
+              </a:ext>
+            </a:extLst>
+          </p:cNvPr>
+          <p:cNvSpPr>
+            <a:spLocks noGrp="1"/>
+          </p:cNvSpPr>
+          <p:nvPr>
+            <p:ph type="ftr" sz="quarter" idx="11"/>
+          </p:nvPr>
+        </p:nvSpPr>
+        <p:spPr/>
+        <p:txBody>
+          <a:bodyPr/>
+          <a:lstStyle/>
+          <a:p>
+            <a:r>
+              <a:rPr lang="nl-NL"/>
+              <a:t>Faculteit Ingenieurswetenschappen, DTAI</a:t>
+            </a:r>
+          </a:p>
+        </p:txBody>
+      </p:sp>
+      <p:sp>
+        <p:nvSpPr>
+          <p:cNvPr id="4" name="Slide Number Placeholder 3">
+            <a:extLst>
+              <a:ext uri="{FF2B5EF4-FFF2-40B4-BE49-F238E27FC236}">
+                <a16:creationId xmlns:a16="http://schemas.microsoft.com/office/drawing/2014/main" id="{83E5AE0E-A28E-AB21-A117-4EA84A3D035F}"/>
+              </a:ext>
+            </a:extLst>
+          </p:cNvPr>
+          <p:cNvSpPr>
+            <a:spLocks noGrp="1"/>
+          </p:cNvSpPr>
+          <p:nvPr>
+            <p:ph type="sldNum" sz="quarter" idx="12"/>
+          </p:nvPr>
+        </p:nvSpPr>
+        <p:spPr/>
+        <p:txBody>
+          <a:bodyPr/>
+          <a:lstStyle/>
+          <a:p>
+            <a:fld id="{0A297500-7527-634B-90F4-69D0994C32B4}" type="slidenum">
+              <a:rPr lang="nl-NL" smtClean="0"/>
+              <a:t>37</a:t>
+            </a:fld>
+            <a:endParaRPr lang="nl-NL"/>
+          </a:p>
+        </p:txBody>
+      </p:sp>
+      <p:sp>
+        <p:nvSpPr>
+          <p:cNvPr id="5" name="Title 4">
+            <a:extLst>
+              <a:ext uri="{FF2B5EF4-FFF2-40B4-BE49-F238E27FC236}">
+                <a16:creationId xmlns:a16="http://schemas.microsoft.com/office/drawing/2014/main" id="{19E73E39-FB74-A448-89F2-15FF5A0CFE07}"/>
+              </a:ext>
+            </a:extLst>
+          </p:cNvPr>
+          <p:cNvSpPr>
+            <a:spLocks noGrp="1"/>
+          </p:cNvSpPr>
+          <p:nvPr>
+            <p:ph type="title"/>
+          </p:nvPr>
+        </p:nvSpPr>
+        <p:spPr/>
+        <p:txBody>
+          <a:bodyPr/>
+          <a:lstStyle/>
+          <a:p>
+            <a:r>
+              <a:rPr lang="nl-BE" dirty="0"/>
+              <a:t>Resultaten: Double </a:t>
+            </a:r>
+            <a:r>
+              <a:rPr lang="nl-BE" dirty="0" err="1"/>
+              <a:t>negation</a:t>
+            </a:r>
+            <a:r>
+              <a:rPr lang="nl-BE" dirty="0"/>
+              <a:t>-bug</a:t>
+            </a:r>
+          </a:p>
+        </p:txBody>
+      </p:sp>
+      <p:sp>
+        <p:nvSpPr>
+          <p:cNvPr id="9" name="TextBox 8">
+            <a:extLst>
+              <a:ext uri="{FF2B5EF4-FFF2-40B4-BE49-F238E27FC236}">
+                <a16:creationId xmlns:a16="http://schemas.microsoft.com/office/drawing/2014/main" id="{8D86272F-B579-7CB5-1636-28135D92D482}"/>
+              </a:ext>
+            </a:extLst>
+          </p:cNvPr>
+          <p:cNvSpPr txBox="1"/>
+          <p:nvPr/>
+        </p:nvSpPr>
+        <p:spPr>
+          <a:xfrm>
+            <a:off x="7315200" y="4173136"/>
+            <a:ext cx="3406800" cy="923330"/>
+          </a:xfrm>
+          <a:prstGeom prst="rect">
+            <a:avLst/>
+          </a:prstGeom>
+          <a:noFill/>
+        </p:spPr>
+        <p:txBody>
+          <a:bodyPr wrap="square">
+            <a:spAutoFit/>
+          </a:bodyPr>
+          <a:lstStyle/>
+          <a:p>
+            <a:r>
+              <a:rPr lang="en-US" dirty="0"/>
+              <a:t>Constraints:</a:t>
+            </a:r>
+          </a:p>
+          <a:p>
+            <a:r>
+              <a:rPr lang="en-US" dirty="0"/>
+              <a:t>    X == 3</a:t>
+            </a:r>
+          </a:p>
+          <a:p>
+            <a:r>
+              <a:rPr lang="en-US" dirty="0"/>
+              <a:t>    X == 3 == 0 == 0</a:t>
+            </a:r>
+          </a:p>
+        </p:txBody>
+      </p:sp>
+      <p:sp>
+        <p:nvSpPr>
+          <p:cNvPr id="12" name="TextBox 11">
+            <a:extLst>
+              <a:ext uri="{FF2B5EF4-FFF2-40B4-BE49-F238E27FC236}">
+                <a16:creationId xmlns:a16="http://schemas.microsoft.com/office/drawing/2014/main" id="{C9B2F7A4-622F-2F8F-F08E-0F9737F78C84}"/>
+              </a:ext>
+            </a:extLst>
+          </p:cNvPr>
+          <p:cNvSpPr txBox="1"/>
+          <p:nvPr/>
+        </p:nvSpPr>
+        <p:spPr>
+          <a:xfrm>
+            <a:off x="7315200" y="5179216"/>
+            <a:ext cx="6096000" cy="923330"/>
+          </a:xfrm>
+          <a:prstGeom prst="rect">
+            <a:avLst/>
+          </a:prstGeom>
+          <a:noFill/>
+        </p:spPr>
+        <p:txBody>
+          <a:bodyPr wrap="square">
+            <a:spAutoFit/>
+          </a:bodyPr>
+          <a:lstStyle/>
+          <a:p>
+            <a:r>
+              <a:rPr lang="en-US" dirty="0"/>
+              <a:t>Constraints:</a:t>
+            </a:r>
+          </a:p>
+          <a:p>
+            <a:r>
+              <a:rPr lang="en-US" dirty="0"/>
+              <a:t>    X == 3</a:t>
+            </a:r>
+          </a:p>
+          <a:p>
+            <a:r>
+              <a:rPr lang="en-US" dirty="0"/>
+              <a:t>    X != 3</a:t>
+            </a:r>
+          </a:p>
+        </p:txBody>
+      </p:sp>
+      <p:sp>
+        <p:nvSpPr>
+          <p:cNvPr id="13" name="Left Brace 12">
+            <a:extLst>
+              <a:ext uri="{FF2B5EF4-FFF2-40B4-BE49-F238E27FC236}">
+                <a16:creationId xmlns:a16="http://schemas.microsoft.com/office/drawing/2014/main" id="{A7308717-FBCE-2F84-F95E-5D62A80A0CD4}"/>
+              </a:ext>
+            </a:extLst>
+          </p:cNvPr>
+          <p:cNvSpPr/>
+          <p:nvPr/>
+        </p:nvSpPr>
+        <p:spPr>
+          <a:xfrm>
+            <a:off x="6033601" y="4064000"/>
+            <a:ext cx="1383200" cy="2038546"/>
+          </a:xfrm>
+          <a:prstGeom prst="leftBrace">
+            <a:avLst>
+              <a:gd name="adj1" fmla="val 8333"/>
+              <a:gd name="adj2" fmla="val 81773"/>
+            </a:avLst>
+          </a:prstGeom>
+        </p:spPr>
+        <p:style>
+          <a:lnRef idx="1">
+            <a:schemeClr val="accent1"/>
+          </a:lnRef>
+          <a:fillRef idx="0">
+            <a:schemeClr val="accent1"/>
+          </a:fillRef>
+          <a:effectRef idx="0">
+            <a:schemeClr val="accent1"/>
+          </a:effectRef>
+          <a:fontRef idx="minor">
+            <a:schemeClr val="tx1"/>
+          </a:fontRef>
+        </p:style>
+        <p:txBody>
+          <a:bodyPr rtlCol="0" anchor="ctr"/>
+          <a:lstStyle/>
+          <a:p>
+            <a:pPr algn="ctr"/>
+            <a:endParaRPr lang="en-US"/>
+          </a:p>
+        </p:txBody>
+      </p:sp>
+    </p:spTree>
+    <p:extLst>
+      <p:ext uri="{BB962C8B-B14F-4D97-AF65-F5344CB8AC3E}">
+        <p14:creationId xmlns:p14="http://schemas.microsoft.com/office/powerpoint/2010/main" val="2086592732"/>
+      </p:ext>
+    </p:extLst>
+  </p:cSld>
+  <p:clrMapOvr>
+    <a:masterClrMapping/>
+  </p:clrMapOvr>
+</p:sld>
+</file>
+
+<file path=ppt/slides/slide38.xml><?xml version="1.0" encoding="utf-8"?>
+<p:sld xmlns:a="http://schemas.openxmlformats.org/drawingml/2006/main" xmlns:r="http://schemas.openxmlformats.org/officeDocument/2006/relationships" xmlns:p="http://schemas.openxmlformats.org/presentationml/2006/main">
+  <p:cSld>
+    <p:spTree>
+      <p:nvGrpSpPr>
+        <p:cNvPr id="1" name=""/>
+        <p:cNvGrpSpPr/>
+        <p:nvPr/>
+      </p:nvGrpSpPr>
+      <p:grpSpPr>
+        <a:xfrm>
+          <a:off x="0" y="0"/>
+          <a:ext cx="0" cy="0"/>
+          <a:chOff x="0" y="0"/>
+          <a:chExt cx="0" cy="0"/>
+        </a:xfrm>
+      </p:grpSpPr>
+      <p:graphicFrame>
+        <p:nvGraphicFramePr>
+          <p:cNvPr id="9" name="Chart 8">
+            <a:extLst>
+              <a:ext uri="{FF2B5EF4-FFF2-40B4-BE49-F238E27FC236}">
+                <a16:creationId xmlns:a16="http://schemas.microsoft.com/office/drawing/2014/main" id="{6A9D5CF3-AFC8-41B7-DCF0-7B552A649998}"/>
+              </a:ext>
+            </a:extLst>
+          </p:cNvPr>
+          <p:cNvGraphicFramePr>
+            <a:graphicFrameLocks/>
+          </p:cNvGraphicFramePr>
+          <p:nvPr>
+            <p:extLst>
+              <p:ext uri="{D42A27DB-BD31-4B8C-83A1-F6EECF244321}">
+                <p14:modId xmlns:p14="http://schemas.microsoft.com/office/powerpoint/2010/main" val="3250619792"/>
+              </p:ext>
+            </p:extLst>
+          </p:nvPr>
+        </p:nvGraphicFramePr>
+        <p:xfrm>
+          <a:off x="456536" y="1262584"/>
+          <a:ext cx="11160664" cy="4875141"/>
+        </p:xfrm>
+        <a:graphic>
+          <a:graphicData uri="http://schemas.openxmlformats.org/drawingml/2006/chart">
+            <c:chart xmlns:c="http://schemas.openxmlformats.org/drawingml/2006/chart" xmlns:r="http://schemas.openxmlformats.org/officeDocument/2006/relationships" r:id="rId3"/>
+          </a:graphicData>
+        </a:graphic>
+      </p:graphicFrame>
+      <p:sp>
+        <p:nvSpPr>
+          <p:cNvPr id="3" name="Footer Placeholder 2">
+            <a:extLst>
+              <a:ext uri="{FF2B5EF4-FFF2-40B4-BE49-F238E27FC236}">
+                <a16:creationId xmlns:a16="http://schemas.microsoft.com/office/drawing/2014/main" id="{9DEC358F-5FE8-CFE8-C712-33F18D0AC4E7}"/>
+              </a:ext>
+            </a:extLst>
+          </p:cNvPr>
+          <p:cNvSpPr>
+            <a:spLocks noGrp="1"/>
+          </p:cNvSpPr>
+          <p:nvPr>
+            <p:ph type="ftr" sz="quarter" idx="11"/>
+          </p:nvPr>
+        </p:nvSpPr>
+        <p:spPr>
+          <a:xfrm>
+            <a:off x="6034800" y="6202420"/>
+            <a:ext cx="4993200" cy="648000"/>
+          </a:xfrm>
+        </p:spPr>
+        <p:txBody>
+          <a:bodyPr/>
+          <a:lstStyle/>
+          <a:p>
+            <a:r>
+              <a:rPr lang="nl-NL" dirty="0"/>
+              <a:t>Faculteit Ingenieurswetenschappen, DTAI</a:t>
+            </a:r>
+          </a:p>
+        </p:txBody>
+      </p:sp>
+      <p:sp>
+        <p:nvSpPr>
+          <p:cNvPr id="4" name="Slide Number Placeholder 3">
+            <a:extLst>
+              <a:ext uri="{FF2B5EF4-FFF2-40B4-BE49-F238E27FC236}">
+                <a16:creationId xmlns:a16="http://schemas.microsoft.com/office/drawing/2014/main" id="{83E5AE0E-A28E-AB21-A117-4EA84A3D035F}"/>
+              </a:ext>
+            </a:extLst>
+          </p:cNvPr>
+          <p:cNvSpPr>
+            <a:spLocks noGrp="1"/>
+          </p:cNvSpPr>
+          <p:nvPr>
+            <p:ph type="sldNum" sz="quarter" idx="12"/>
+          </p:nvPr>
+        </p:nvSpPr>
+        <p:spPr>
+          <a:xfrm>
+            <a:off x="577200" y="5906585"/>
+            <a:ext cx="648000" cy="648000"/>
+          </a:xfrm>
+        </p:spPr>
+        <p:txBody>
+          <a:bodyPr/>
+          <a:lstStyle/>
+          <a:p>
+            <a:fld id="{0A297500-7527-634B-90F4-69D0994C32B4}" type="slidenum">
+              <a:rPr lang="nl-NL" smtClean="0"/>
+              <a:t>38</a:t>
+            </a:fld>
+            <a:endParaRPr lang="nl-NL"/>
+          </a:p>
+        </p:txBody>
+      </p:sp>
+      <p:sp>
+        <p:nvSpPr>
+          <p:cNvPr id="5" name="Title 4">
+            <a:extLst>
+              <a:ext uri="{FF2B5EF4-FFF2-40B4-BE49-F238E27FC236}">
+                <a16:creationId xmlns:a16="http://schemas.microsoft.com/office/drawing/2014/main" id="{19E73E39-FB74-A448-89F2-15FF5A0CFE07}"/>
+              </a:ext>
+            </a:extLst>
+          </p:cNvPr>
+          <p:cNvSpPr>
+            <a:spLocks noGrp="1"/>
+          </p:cNvSpPr>
+          <p:nvPr>
+            <p:ph type="title"/>
+          </p:nvPr>
+        </p:nvSpPr>
+        <p:spPr/>
+        <p:txBody>
+          <a:bodyPr/>
+          <a:lstStyle/>
+          <a:p>
+            <a:r>
+              <a:rPr lang="en-GB" dirty="0"/>
+              <a:t>Planning</a:t>
+            </a:r>
+            <a:endParaRPr lang="en-US" dirty="0"/>
+          </a:p>
+        </p:txBody>
+      </p:sp>
+      <p:sp>
+        <p:nvSpPr>
+          <p:cNvPr id="2" name="Rectangle 1">
+            <a:extLst>
+              <a:ext uri="{FF2B5EF4-FFF2-40B4-BE49-F238E27FC236}">
+                <a16:creationId xmlns:a16="http://schemas.microsoft.com/office/drawing/2014/main" id="{5D7D1E2A-8197-41DD-339C-BFC3DAF92BB3}"/>
+              </a:ext>
+            </a:extLst>
+          </p:cNvPr>
+          <p:cNvSpPr/>
+          <p:nvPr/>
+        </p:nvSpPr>
+        <p:spPr>
+          <a:xfrm>
+            <a:off x="1869756" y="4138038"/>
+            <a:ext cx="3250095" cy="1041092"/>
+          </a:xfrm>
+          <a:prstGeom prst="rect">
+            <a:avLst/>
+          </a:prstGeom>
+          <a:noFill/>
+        </p:spPr>
+        <p:style>
+          <a:lnRef idx="2">
+            <a:schemeClr val="accent1">
+              <a:shade val="50000"/>
+            </a:schemeClr>
+          </a:lnRef>
+          <a:fillRef idx="1">
+            <a:schemeClr val="accent1"/>
+          </a:fillRef>
+          <a:effectRef idx="0">
+            <a:schemeClr val="accent1"/>
+          </a:effectRef>
+          <a:fontRef idx="minor">
+            <a:schemeClr val="lt1"/>
+          </a:fontRef>
+        </p:style>
+        <p:txBody>
+          <a:bodyPr rtlCol="0" anchor="ctr"/>
+          <a:lstStyle/>
+          <a:p>
+            <a:pPr algn="ctr"/>
+            <a:endParaRPr lang="en-US"/>
+          </a:p>
+        </p:txBody>
+      </p:sp>
+      <p:sp>
+        <p:nvSpPr>
+          <p:cNvPr id="6" name="TextBox 5">
+            <a:extLst>
+              <a:ext uri="{FF2B5EF4-FFF2-40B4-BE49-F238E27FC236}">
+                <a16:creationId xmlns:a16="http://schemas.microsoft.com/office/drawing/2014/main" id="{6E556703-DC90-D0EE-0D16-104716F1C54B}"/>
+              </a:ext>
+            </a:extLst>
+          </p:cNvPr>
+          <p:cNvSpPr txBox="1"/>
+          <p:nvPr/>
+        </p:nvSpPr>
+        <p:spPr>
+          <a:xfrm>
+            <a:off x="1869755" y="3689622"/>
+            <a:ext cx="3250095" cy="369332"/>
+          </a:xfrm>
+          <a:prstGeom prst="rect">
+            <a:avLst/>
+          </a:prstGeom>
+          <a:noFill/>
+        </p:spPr>
+        <p:txBody>
+          <a:bodyPr wrap="square" rtlCol="0">
+            <a:spAutoFit/>
+          </a:bodyPr>
+          <a:lstStyle/>
+          <a:p>
+            <a:pPr algn="ctr"/>
+            <a:r>
+              <a:rPr lang="nl-BE" dirty="0"/>
+              <a:t>Literatuurstudie</a:t>
+            </a:r>
+          </a:p>
+        </p:txBody>
+      </p:sp>
+      <p:sp>
+        <p:nvSpPr>
+          <p:cNvPr id="7" name="Rectangle 6">
+            <a:extLst>
+              <a:ext uri="{FF2B5EF4-FFF2-40B4-BE49-F238E27FC236}">
+                <a16:creationId xmlns:a16="http://schemas.microsoft.com/office/drawing/2014/main" id="{F83F23BC-DC0A-8927-09C0-82BBEAAFFBC6}"/>
+              </a:ext>
+            </a:extLst>
+          </p:cNvPr>
+          <p:cNvSpPr/>
+          <p:nvPr/>
+        </p:nvSpPr>
+        <p:spPr>
+          <a:xfrm>
+            <a:off x="5080095" y="2983713"/>
+            <a:ext cx="3409122" cy="1242391"/>
+          </a:xfrm>
+          <a:prstGeom prst="rect">
+            <a:avLst/>
+          </a:prstGeom>
+          <a:noFill/>
+        </p:spPr>
+        <p:style>
+          <a:lnRef idx="2">
+            <a:schemeClr val="accent1">
+              <a:shade val="50000"/>
+            </a:schemeClr>
+          </a:lnRef>
+          <a:fillRef idx="1">
+            <a:schemeClr val="accent1"/>
+          </a:fillRef>
+          <a:effectRef idx="0">
+            <a:schemeClr val="accent1"/>
+          </a:effectRef>
+          <a:fontRef idx="minor">
+            <a:schemeClr val="lt1"/>
+          </a:fontRef>
+        </p:style>
+        <p:txBody>
+          <a:bodyPr rtlCol="0" anchor="ctr"/>
+          <a:lstStyle/>
+          <a:p>
+            <a:pPr algn="ctr"/>
+            <a:endParaRPr lang="en-US"/>
+          </a:p>
+        </p:txBody>
+      </p:sp>
+      <p:sp>
+        <p:nvSpPr>
+          <p:cNvPr id="10" name="TextBox 9">
+            <a:extLst>
+              <a:ext uri="{FF2B5EF4-FFF2-40B4-BE49-F238E27FC236}">
+                <a16:creationId xmlns:a16="http://schemas.microsoft.com/office/drawing/2014/main" id="{A33A9546-0C3A-0108-C2AC-E07B79688FFE}"/>
+              </a:ext>
+            </a:extLst>
+          </p:cNvPr>
+          <p:cNvSpPr txBox="1"/>
+          <p:nvPr/>
+        </p:nvSpPr>
+        <p:spPr>
+          <a:xfrm>
+            <a:off x="5080095" y="2614381"/>
+            <a:ext cx="3409122" cy="369332"/>
+          </a:xfrm>
+          <a:prstGeom prst="rect">
+            <a:avLst/>
+          </a:prstGeom>
+          <a:noFill/>
+        </p:spPr>
+        <p:txBody>
+          <a:bodyPr wrap="square" rtlCol="0">
+            <a:spAutoFit/>
+          </a:bodyPr>
+          <a:lstStyle/>
+          <a:p>
+            <a:pPr algn="ctr"/>
+            <a:r>
+              <a:rPr lang="nl-BE" dirty="0"/>
+              <a:t>Uitvoering</a:t>
+            </a:r>
+          </a:p>
+        </p:txBody>
+      </p:sp>
+      <p:sp>
+        <p:nvSpPr>
+          <p:cNvPr id="11" name="Rectangle 10">
+            <a:extLst>
+              <a:ext uri="{FF2B5EF4-FFF2-40B4-BE49-F238E27FC236}">
+                <a16:creationId xmlns:a16="http://schemas.microsoft.com/office/drawing/2014/main" id="{961DB885-1A21-11BE-3165-80A556AE7CFF}"/>
+              </a:ext>
+            </a:extLst>
+          </p:cNvPr>
+          <p:cNvSpPr/>
+          <p:nvPr/>
+        </p:nvSpPr>
+        <p:spPr>
+          <a:xfrm>
+            <a:off x="8389826" y="2259037"/>
+            <a:ext cx="2396299" cy="866548"/>
+          </a:xfrm>
+          <a:prstGeom prst="rect">
+            <a:avLst/>
+          </a:prstGeom>
+          <a:noFill/>
+        </p:spPr>
+        <p:style>
+          <a:lnRef idx="2">
+            <a:schemeClr val="accent1">
+              <a:shade val="50000"/>
+            </a:schemeClr>
+          </a:lnRef>
+          <a:fillRef idx="1">
+            <a:schemeClr val="accent1"/>
+          </a:fillRef>
+          <a:effectRef idx="0">
+            <a:schemeClr val="accent1"/>
+          </a:effectRef>
+          <a:fontRef idx="minor">
+            <a:schemeClr val="lt1"/>
+          </a:fontRef>
+        </p:style>
+        <p:txBody>
+          <a:bodyPr rtlCol="0" anchor="ctr"/>
+          <a:lstStyle/>
+          <a:p>
+            <a:pPr algn="ctr"/>
+            <a:endParaRPr lang="en-US"/>
+          </a:p>
+        </p:txBody>
+      </p:sp>
+      <p:sp>
+        <p:nvSpPr>
+          <p:cNvPr id="12" name="TextBox 11">
+            <a:extLst>
+              <a:ext uri="{FF2B5EF4-FFF2-40B4-BE49-F238E27FC236}">
+                <a16:creationId xmlns:a16="http://schemas.microsoft.com/office/drawing/2014/main" id="{FB8C8DDA-B1D0-3021-3FF9-3CEC7FE96361}"/>
+              </a:ext>
+            </a:extLst>
+          </p:cNvPr>
+          <p:cNvSpPr txBox="1"/>
+          <p:nvPr/>
+        </p:nvSpPr>
+        <p:spPr>
+          <a:xfrm>
+            <a:off x="8389826" y="1889705"/>
+            <a:ext cx="2638174" cy="369332"/>
+          </a:xfrm>
+          <a:prstGeom prst="rect">
+            <a:avLst/>
+          </a:prstGeom>
+          <a:noFill/>
+        </p:spPr>
+        <p:txBody>
+          <a:bodyPr wrap="square" rtlCol="0">
+            <a:spAutoFit/>
+          </a:bodyPr>
+          <a:lstStyle/>
+          <a:p>
+            <a:pPr algn="ctr"/>
+            <a:r>
+              <a:rPr lang="nl-BE" dirty="0"/>
+              <a:t>Verwerken</a:t>
+            </a:r>
+          </a:p>
+        </p:txBody>
+      </p:sp>
+      <p:cxnSp>
+        <p:nvCxnSpPr>
+          <p:cNvPr id="14" name="Straight Connector 13">
+            <a:extLst>
+              <a:ext uri="{FF2B5EF4-FFF2-40B4-BE49-F238E27FC236}">
+                <a16:creationId xmlns:a16="http://schemas.microsoft.com/office/drawing/2014/main" id="{C55237CE-C860-46F3-AD1B-A65829F037FD}"/>
+              </a:ext>
+            </a:extLst>
+          </p:cNvPr>
+          <p:cNvCxnSpPr>
+            <a:cxnSpLocks/>
+          </p:cNvCxnSpPr>
+          <p:nvPr/>
+        </p:nvCxnSpPr>
+        <p:spPr>
+          <a:xfrm flipV="1">
+            <a:off x="5661071" y="3740961"/>
+            <a:ext cx="0" cy="452819"/>
+          </a:xfrm>
+          <a:prstGeom prst="line">
+            <a:avLst/>
+          </a:prstGeom>
+        </p:spPr>
+        <p:style>
+          <a:lnRef idx="1">
+            <a:schemeClr val="accent1"/>
+          </a:lnRef>
+          <a:fillRef idx="0">
+            <a:schemeClr val="accent1"/>
+          </a:fillRef>
+          <a:effectRef idx="0">
+            <a:schemeClr val="accent1"/>
+          </a:effectRef>
+          <a:fontRef idx="minor">
+            <a:schemeClr val="tx1"/>
+          </a:fontRef>
+        </p:style>
+      </p:cxnSp>
+      <p:cxnSp>
+        <p:nvCxnSpPr>
+          <p:cNvPr id="15" name="Straight Connector 14">
+            <a:extLst>
+              <a:ext uri="{FF2B5EF4-FFF2-40B4-BE49-F238E27FC236}">
+                <a16:creationId xmlns:a16="http://schemas.microsoft.com/office/drawing/2014/main" id="{95DBA569-DB94-A099-389B-EF07BA0BB714}"/>
+              </a:ext>
+            </a:extLst>
+          </p:cNvPr>
+          <p:cNvCxnSpPr>
+            <a:cxnSpLocks/>
+          </p:cNvCxnSpPr>
+          <p:nvPr/>
+        </p:nvCxnSpPr>
+        <p:spPr>
+          <a:xfrm flipV="1">
+            <a:off x="6723365" y="3396740"/>
+            <a:ext cx="0" cy="570631"/>
+          </a:xfrm>
+          <a:prstGeom prst="line">
+            <a:avLst/>
+          </a:prstGeom>
+        </p:spPr>
+        <p:style>
+          <a:lnRef idx="1">
+            <a:schemeClr val="accent1"/>
+          </a:lnRef>
+          <a:fillRef idx="0">
+            <a:schemeClr val="accent1"/>
+          </a:fillRef>
+          <a:effectRef idx="0">
+            <a:schemeClr val="accent1"/>
+          </a:effectRef>
+          <a:fontRef idx="minor">
+            <a:schemeClr val="tx1"/>
+          </a:fontRef>
+        </p:style>
+      </p:cxnSp>
+      <p:cxnSp>
+        <p:nvCxnSpPr>
+          <p:cNvPr id="16" name="Straight Connector 15">
+            <a:extLst>
+              <a:ext uri="{FF2B5EF4-FFF2-40B4-BE49-F238E27FC236}">
+                <a16:creationId xmlns:a16="http://schemas.microsoft.com/office/drawing/2014/main" id="{76ED3ACF-26BE-D5B3-CD86-4EBC38A27487}"/>
+              </a:ext>
+            </a:extLst>
+          </p:cNvPr>
+          <p:cNvCxnSpPr>
+            <a:cxnSpLocks/>
+          </p:cNvCxnSpPr>
+          <p:nvPr/>
+        </p:nvCxnSpPr>
+        <p:spPr>
+          <a:xfrm flipV="1">
+            <a:off x="7104365" y="3211103"/>
+            <a:ext cx="0" cy="570631"/>
+          </a:xfrm>
+          <a:prstGeom prst="line">
+            <a:avLst/>
+          </a:prstGeom>
+        </p:spPr>
+        <p:style>
+          <a:lnRef idx="1">
+            <a:schemeClr val="accent1"/>
+          </a:lnRef>
+          <a:fillRef idx="0">
+            <a:schemeClr val="accent1"/>
+          </a:fillRef>
+          <a:effectRef idx="0">
+            <a:schemeClr val="accent1"/>
+          </a:effectRef>
+          <a:fontRef idx="minor">
+            <a:schemeClr val="tx1"/>
+          </a:fontRef>
+        </p:style>
+      </p:cxnSp>
+      <p:sp>
+        <p:nvSpPr>
+          <p:cNvPr id="23" name="TextBox 22">
+            <a:extLst>
+              <a:ext uri="{FF2B5EF4-FFF2-40B4-BE49-F238E27FC236}">
+                <a16:creationId xmlns:a16="http://schemas.microsoft.com/office/drawing/2014/main" id="{3891D71A-415A-D44A-7ADC-AF7331555B8B}"/>
+              </a:ext>
+            </a:extLst>
+          </p:cNvPr>
+          <p:cNvSpPr txBox="1"/>
+          <p:nvPr/>
+        </p:nvSpPr>
+        <p:spPr>
+          <a:xfrm rot="10800000">
+            <a:off x="9292256" y="4931669"/>
+            <a:ext cx="591437" cy="369332"/>
+          </a:xfrm>
+          <a:prstGeom prst="rect">
+            <a:avLst/>
+          </a:prstGeom>
+          <a:noFill/>
+        </p:spPr>
+        <p:txBody>
+          <a:bodyPr wrap="square" rtlCol="0">
+            <a:spAutoFit/>
+          </a:bodyPr>
+          <a:lstStyle/>
+          <a:p>
+            <a:pPr algn="ctr"/>
+            <a:r>
+              <a:rPr lang="en-GB" dirty="0"/>
+              <a:t>^</a:t>
+            </a:r>
+            <a:endParaRPr lang="en-US" dirty="0"/>
+          </a:p>
+        </p:txBody>
+      </p:sp>
+      <p:cxnSp>
+        <p:nvCxnSpPr>
+          <p:cNvPr id="24" name="Straight Connector 23">
+            <a:extLst>
+              <a:ext uri="{FF2B5EF4-FFF2-40B4-BE49-F238E27FC236}">
+                <a16:creationId xmlns:a16="http://schemas.microsoft.com/office/drawing/2014/main" id="{829E06D9-8F29-6182-BCCC-C8017A4C8BE1}"/>
+              </a:ext>
+            </a:extLst>
+          </p:cNvPr>
+          <p:cNvCxnSpPr>
+            <a:cxnSpLocks/>
+          </p:cNvCxnSpPr>
+          <p:nvPr/>
+        </p:nvCxnSpPr>
+        <p:spPr>
+          <a:xfrm flipV="1">
+            <a:off x="9439098" y="2413082"/>
+            <a:ext cx="0" cy="570631"/>
+          </a:xfrm>
+          <a:prstGeom prst="line">
+            <a:avLst/>
+          </a:prstGeom>
+        </p:spPr>
+        <p:style>
+          <a:lnRef idx="1">
+            <a:schemeClr val="accent1"/>
+          </a:lnRef>
+          <a:fillRef idx="0">
+            <a:schemeClr val="accent1"/>
+          </a:fillRef>
+          <a:effectRef idx="0">
+            <a:schemeClr val="accent1"/>
+          </a:effectRef>
+          <a:fontRef idx="minor">
+            <a:schemeClr val="tx1"/>
+          </a:fontRef>
+        </p:style>
+      </p:cxnSp>
+      <p:cxnSp>
+        <p:nvCxnSpPr>
+          <p:cNvPr id="8" name="Straight Connector 7">
+            <a:extLst>
+              <a:ext uri="{FF2B5EF4-FFF2-40B4-BE49-F238E27FC236}">
+                <a16:creationId xmlns:a16="http://schemas.microsoft.com/office/drawing/2014/main" id="{FC65A891-3249-E9B7-A138-0035A72405A1}"/>
+              </a:ext>
+            </a:extLst>
+          </p:cNvPr>
+          <p:cNvCxnSpPr>
+            <a:cxnSpLocks/>
+          </p:cNvCxnSpPr>
+          <p:nvPr/>
+        </p:nvCxnSpPr>
+        <p:spPr>
+          <a:xfrm flipV="1">
+            <a:off x="7762091" y="3038650"/>
+            <a:ext cx="0" cy="570631"/>
+          </a:xfrm>
+          <a:prstGeom prst="line">
+            <a:avLst/>
+          </a:prstGeom>
+        </p:spPr>
+        <p:style>
+          <a:lnRef idx="1">
+            <a:schemeClr val="accent1"/>
+          </a:lnRef>
+          <a:fillRef idx="0">
+            <a:schemeClr val="accent1"/>
+          </a:fillRef>
+          <a:effectRef idx="0">
+            <a:schemeClr val="accent1"/>
+          </a:effectRef>
+          <a:fontRef idx="minor">
+            <a:schemeClr val="tx1"/>
+          </a:fontRef>
+        </p:style>
+      </p:cxnSp>
+    </p:spTree>
+    <p:extLst>
+      <p:ext uri="{BB962C8B-B14F-4D97-AF65-F5344CB8AC3E}">
+        <p14:creationId xmlns:p14="http://schemas.microsoft.com/office/powerpoint/2010/main" val="3224088307"/>
+      </p:ext>
+    </p:extLst>
+  </p:cSld>
+  <p:clrMapOvr>
+    <a:masterClrMapping/>
+  </p:clrMapOvr>
+</p:sld>
+</file>
+
+<file path=ppt/slides/slide39.xml><?xml version="1.0" encoding="utf-8"?>
+<p:sld xmlns:a="http://schemas.openxmlformats.org/drawingml/2006/main" xmlns:r="http://schemas.openxmlformats.org/officeDocument/2006/relationships" xmlns:p="http://schemas.openxmlformats.org/presentationml/2006/main">
+  <p:cSld>
+    <p:spTree>
+      <p:nvGrpSpPr>
+        <p:cNvPr id="1" name=""/>
+        <p:cNvGrpSpPr/>
+        <p:nvPr/>
+      </p:nvGrpSpPr>
+      <p:grpSpPr>
+        <a:xfrm>
+          <a:off x="0" y="0"/>
+          <a:ext cx="0" cy="0"/>
+          <a:chOff x="0" y="0"/>
+          <a:chExt cx="0" cy="0"/>
+        </a:xfrm>
+      </p:grpSpPr>
+      <p:sp>
+        <p:nvSpPr>
+          <p:cNvPr id="2" name="Title 1">
+            <a:extLst>
+              <a:ext uri="{FF2B5EF4-FFF2-40B4-BE49-F238E27FC236}">
+                <a16:creationId xmlns:a16="http://schemas.microsoft.com/office/drawing/2014/main" id="{8634D77C-149D-E20A-5481-9CF9F6DD4C16}"/>
+              </a:ext>
+            </a:extLst>
+          </p:cNvPr>
+          <p:cNvSpPr>
+            <a:spLocks noGrp="1"/>
+          </p:cNvSpPr>
+          <p:nvPr>
+            <p:ph type="title"/>
+          </p:nvPr>
+        </p:nvSpPr>
+        <p:spPr/>
+        <p:txBody>
+          <a:bodyPr/>
+          <a:lstStyle/>
+          <a:p>
+            <a:r>
+              <a:rPr lang="en-GB" dirty="0" err="1"/>
+              <a:t>Vragen</a:t>
+            </a:r>
+            <a:endParaRPr lang="en-US" dirty="0"/>
+          </a:p>
+        </p:txBody>
+      </p:sp>
+      <p:sp>
+        <p:nvSpPr>
+          <p:cNvPr id="3" name="Footer Placeholder 2">
+            <a:extLst>
+              <a:ext uri="{FF2B5EF4-FFF2-40B4-BE49-F238E27FC236}">
+                <a16:creationId xmlns:a16="http://schemas.microsoft.com/office/drawing/2014/main" id="{9885D6C4-4FB7-8F9B-BE36-A61115B93924}"/>
+              </a:ext>
+            </a:extLst>
+          </p:cNvPr>
+          <p:cNvSpPr>
+            <a:spLocks noGrp="1"/>
+          </p:cNvSpPr>
+          <p:nvPr>
+            <p:ph type="ftr" sz="quarter" idx="11"/>
+          </p:nvPr>
+        </p:nvSpPr>
+        <p:spPr/>
+        <p:txBody>
+          <a:bodyPr/>
+          <a:lstStyle/>
+          <a:p>
+            <a:r>
+              <a:rPr lang="nl-NL"/>
+              <a:t>Faculteit Ingenieurswetenschappen, DTAI</a:t>
+            </a:r>
+          </a:p>
+        </p:txBody>
+      </p:sp>
+      <p:sp>
+        <p:nvSpPr>
+          <p:cNvPr id="4" name="Slide Number Placeholder 3">
+            <a:extLst>
+              <a:ext uri="{FF2B5EF4-FFF2-40B4-BE49-F238E27FC236}">
+                <a16:creationId xmlns:a16="http://schemas.microsoft.com/office/drawing/2014/main" id="{64EFBD5D-CE23-71B6-0F9B-3180834C52E9}"/>
+              </a:ext>
+            </a:extLst>
+          </p:cNvPr>
+          <p:cNvSpPr>
+            <a:spLocks noGrp="1"/>
+          </p:cNvSpPr>
+          <p:nvPr>
+            <p:ph type="sldNum" sz="quarter" idx="12"/>
+          </p:nvPr>
+        </p:nvSpPr>
+        <p:spPr/>
+        <p:txBody>
+          <a:bodyPr/>
+          <a:lstStyle/>
+          <a:p>
+            <a:fld id="{0A297500-7527-634B-90F4-69D0994C32B4}" type="slidenum">
+              <a:rPr lang="nl-NL" smtClean="0"/>
+              <a:t>39</a:t>
+            </a:fld>
+            <a:endParaRPr lang="nl-NL"/>
+          </a:p>
+        </p:txBody>
+      </p:sp>
+    </p:spTree>
+    <p:extLst>
+      <p:ext uri="{BB962C8B-B14F-4D97-AF65-F5344CB8AC3E}">
+        <p14:creationId xmlns:p14="http://schemas.microsoft.com/office/powerpoint/2010/main" val="3781405704"/>
+      </p:ext>
+    </p:extLst>
+  </p:cSld>
+  <p:clrMapOvr>
+    <a:masterClrMapping/>
+  </p:clrMapOvr>
+</p:sld>
+</file>
+
+<file path=ppt/slides/slide4.xml><?xml version="1.0" encoding="utf-8"?>
+<p:sld xmlns:a="http://schemas.openxmlformats.org/drawingml/2006/main" xmlns:r="http://schemas.openxmlformats.org/officeDocument/2006/relationships" xmlns:p="http://schemas.openxmlformats.org/presentationml/2006/main">
+  <p:cSld>
+    <p:spTree>
+      <p:nvGrpSpPr>
+        <p:cNvPr id="1" name=""/>
+        <p:cNvGrpSpPr/>
+        <p:nvPr/>
+      </p:nvGrpSpPr>
+      <p:grpSpPr>
+        <a:xfrm>
+          <a:off x="0" y="0"/>
+          <a:ext cx="0" cy="0"/>
+          <a:chOff x="0" y="0"/>
+          <a:chExt cx="0" cy="0"/>
+        </a:xfrm>
+      </p:grpSpPr>
+      <p:sp>
+        <p:nvSpPr>
+          <p:cNvPr id="3" name="Footer Placeholder 2">
+            <a:extLst>
+              <a:ext uri="{FF2B5EF4-FFF2-40B4-BE49-F238E27FC236}">
+                <a16:creationId xmlns:a16="http://schemas.microsoft.com/office/drawing/2014/main" id="{9DEC358F-5FE8-CFE8-C712-33F18D0AC4E7}"/>
+              </a:ext>
+            </a:extLst>
+          </p:cNvPr>
+          <p:cNvSpPr>
+            <a:spLocks noGrp="1"/>
+          </p:cNvSpPr>
+          <p:nvPr>
+            <p:ph type="ftr" sz="quarter" idx="11"/>
+          </p:nvPr>
+        </p:nvSpPr>
+        <p:spPr/>
+        <p:txBody>
+          <a:bodyPr/>
+          <a:lstStyle/>
+          <a:p>
+            <a:r>
+              <a:rPr lang="nl-NL"/>
+              <a:t>Faculteit Ingenieurswetenschappen, DTAI</a:t>
+            </a:r>
+          </a:p>
+        </p:txBody>
+      </p:sp>
+      <p:sp>
+        <p:nvSpPr>
+          <p:cNvPr id="4" name="Slide Number Placeholder 3">
+            <a:extLst>
+              <a:ext uri="{FF2B5EF4-FFF2-40B4-BE49-F238E27FC236}">
+                <a16:creationId xmlns:a16="http://schemas.microsoft.com/office/drawing/2014/main" id="{83E5AE0E-A28E-AB21-A117-4EA84A3D035F}"/>
+              </a:ext>
+            </a:extLst>
+          </p:cNvPr>
+          <p:cNvSpPr>
+            <a:spLocks noGrp="1"/>
+          </p:cNvSpPr>
+          <p:nvPr>
+            <p:ph type="sldNum" sz="quarter" idx="12"/>
+          </p:nvPr>
+        </p:nvSpPr>
+        <p:spPr/>
+        <p:txBody>
+          <a:bodyPr/>
+          <a:lstStyle/>
+          <a:p>
+            <a:fld id="{0A297500-7527-634B-90F4-69D0994C32B4}" type="slidenum">
+              <a:rPr lang="nl-NL" smtClean="0"/>
+              <a:t>4</a:t>
+            </a:fld>
+            <a:endParaRPr lang="nl-NL"/>
+          </a:p>
+        </p:txBody>
+      </p:sp>
+      <p:sp>
+        <p:nvSpPr>
+          <p:cNvPr id="5" name="Title 4">
+            <a:extLst>
+              <a:ext uri="{FF2B5EF4-FFF2-40B4-BE49-F238E27FC236}">
+                <a16:creationId xmlns:a16="http://schemas.microsoft.com/office/drawing/2014/main" id="{19E73E39-FB74-A448-89F2-15FF5A0CFE07}"/>
+              </a:ext>
+            </a:extLst>
+          </p:cNvPr>
+          <p:cNvSpPr>
+            <a:spLocks noGrp="1"/>
+          </p:cNvSpPr>
+          <p:nvPr>
+            <p:ph type="title"/>
+          </p:nvPr>
+        </p:nvSpPr>
+        <p:spPr/>
+        <p:txBody>
+          <a:bodyPr/>
+          <a:lstStyle/>
+          <a:p>
+            <a:r>
+              <a:rPr lang="nl-BE" dirty="0"/>
+              <a:t>Constraint Programming</a:t>
+            </a:r>
+          </a:p>
+        </p:txBody>
+      </p:sp>
+      <p:sp>
+        <p:nvSpPr>
+          <p:cNvPr id="8" name="Content Placeholder 7">
+            <a:extLst>
+              <a:ext uri="{FF2B5EF4-FFF2-40B4-BE49-F238E27FC236}">
+                <a16:creationId xmlns:a16="http://schemas.microsoft.com/office/drawing/2014/main" id="{349BF4B6-A4D5-F9BE-A7B7-4B3C2083EFD2}"/>
+              </a:ext>
+            </a:extLst>
+          </p:cNvPr>
+          <p:cNvSpPr>
+            <a:spLocks noGrp="1"/>
+          </p:cNvSpPr>
+          <p:nvPr>
+            <p:ph idx="1"/>
+          </p:nvPr>
+        </p:nvSpPr>
+        <p:spPr>
+          <a:xfrm>
+            <a:off x="576001" y="1655999"/>
+            <a:ext cx="10324610" cy="2362547"/>
+          </a:xfrm>
+        </p:spPr>
+        <p:txBody>
+          <a:bodyPr>
+            <a:normAutofit/>
+          </a:bodyPr>
+          <a:lstStyle/>
+          <a:p>
+            <a:r>
+              <a:rPr lang="nl-BE" dirty="0"/>
+              <a:t>Wat is CP</a:t>
+            </a:r>
+          </a:p>
+          <a:p>
+            <a:r>
+              <a:rPr lang="nl-BE" dirty="0"/>
+              <a:t>Wat maakt CP anders dan andere programmeer talen</a:t>
+            </a:r>
+          </a:p>
+          <a:p>
+            <a:r>
+              <a:rPr lang="nl-BE" dirty="0"/>
+              <a:t>CPMpy</a:t>
+            </a:r>
+          </a:p>
+        </p:txBody>
+      </p:sp>
+      <p:sp>
+        <p:nvSpPr>
+          <p:cNvPr id="6" name="Rectangle 5">
+            <a:extLst>
+              <a:ext uri="{FF2B5EF4-FFF2-40B4-BE49-F238E27FC236}">
+                <a16:creationId xmlns:a16="http://schemas.microsoft.com/office/drawing/2014/main" id="{4D39A9B3-D141-6176-F3B3-C3504C23F15B}"/>
+              </a:ext>
+            </a:extLst>
+          </p:cNvPr>
+          <p:cNvSpPr>
+            <a:spLocks noChangeArrowheads="1"/>
+          </p:cNvSpPr>
+          <p:nvPr/>
+        </p:nvSpPr>
+        <p:spPr bwMode="auto">
+          <a:xfrm>
+            <a:off x="1029072" y="3801118"/>
+            <a:ext cx="1913021" cy="1569660"/>
+          </a:xfrm>
+          <a:prstGeom prst="rect">
+            <a:avLst/>
+          </a:prstGeom>
+          <a:solidFill>
+            <a:srgbClr val="FFFFFF"/>
+          </a:solidFill>
+          <a:ln>
+            <a:noFill/>
+          </a:ln>
+          <a:effectLst/>
+          <a:extLst>
+            <a:ext uri="{91240B29-F687-4F45-9708-019B960494DF}">
+              <a14:hiddenLine xmlns:a14="http://schemas.microsoft.com/office/drawing/2010/main" w="9525">
+                <a:solidFill>
+                  <a:schemeClr val="tx1"/>
+                </a:solidFill>
+                <a:miter lim="800000"/>
+                <a:headEnd/>
+                <a:tailEnd/>
+              </a14:hiddenLine>
+            </a:ext>
+            <a:ext uri="{AF507438-7753-43E0-B8FC-AC1667EBCBE1}">
+              <a14:hiddenEffects xmlns:a14="http://schemas.microsoft.com/office/drawing/2010/main">
+                <a:effectLst>
+                  <a:outerShdw dist="35921" dir="2700000" algn="ctr" rotWithShape="0">
+                    <a:schemeClr val="bg2"/>
+                  </a:outerShdw>
+                </a:effectLst>
+              </a14:hiddenEffects>
+            </a:ext>
+          </a:extLst>
+        </p:spPr>
+        <p:txBody>
+          <a:bodyPr vert="horz" wrap="square" lIns="91440" tIns="45720" rIns="91440" bIns="45720" numCol="1" anchor="ctr" anchorCtr="0" compatLnSpc="1">
+            <a:prstTxWarp prst="textNoShape">
+              <a:avLst/>
+            </a:prstTxWarp>
+            <a:spAutoFit/>
+          </a:bodyPr>
+          <a:lstStyle/>
+          <a:p>
+            <a:pPr marL="0" marR="0" lvl="0" indent="0" algn="l" defTabSz="914400" rtl="0" eaLnBrk="0" fontAlgn="base" latinLnBrk="0" hangingPunct="0">
+              <a:lnSpc>
+                <a:spcPct val="100000"/>
+              </a:lnSpc>
+              <a:spcBef>
+                <a:spcPct val="0"/>
+              </a:spcBef>
+              <a:spcAft>
+                <a:spcPct val="0"/>
+              </a:spcAft>
+              <a:buClrTx/>
+              <a:buSzTx/>
+              <a:buFontTx/>
+              <a:buNone/>
+              <a:tabLst/>
+            </a:pPr>
+            <a:r>
+              <a:rPr kumimoji="0" lang="en-US" altLang="en-US" sz="2400" b="0" i="1" u="none" strike="noStrike" cap="none" normalizeH="0" baseline="0" dirty="0">
+                <a:ln>
+                  <a:noFill/>
+                </a:ln>
+                <a:solidFill>
+                  <a:srgbClr val="8C8C8C"/>
+                </a:solidFill>
+                <a:effectLst/>
+                <a:latin typeface="JetBrains Mono"/>
+              </a:rPr>
+              <a:t>    SEND</a:t>
+            </a:r>
+            <a:br>
+              <a:rPr kumimoji="0" lang="en-US" altLang="en-US" sz="2400" b="0" i="1" u="none" strike="noStrike" cap="none" normalizeH="0" baseline="0" dirty="0">
+                <a:ln>
+                  <a:noFill/>
+                </a:ln>
+                <a:solidFill>
+                  <a:srgbClr val="8C8C8C"/>
+                </a:solidFill>
+                <a:effectLst/>
+                <a:latin typeface="JetBrains Mono"/>
+              </a:rPr>
+            </a:br>
+            <a:r>
+              <a:rPr kumimoji="0" lang="en-US" altLang="en-US" sz="2400" b="0" i="1" u="none" strike="noStrike" cap="none" normalizeH="0" baseline="0" dirty="0">
+                <a:ln>
+                  <a:noFill/>
+                </a:ln>
+                <a:solidFill>
+                  <a:srgbClr val="8C8C8C"/>
+                </a:solidFill>
+                <a:effectLst/>
+                <a:latin typeface="JetBrains Mono"/>
+              </a:rPr>
+              <a:t>+ MORE</a:t>
+            </a:r>
+            <a:br>
+              <a:rPr kumimoji="0" lang="en-US" altLang="en-US" sz="2400" b="0" i="1" u="none" strike="noStrike" cap="none" normalizeH="0" baseline="0" dirty="0">
+                <a:ln>
+                  <a:noFill/>
+                </a:ln>
+                <a:solidFill>
+                  <a:srgbClr val="8C8C8C"/>
+                </a:solidFill>
+                <a:effectLst/>
+                <a:latin typeface="JetBrains Mono"/>
+              </a:rPr>
+            </a:br>
+            <a:r>
+              <a:rPr kumimoji="0" lang="en-US" altLang="en-US" sz="2400" b="0" i="1" u="none" strike="noStrike" cap="none" normalizeH="0" baseline="0" dirty="0">
+                <a:ln>
+                  <a:noFill/>
+                </a:ln>
+                <a:solidFill>
+                  <a:srgbClr val="8C8C8C"/>
+                </a:solidFill>
+                <a:effectLst/>
+                <a:latin typeface="JetBrains Mono"/>
+              </a:rPr>
+              <a:t>-----------</a:t>
+            </a:r>
+            <a:br>
+              <a:rPr kumimoji="0" lang="en-US" altLang="en-US" sz="2400" b="0" i="1" u="none" strike="noStrike" cap="none" normalizeH="0" baseline="0" dirty="0">
+                <a:ln>
+                  <a:noFill/>
+                </a:ln>
+                <a:solidFill>
+                  <a:srgbClr val="8C8C8C"/>
+                </a:solidFill>
+                <a:effectLst/>
+                <a:latin typeface="JetBrains Mono"/>
+              </a:rPr>
+            </a:br>
+            <a:r>
+              <a:rPr kumimoji="0" lang="en-US" altLang="en-US" sz="2400" b="0" i="1" u="none" strike="noStrike" cap="none" normalizeH="0" baseline="0" dirty="0">
+                <a:ln>
+                  <a:noFill/>
+                </a:ln>
+                <a:solidFill>
+                  <a:srgbClr val="8C8C8C"/>
+                </a:solidFill>
+                <a:effectLst/>
+                <a:latin typeface="JetBrains Mono"/>
+              </a:rPr>
+              <a:t> MONEY</a:t>
+            </a:r>
+            <a:endParaRPr kumimoji="0" lang="en-US" altLang="en-US" sz="5400" b="0" i="0" u="none" strike="noStrike" cap="none" normalizeH="0" baseline="0" dirty="0">
+              <a:ln>
+                <a:noFill/>
+              </a:ln>
+              <a:solidFill>
+                <a:schemeClr val="tx1"/>
+              </a:solidFill>
+              <a:effectLst/>
+              <a:latin typeface="Arial" panose="020B0604020202020204" pitchFamily="34" charset="0"/>
+            </a:endParaRPr>
+          </a:p>
+        </p:txBody>
+      </p:sp>
+      <p:pic>
+        <p:nvPicPr>
+          <p:cNvPr id="9" name="Picture 8">
+            <a:extLst>
+              <a:ext uri="{FF2B5EF4-FFF2-40B4-BE49-F238E27FC236}">
+                <a16:creationId xmlns:a16="http://schemas.microsoft.com/office/drawing/2014/main" id="{08A9415A-637D-18FF-FDB3-B8DF39E53FAC}"/>
+              </a:ext>
+            </a:extLst>
+          </p:cNvPr>
+          <p:cNvPicPr>
+            <a:picLocks noChangeAspect="1"/>
+          </p:cNvPicPr>
+          <p:nvPr/>
+        </p:nvPicPr>
+        <p:blipFill>
+          <a:blip r:embed="rId3"/>
+          <a:stretch>
+            <a:fillRect/>
+          </a:stretch>
+        </p:blipFill>
+        <p:spPr>
+          <a:xfrm>
+            <a:off x="3645568" y="1042153"/>
+            <a:ext cx="7749720" cy="5040029"/>
+          </a:xfrm>
+          <a:prstGeom prst="rect">
+            <a:avLst/>
+          </a:prstGeom>
+        </p:spPr>
+      </p:pic>
+    </p:spTree>
+    <p:extLst>
+      <p:ext uri="{BB962C8B-B14F-4D97-AF65-F5344CB8AC3E}">
+        <p14:creationId xmlns:p14="http://schemas.microsoft.com/office/powerpoint/2010/main" val="4245654624"/>
+      </p:ext>
+    </p:extLst>
+  </p:cSld>
+  <p:clrMapOvr>
+    <a:masterClrMapping/>
+  </p:clrMapOvr>
+</p:sld>
+</file>
+
+<file path=ppt/slides/slide5.xml><?xml version="1.0" encoding="utf-8"?>
+<p:sld xmlns:a="http://schemas.openxmlformats.org/drawingml/2006/main" xmlns:r="http://schemas.openxmlformats.org/officeDocument/2006/relationships" xmlns:p="http://schemas.openxmlformats.org/presentationml/2006/main">
+  <p:cSld>
+    <p:spTree>
+      <p:nvGrpSpPr>
+        <p:cNvPr id="1" name=""/>
+        <p:cNvGrpSpPr/>
+        <p:nvPr/>
+      </p:nvGrpSpPr>
+      <p:grpSpPr>
+        <a:xfrm>
+          <a:off x="0" y="0"/>
+          <a:ext cx="0" cy="0"/>
+          <a:chOff x="0" y="0"/>
+          <a:chExt cx="0" cy="0"/>
+        </a:xfrm>
+      </p:grpSpPr>
+      <p:sp>
+        <p:nvSpPr>
+          <p:cNvPr id="3" name="Footer Placeholder 2">
+            <a:extLst>
+              <a:ext uri="{FF2B5EF4-FFF2-40B4-BE49-F238E27FC236}">
+                <a16:creationId xmlns:a16="http://schemas.microsoft.com/office/drawing/2014/main" id="{9DEC358F-5FE8-CFE8-C712-33F18D0AC4E7}"/>
+              </a:ext>
+            </a:extLst>
+          </p:cNvPr>
+          <p:cNvSpPr>
+            <a:spLocks noGrp="1"/>
+          </p:cNvSpPr>
+          <p:nvPr>
+            <p:ph type="ftr" sz="quarter" idx="11"/>
+          </p:nvPr>
+        </p:nvSpPr>
+        <p:spPr/>
+        <p:txBody>
+          <a:bodyPr/>
+          <a:lstStyle/>
+          <a:p>
+            <a:r>
+              <a:rPr lang="nl-NL"/>
+              <a:t>Faculteit Ingenieurswetenschappen, DTAI</a:t>
+            </a:r>
+          </a:p>
+        </p:txBody>
+      </p:sp>
+      <p:sp>
+        <p:nvSpPr>
+          <p:cNvPr id="4" name="Slide Number Placeholder 3">
+            <a:extLst>
+              <a:ext uri="{FF2B5EF4-FFF2-40B4-BE49-F238E27FC236}">
+                <a16:creationId xmlns:a16="http://schemas.microsoft.com/office/drawing/2014/main" id="{83E5AE0E-A28E-AB21-A117-4EA84A3D035F}"/>
+              </a:ext>
+            </a:extLst>
+          </p:cNvPr>
+          <p:cNvSpPr>
+            <a:spLocks noGrp="1"/>
+          </p:cNvSpPr>
+          <p:nvPr>
+            <p:ph type="sldNum" sz="quarter" idx="12"/>
+          </p:nvPr>
+        </p:nvSpPr>
+        <p:spPr/>
+        <p:txBody>
+          <a:bodyPr/>
+          <a:lstStyle/>
+          <a:p>
+            <a:fld id="{0A297500-7527-634B-90F4-69D0994C32B4}" type="slidenum">
+              <a:rPr lang="nl-NL" smtClean="0"/>
+              <a:t>5</a:t>
+            </a:fld>
+            <a:endParaRPr lang="nl-NL"/>
+          </a:p>
+        </p:txBody>
+      </p:sp>
+      <p:sp>
+        <p:nvSpPr>
+          <p:cNvPr id="5" name="Title 4">
+            <a:extLst>
+              <a:ext uri="{FF2B5EF4-FFF2-40B4-BE49-F238E27FC236}">
+                <a16:creationId xmlns:a16="http://schemas.microsoft.com/office/drawing/2014/main" id="{19E73E39-FB74-A448-89F2-15FF5A0CFE07}"/>
+              </a:ext>
+            </a:extLst>
+          </p:cNvPr>
+          <p:cNvSpPr>
+            <a:spLocks noGrp="1"/>
+          </p:cNvSpPr>
+          <p:nvPr>
+            <p:ph type="title"/>
+          </p:nvPr>
+        </p:nvSpPr>
+        <p:spPr/>
+        <p:txBody>
+          <a:bodyPr/>
+          <a:lstStyle/>
+          <a:p>
+            <a:r>
+              <a:rPr lang="nl-BE" dirty="0"/>
+              <a:t>Waarom Bugs zoeken?</a:t>
+            </a:r>
+          </a:p>
+        </p:txBody>
+      </p:sp>
+      <p:sp>
+        <p:nvSpPr>
+          <p:cNvPr id="8" name="Content Placeholder 7">
+            <a:extLst>
+              <a:ext uri="{FF2B5EF4-FFF2-40B4-BE49-F238E27FC236}">
+                <a16:creationId xmlns:a16="http://schemas.microsoft.com/office/drawing/2014/main" id="{349BF4B6-A4D5-F9BE-A7B7-4B3C2083EFD2}"/>
+              </a:ext>
+            </a:extLst>
+          </p:cNvPr>
+          <p:cNvSpPr>
+            <a:spLocks noGrp="1"/>
+          </p:cNvSpPr>
+          <p:nvPr>
+            <p:ph idx="1"/>
+          </p:nvPr>
+        </p:nvSpPr>
+        <p:spPr>
+          <a:xfrm>
+            <a:off x="576000" y="1656000"/>
+            <a:ext cx="5757067" cy="4464000"/>
+          </a:xfrm>
+        </p:spPr>
+        <p:txBody>
+          <a:bodyPr>
+            <a:normAutofit/>
+          </a:bodyPr>
+          <a:lstStyle/>
+          <a:p>
+            <a:r>
+              <a:rPr lang="nl-BE" dirty="0"/>
+              <a:t>Bugs zitten overal </a:t>
+            </a:r>
+          </a:p>
+          <a:p>
+            <a:r>
+              <a:rPr lang="nl-BE" dirty="0"/>
+              <a:t>Definitie bug</a:t>
+            </a:r>
+          </a:p>
+          <a:p>
+            <a:pPr lvl="1"/>
+            <a:r>
+              <a:rPr lang="nl-BE" dirty="0"/>
+              <a:t>Crash </a:t>
+            </a:r>
+          </a:p>
+          <a:p>
+            <a:pPr lvl="1"/>
+            <a:r>
+              <a:rPr lang="nl-BE" dirty="0"/>
+              <a:t>Vast hangen </a:t>
+            </a:r>
+            <a:endParaRPr lang="nl-BE" sz="1600" dirty="0"/>
+          </a:p>
+          <a:p>
+            <a:pPr lvl="1"/>
+            <a:r>
+              <a:rPr lang="en-US" dirty="0"/>
+              <a:t>Wrongly unsatisfiable</a:t>
+            </a:r>
+          </a:p>
+          <a:p>
+            <a:pPr lvl="1"/>
+            <a:r>
+              <a:rPr lang="en-US" dirty="0"/>
+              <a:t>Wrongly satisfiable</a:t>
+            </a:r>
+          </a:p>
+          <a:p>
+            <a:pPr lvl="1"/>
+            <a:r>
+              <a:rPr lang="nl-BE" dirty="0"/>
+              <a:t>Verkeerde aantal oplossingen</a:t>
+            </a:r>
+          </a:p>
+        </p:txBody>
+      </p:sp>
+      <p:sp>
+        <p:nvSpPr>
+          <p:cNvPr id="6" name="Content Placeholder 7">
+            <a:extLst>
+              <a:ext uri="{FF2B5EF4-FFF2-40B4-BE49-F238E27FC236}">
+                <a16:creationId xmlns:a16="http://schemas.microsoft.com/office/drawing/2014/main" id="{147C145A-3FBE-F432-9811-01CAE71A81D1}"/>
+              </a:ext>
+            </a:extLst>
+          </p:cNvPr>
+          <p:cNvSpPr txBox="1">
+            <a:spLocks/>
+          </p:cNvSpPr>
+          <p:nvPr/>
+        </p:nvSpPr>
+        <p:spPr>
+          <a:xfrm>
+            <a:off x="6333067" y="1669467"/>
+            <a:ext cx="5757067" cy="4464000"/>
+          </a:xfrm>
+          <a:prstGeom prst="rect">
+            <a:avLst/>
+          </a:prstGeom>
+        </p:spPr>
+        <p:txBody>
+          <a:bodyPr vert="horz" lIns="91440" tIns="45720" rIns="91440" bIns="45720" rtlCol="0">
+            <a:normAutofit/>
+          </a:bodyPr>
+          <a:lstStyle>
+            <a:lvl1pPr marL="228600" indent="-228600" algn="l" defTabSz="914400" rtl="0" eaLnBrk="1" latinLnBrk="0" hangingPunct="1">
+              <a:lnSpc>
+                <a:spcPct val="100000"/>
+              </a:lnSpc>
+              <a:spcBef>
+                <a:spcPts val="1000"/>
+              </a:spcBef>
+              <a:buFont typeface="Arial"/>
+              <a:buChar char="•"/>
+              <a:defRPr sz="2400" kern="1200" baseline="0">
+                <a:solidFill>
+                  <a:schemeClr val="tx1"/>
+                </a:solidFill>
+                <a:latin typeface="Arial" charset="0"/>
+                <a:ea typeface="+mn-ea"/>
+                <a:cs typeface="+mn-cs"/>
+              </a:defRPr>
+            </a:lvl1pPr>
+            <a:lvl2pPr marL="685800" indent="-228600" algn="l" defTabSz="914400" rtl="0" eaLnBrk="1" latinLnBrk="0" hangingPunct="1">
+              <a:lnSpc>
+                <a:spcPct val="100000"/>
+              </a:lnSpc>
+              <a:spcBef>
+                <a:spcPts val="500"/>
+              </a:spcBef>
+              <a:buFont typeface="Arial"/>
+              <a:buChar char="•"/>
+              <a:defRPr sz="2400" kern="1200" baseline="0">
+                <a:solidFill>
+                  <a:schemeClr val="tx1"/>
+                </a:solidFill>
+                <a:latin typeface="Arial" charset="0"/>
+                <a:ea typeface="+mn-ea"/>
+                <a:cs typeface="+mn-cs"/>
+              </a:defRPr>
+            </a:lvl2pPr>
+            <a:lvl3pPr marL="1143000" indent="-228600" algn="l" defTabSz="914400" rtl="0" eaLnBrk="1" latinLnBrk="0" hangingPunct="1">
+              <a:lnSpc>
+                <a:spcPct val="100000"/>
+              </a:lnSpc>
+              <a:spcBef>
+                <a:spcPts val="500"/>
+              </a:spcBef>
+              <a:buFont typeface="Arial"/>
+              <a:buChar char="•"/>
+              <a:defRPr sz="2000" kern="1200" baseline="0">
+                <a:solidFill>
+                  <a:schemeClr val="tx1"/>
+                </a:solidFill>
+                <a:latin typeface="Arial" charset="0"/>
+                <a:ea typeface="+mn-ea"/>
+                <a:cs typeface="+mn-cs"/>
+              </a:defRPr>
+            </a:lvl3pPr>
+            <a:lvl4pPr marL="1600200" indent="-228600" algn="l" defTabSz="914400" rtl="0" eaLnBrk="1" latinLnBrk="0" hangingPunct="1">
+              <a:lnSpc>
+                <a:spcPct val="100000"/>
+              </a:lnSpc>
+              <a:spcBef>
+                <a:spcPts val="500"/>
+              </a:spcBef>
+              <a:buFont typeface="Arial"/>
+              <a:buChar char="•"/>
+              <a:defRPr sz="1800" kern="1200" baseline="0">
+                <a:solidFill>
+                  <a:schemeClr val="tx1"/>
+                </a:solidFill>
+                <a:latin typeface="Arial" charset="0"/>
+                <a:ea typeface="+mn-ea"/>
+                <a:cs typeface="+mn-cs"/>
+              </a:defRPr>
+            </a:lvl4pPr>
+            <a:lvl5pPr marL="2057400" indent="-228600" algn="l" defTabSz="914400" rtl="0" eaLnBrk="1" latinLnBrk="0" hangingPunct="1">
+              <a:lnSpc>
+                <a:spcPct val="100000"/>
+              </a:lnSpc>
+              <a:spcBef>
+                <a:spcPts val="500"/>
+              </a:spcBef>
+              <a:buFont typeface="Arial"/>
+              <a:buChar char="•"/>
+              <a:defRPr sz="1800" kern="1200" baseline="0">
+                <a:solidFill>
+                  <a:schemeClr val="tx1"/>
+                </a:solidFill>
+                <a:latin typeface="Arial" charset="0"/>
+                <a:ea typeface="+mn-ea"/>
+                <a:cs typeface="+mn-cs"/>
+              </a:defRPr>
+            </a:lvl5pPr>
+            <a:lvl6pPr marL="2514600" indent="-228600" algn="l" defTabSz="914400" rtl="0" eaLnBrk="1" latinLnBrk="0" hangingPunct="1">
+              <a:lnSpc>
+                <a:spcPct val="90000"/>
+              </a:lnSpc>
+              <a:spcBef>
+                <a:spcPts val="500"/>
+              </a:spcBef>
+              <a:buFont typeface="Arial"/>
+              <a:buChar char="•"/>
+              <a:defRPr sz="1800" kern="1200">
+                <a:solidFill>
+                  <a:schemeClr val="tx1"/>
+                </a:solidFill>
+                <a:latin typeface="+mn-lt"/>
+                <a:ea typeface="+mn-ea"/>
+                <a:cs typeface="+mn-cs"/>
+              </a:defRPr>
+            </a:lvl6pPr>
+            <a:lvl7pPr marL="2971800" indent="-228600" algn="l" defTabSz="914400" rtl="0" eaLnBrk="1" latinLnBrk="0" hangingPunct="1">
+              <a:lnSpc>
+                <a:spcPct val="90000"/>
+              </a:lnSpc>
+              <a:spcBef>
+                <a:spcPts val="500"/>
+              </a:spcBef>
+              <a:buFont typeface="Arial"/>
+              <a:buChar char="•"/>
+              <a:defRPr sz="1800" kern="1200">
+                <a:solidFill>
+                  <a:schemeClr val="tx1"/>
+                </a:solidFill>
+                <a:latin typeface="+mn-lt"/>
+                <a:ea typeface="+mn-ea"/>
+                <a:cs typeface="+mn-cs"/>
+              </a:defRPr>
+            </a:lvl7pPr>
+            <a:lvl8pPr marL="3429000" indent="-228600" algn="l" defTabSz="914400" rtl="0" eaLnBrk="1" latinLnBrk="0" hangingPunct="1">
+              <a:lnSpc>
+                <a:spcPct val="90000"/>
+              </a:lnSpc>
+              <a:spcBef>
+                <a:spcPts val="500"/>
+              </a:spcBef>
+              <a:buFont typeface="Arial"/>
+              <a:buChar char="•"/>
+              <a:defRPr sz="1800" kern="1200">
+                <a:solidFill>
+                  <a:schemeClr val="tx1"/>
+                </a:solidFill>
+                <a:latin typeface="+mn-lt"/>
+                <a:ea typeface="+mn-ea"/>
+                <a:cs typeface="+mn-cs"/>
+              </a:defRPr>
+            </a:lvl8pPr>
+            <a:lvl9pPr marL="3886200" indent="-228600" algn="l" defTabSz="914400" rtl="0" eaLnBrk="1" latinLnBrk="0" hangingPunct="1">
+              <a:lnSpc>
+                <a:spcPct val="90000"/>
+              </a:lnSpc>
+              <a:spcBef>
+                <a:spcPts val="500"/>
+              </a:spcBef>
+              <a:buFont typeface="Arial"/>
+              <a:buChar char="•"/>
+              <a:defRPr sz="1800" kern="1200">
+                <a:solidFill>
+                  <a:schemeClr val="tx1"/>
+                </a:solidFill>
+                <a:latin typeface="+mn-lt"/>
+                <a:ea typeface="+mn-ea"/>
+                <a:cs typeface="+mn-cs"/>
+              </a:defRPr>
+            </a:lvl9pPr>
+          </a:lstStyle>
+          <a:p>
+            <a:r>
+              <a:rPr lang="nl-BE" dirty="0"/>
+              <a:t>Manueel VS automatisch</a:t>
+            </a:r>
+          </a:p>
+          <a:p>
+            <a:r>
+              <a:rPr lang="nl-BE" dirty="0"/>
+              <a:t>Tijd en moeite</a:t>
+            </a:r>
+          </a:p>
+          <a:p>
+            <a:endParaRPr lang="nl-BE" dirty="0"/>
+          </a:p>
+        </p:txBody>
+      </p:sp>
+      <p:pic>
+        <p:nvPicPr>
+          <p:cNvPr id="9" name="Picture 8">
+            <a:extLst>
+              <a:ext uri="{FF2B5EF4-FFF2-40B4-BE49-F238E27FC236}">
+                <a16:creationId xmlns:a16="http://schemas.microsoft.com/office/drawing/2014/main" id="{7AD6AF5D-5430-A54D-4B8B-802B5D912292}"/>
+              </a:ext>
+            </a:extLst>
+          </p:cNvPr>
+          <p:cNvPicPr>
+            <a:picLocks noChangeAspect="1"/>
+          </p:cNvPicPr>
+          <p:nvPr/>
+        </p:nvPicPr>
+        <p:blipFill>
+          <a:blip r:embed="rId3"/>
+          <a:stretch>
+            <a:fillRect/>
+          </a:stretch>
+        </p:blipFill>
+        <p:spPr>
+          <a:xfrm>
+            <a:off x="2263915" y="2605947"/>
+            <a:ext cx="519926" cy="477710"/>
+          </a:xfrm>
+          <a:prstGeom prst="rect">
+            <a:avLst/>
+          </a:prstGeom>
+        </p:spPr>
+      </p:pic>
+      <p:pic>
+        <p:nvPicPr>
+          <p:cNvPr id="11" name="Picture 10">
+            <a:extLst>
+              <a:ext uri="{FF2B5EF4-FFF2-40B4-BE49-F238E27FC236}">
+                <a16:creationId xmlns:a16="http://schemas.microsoft.com/office/drawing/2014/main" id="{222D9855-90CD-6D45-9167-F964DB09020A}"/>
+              </a:ext>
+            </a:extLst>
+          </p:cNvPr>
+          <p:cNvPicPr>
+            <a:picLocks noChangeAspect="1"/>
+          </p:cNvPicPr>
+          <p:nvPr/>
+        </p:nvPicPr>
+        <p:blipFill>
+          <a:blip r:embed="rId4"/>
+          <a:stretch>
+            <a:fillRect/>
+          </a:stretch>
+        </p:blipFill>
+        <p:spPr>
+          <a:xfrm>
+            <a:off x="3241879" y="3083657"/>
             <a:ext cx="425308" cy="425308"/>
           </a:xfrm>
           <a:prstGeom prst="rect">
@@ -30946,7 +34206,7 @@
         </p:nvSpPr>
         <p:spPr>
           <a:xfrm>
-            <a:off x="4068296" y="4265534"/>
+            <a:off x="4068296" y="4290074"/>
             <a:ext cx="940900" cy="369332"/>
           </a:xfrm>
           <a:prstGeom prst="rect">
@@ -30986,8 +34246,8 @@
         </p:nvCxnSpPr>
         <p:spPr>
           <a:xfrm>
-            <a:off x="5009196" y="4450200"/>
-            <a:ext cx="647821" cy="24540"/>
+            <a:off x="5009196" y="4474740"/>
+            <a:ext cx="647821" cy="0"/>
           </a:xfrm>
           <a:prstGeom prst="straightConnector1">
             <a:avLst/>
@@ -31532,7 +34792,7 @@
         </p:nvSpPr>
         <p:spPr>
           <a:xfrm>
-            <a:off x="4068296" y="4265534"/>
+            <a:off x="4068296" y="4293799"/>
             <a:ext cx="940900" cy="369332"/>
           </a:xfrm>
           <a:prstGeom prst="rect">
@@ -31571,9 +34831,9 @@
           <p:nvPr/>
         </p:nvCxnSpPr>
         <p:spPr>
-          <a:xfrm>
-            <a:off x="5009196" y="4450200"/>
-            <a:ext cx="647821" cy="24540"/>
+          <a:xfrm flipV="1">
+            <a:off x="5009196" y="4474740"/>
+            <a:ext cx="647821" cy="3725"/>
           </a:xfrm>
           <a:prstGeom prst="straightConnector1">
             <a:avLst/>
@@ -32118,7 +35378,7 @@
           <a:p>
             <a:r>
               <a:rPr lang="nl-BE" dirty="0"/>
-              <a:t>Analoog aan CTROM</a:t>
+              <a:t>Andere (maar equivalente) manier oplossen </a:t>
             </a:r>
           </a:p>
           <a:p>

--- a/Milestones/M3 december presentation/M3.pptx
+++ b/Milestones/M3 december presentation/M3.pptx
@@ -7018,7 +7018,7 @@
           <a:p>
             <a:fld id="{8F591CCF-F6FD-734B-854A-5BC033593B1E}" type="datetimeFigureOut">
               <a:rPr lang="nl-NL" smtClean="0"/>
-              <a:t>21-12-2022</a:t>
+              <a:t>22-12-2022</a:t>
             </a:fld>
             <a:endParaRPr lang="nl-NL"/>
           </a:p>
@@ -7183,7 +7183,7 @@
           <a:p>
             <a:fld id="{23C66214-DB21-4647-B5DA-0D17CA592867}" type="datetimeFigureOut">
               <a:rPr lang="nl-NL" smtClean="0"/>
-              <a:t>21-12-2022</a:t>
+              <a:t>22-12-2022</a:t>
             </a:fld>
             <a:endParaRPr lang="nl-NL"/>
           </a:p>
@@ -14955,7 +14955,7 @@
           <a:p>
             <a:fld id="{A6AC6004-332E-443B-AEE9-F68B98D86626}" type="datetime1">
               <a:rPr lang="nl-BE" smtClean="0"/>
-              <a:t>21/12/2022</a:t>
+              <a:t>22/12/2022</a:t>
             </a:fld>
             <a:endParaRPr lang="nl-NL"/>
           </a:p>
@@ -15238,7 +15238,7 @@
           <a:p>
             <a:fld id="{18BB5DFC-17D3-47A0-B171-B4E4D1575E7B}" type="datetime1">
               <a:rPr lang="nl-BE" smtClean="0"/>
-              <a:t>21/12/2022</a:t>
+              <a:t>22/12/2022</a:t>
             </a:fld>
             <a:endParaRPr lang="nl-NL"/>
           </a:p>
@@ -15568,7 +15568,7 @@
           <a:p>
             <a:fld id="{DFE966B0-6D13-414C-BF72-6FF6C60AEC98}" type="datetime1">
               <a:rPr lang="nl-BE" smtClean="0"/>
-              <a:t>21/12/2022</a:t>
+              <a:t>22/12/2022</a:t>
             </a:fld>
             <a:endParaRPr lang="nl-NL"/>
           </a:p>
@@ -15888,7 +15888,7 @@
           <a:p>
             <a:fld id="{C812C44A-F540-4B98-810B-5F6EB90D9C13}" type="datetime1">
               <a:rPr lang="nl-BE" smtClean="0"/>
-              <a:t>21/12/2022</a:t>
+              <a:t>22/12/2022</a:t>
             </a:fld>
             <a:endParaRPr lang="nl-NL" dirty="0"/>
           </a:p>
@@ -16209,7 +16209,7 @@
           <a:p>
             <a:fld id="{8363B599-027A-42E4-AF08-DCDA683C2C05}" type="datetime1">
               <a:rPr lang="nl-BE" smtClean="0"/>
-              <a:t>21/12/2022</a:t>
+              <a:t>22/12/2022</a:t>
             </a:fld>
             <a:endParaRPr lang="nl-NL" dirty="0"/>
           </a:p>
@@ -16351,7 +16351,7 @@
           <a:p>
             <a:fld id="{896510B4-3146-4BB8-B92E-62730CD81C72}" type="datetime1">
               <a:rPr lang="nl-BE" smtClean="0"/>
-              <a:t>21/12/2022</a:t>
+              <a:t>22/12/2022</a:t>
             </a:fld>
             <a:endParaRPr lang="nl-NL"/>
           </a:p>
@@ -16835,7 +16835,7 @@
           <a:p>
             <a:fld id="{9D02B56F-A388-429F-978E-7B79C73B0741}" type="datetime1">
               <a:rPr lang="nl-BE" smtClean="0"/>
-              <a:t>21/12/2022</a:t>
+              <a:t>22/12/2022</a:t>
             </a:fld>
             <a:endParaRPr lang="nl-NL" dirty="0"/>
           </a:p>
@@ -16956,7 +16956,7 @@
           <a:p>
             <a:fld id="{CFC1976B-B1C6-4CE3-88E7-0F7B3C0EB754}" type="datetime1">
               <a:rPr lang="nl-BE" smtClean="0"/>
-              <a:t>21/12/2022</a:t>
+              <a:t>22/12/2022</a:t>
             </a:fld>
             <a:endParaRPr lang="nl-NL"/>
           </a:p>
@@ -17077,7 +17077,7 @@
           <a:p>
             <a:fld id="{9D9EDC0B-32E5-488B-8BC1-103B52D9F530}" type="datetime1">
               <a:rPr lang="nl-BE" smtClean="0"/>
-              <a:t>21/12/2022</a:t>
+              <a:t>22/12/2022</a:t>
             </a:fld>
             <a:endParaRPr lang="nl-NL"/>
           </a:p>
@@ -17259,7 +17259,7 @@
           <a:p>
             <a:fld id="{47FF4611-E6C1-4123-99C9-582B0DC5EFCF}" type="datetime1">
               <a:rPr lang="nl-BE" smtClean="0"/>
-              <a:t>21/12/2022</a:t>
+              <a:t>22/12/2022</a:t>
             </a:fld>
             <a:endParaRPr lang="nl-NL" dirty="0"/>
           </a:p>
@@ -17543,7 +17543,7 @@
           <a:p>
             <a:fld id="{7E5B4B50-A2A3-4C24-AE79-A292DD23C44A}" type="datetime1">
               <a:rPr lang="nl-BE" smtClean="0"/>
-              <a:t>21/12/2022</a:t>
+              <a:t>22/12/2022</a:t>
             </a:fld>
             <a:endParaRPr lang="nl-NL" dirty="0"/>
           </a:p>
@@ -18184,7 +18184,7 @@
           <a:p>
             <a:fld id="{560602C3-E89F-44D5-8AA8-1213C1FA739E}" type="datetime1">
               <a:rPr lang="nl-BE" smtClean="0"/>
-              <a:t>21/12/2022</a:t>
+              <a:t>22/12/2022</a:t>
             </a:fld>
             <a:endParaRPr lang="nl-NL" dirty="0"/>
           </a:p>
@@ -19106,12 +19106,6 @@
           <a:p>
             <a:r>
               <a:rPr lang="en-US" sz="1700" dirty="0"/>
-              <a:t>Adding constraints to “XOR()” (with True/False to balance)</a:t>
-            </a:r>
-          </a:p>
-          <a:p>
-            <a:r>
-              <a:rPr lang="en-US" sz="1700" dirty="0"/>
               <a:t>Adding “== 1” to constraints</a:t>
             </a:r>
           </a:p>
@@ -19136,12 +19130,6 @@
           <a:p>
             <a:r>
               <a:rPr lang="en-US" sz="1700" dirty="0"/>
-              <a:t>Semantic fusion with “+, -, *, ^ (xor), &amp;, == and !=</a:t>
-            </a:r>
-          </a:p>
-          <a:p>
-            <a:r>
-              <a:rPr lang="en-US" sz="1700" dirty="0"/>
               <a:t>Adding random comparison constraints independent from original model</a:t>
             </a:r>
           </a:p>
@@ -19149,6 +19137,12 @@
             <a:r>
               <a:rPr lang="en-US" sz="1700" dirty="0"/>
               <a:t>Adding implications: True -&gt;A, A-&gt;B, if boolean constraints then A == B</a:t>
+            </a:r>
+          </a:p>
+          <a:p>
+            <a:r>
+              <a:rPr lang="en-US" sz="1700" dirty="0"/>
+              <a:t>Adding constraints to “XOR()” (with True/False to balance)</a:t>
             </a:r>
           </a:p>
         </p:txBody>
@@ -19167,8 +19161,8 @@
         </p:nvSpPr>
         <p:spPr>
           <a:xfrm>
-            <a:off x="6968141" y="1588177"/>
-            <a:ext cx="4993199" cy="1754326"/>
+            <a:off x="6349285" y="1961664"/>
+            <a:ext cx="5496146" cy="2031325"/>
           </a:xfrm>
           <a:prstGeom prst="rect">
             <a:avLst/>
@@ -19219,6 +19213,23 @@
               <a:rPr lang="en-US" dirty="0"/>
               <a:t>Adding “All()” with True and constraints</a:t>
             </a:r>
+          </a:p>
+          <a:p>
+            <a:pPr marL="285750" indent="-285750">
+              <a:buFont typeface="Arial" panose="020B0604020202020204" pitchFamily="34" charset="0"/>
+              <a:buChar char="•"/>
+            </a:pPr>
+            <a:r>
+              <a:rPr lang="en-US" sz="1800" dirty="0"/>
+              <a:t>Semantic fusion with “+, -, *, ^ (xor), &amp;, == and !=</a:t>
+            </a:r>
+          </a:p>
+          <a:p>
+            <a:pPr marL="285750" indent="-285750">
+              <a:buFont typeface="Arial" panose="020B0604020202020204" pitchFamily="34" charset="0"/>
+              <a:buChar char="•"/>
+            </a:pPr>
+            <a:endParaRPr lang="en-US" dirty="0"/>
           </a:p>
           <a:p>
             <a:endParaRPr lang="en-US" dirty="0"/>
@@ -33671,7 +33682,7 @@
         </p:blipFill>
         <p:spPr>
           <a:xfrm>
-            <a:off x="3241879" y="3083657"/>
+            <a:off x="3125970" y="3083657"/>
             <a:ext cx="425308" cy="425308"/>
           </a:xfrm>
           <a:prstGeom prst="rect">
